--- a/ALG/docs/数据结构与算法.pptx
+++ b/ALG/docs/数据结构与算法.pptx
@@ -18,19 +18,23 @@
     <p:sldId id="266" r:id="rId12"/>
     <p:sldId id="267" r:id="rId13"/>
     <p:sldId id="278" r:id="rId14"/>
-    <p:sldId id="268" r:id="rId15"/>
-    <p:sldId id="269" r:id="rId16"/>
-    <p:sldId id="270" r:id="rId17"/>
-    <p:sldId id="276" r:id="rId18"/>
-    <p:sldId id="277" r:id="rId19"/>
-    <p:sldId id="285" r:id="rId20"/>
-    <p:sldId id="271" r:id="rId21"/>
-    <p:sldId id="284" r:id="rId22"/>
-    <p:sldId id="272" r:id="rId23"/>
-    <p:sldId id="280" r:id="rId24"/>
-    <p:sldId id="281" r:id="rId25"/>
-    <p:sldId id="282" r:id="rId26"/>
-    <p:sldId id="279" r:id="rId27"/>
+    <p:sldId id="292" r:id="rId15"/>
+    <p:sldId id="290" r:id="rId16"/>
+    <p:sldId id="268" r:id="rId17"/>
+    <p:sldId id="286" r:id="rId18"/>
+    <p:sldId id="269" r:id="rId19"/>
+    <p:sldId id="270" r:id="rId20"/>
+    <p:sldId id="276" r:id="rId21"/>
+    <p:sldId id="277" r:id="rId22"/>
+    <p:sldId id="288" r:id="rId23"/>
+    <p:sldId id="291" r:id="rId24"/>
+    <p:sldId id="293" r:id="rId25"/>
+    <p:sldId id="271" r:id="rId26"/>
+    <p:sldId id="272" r:id="rId27"/>
+    <p:sldId id="280" r:id="rId28"/>
+    <p:sldId id="281" r:id="rId29"/>
+    <p:sldId id="282" r:id="rId30"/>
+    <p:sldId id="279" r:id="rId31"/>
   </p:sldIdLst>
   <p:sldSz cx="12192000" cy="6858000"/>
   <p:notesSz cx="6858000" cy="9144000"/>
@@ -2994,12 +2998,6 @@
               </a:rPr>
               <a:t>数据结构与算法初探</a:t>
             </a:r>
-            <a:r>
-              <a:rPr lang="zh-CN" altLang="en-US" dirty="0">
-                <a:effectLst/>
-              </a:rPr>
-              <a:t/>
-            </a:r>
             <a:br>
               <a:rPr lang="zh-CN" altLang="en-US" dirty="0">
                 <a:effectLst/>
@@ -3447,19 +3445,11 @@
                   <a:srgbClr val="FF0000"/>
                 </a:solidFill>
               </a:rPr>
-              <a:t>O(1</a:t>
-            </a:r>
-            <a:r>
-              <a:rPr lang="en-US" altLang="zh-CN" b="1" dirty="0" smtClean="0">
-                <a:solidFill>
-                  <a:srgbClr val="FF0000"/>
-                </a:solidFill>
-              </a:rPr>
-              <a:t>)</a:t>
-            </a:r>
-          </a:p>
-          <a:p>
-            <a:endParaRPr lang="en-US" altLang="zh-CN" b="1" dirty="0" smtClean="0">
+              <a:t>O(1)</a:t>
+            </a:r>
+          </a:p>
+          <a:p>
+            <a:endParaRPr lang="en-US" altLang="zh-CN" b="1" dirty="0">
               <a:solidFill>
                 <a:srgbClr val="FF0000"/>
               </a:solidFill>
@@ -3701,7 +3691,13 @@
       </p:grpSpPr>
       <p:sp>
         <p:nvSpPr>
-          <p:cNvPr id="6" name="副标题 2"/>
+          <p:cNvPr id="4" name="副标题 2">
+            <a:extLst>
+              <a:ext uri="{FF2B5EF4-FFF2-40B4-BE49-F238E27FC236}">
+                <a16:creationId xmlns:a16="http://schemas.microsoft.com/office/drawing/2014/main" id="{24C62F89-397E-41FE-9EBB-3B168D8DD884}"/>
+              </a:ext>
+            </a:extLst>
+          </p:cNvPr>
           <p:cNvSpPr>
             <a:spLocks noGrp="1"/>
           </p:cNvSpPr>
@@ -3711,8 +3707,8 @@
         </p:nvSpPr>
         <p:spPr>
           <a:xfrm>
-            <a:off x="809897" y="440825"/>
-            <a:ext cx="10476411" cy="595495"/>
+            <a:off x="809625" y="441325"/>
+            <a:ext cx="10475913" cy="5872163"/>
           </a:xfrm>
         </p:spPr>
         <p:txBody>
@@ -3723,269 +3719,61 @@
           <a:p>
             <a:r>
               <a:rPr lang="zh-CN" altLang="en-US" sz="3200" b="1" dirty="0"/>
-              <a:t>数组 </a:t>
-            </a:r>
-            <a:r>
-              <a:rPr lang="en-US" altLang="zh-CN" sz="3200" b="1" dirty="0"/>
-              <a:t>— </a:t>
-            </a:r>
-            <a:r>
-              <a:rPr lang="zh-CN" altLang="en-US" sz="3200" b="1" dirty="0"/>
-              <a:t>定义</a:t>
+              <a:t>空间复杂度</a:t>
             </a:r>
             <a:endParaRPr lang="en-US" altLang="zh-CN" sz="3200" b="1" dirty="0"/>
           </a:p>
-        </p:txBody>
-      </p:sp>
-      <p:sp>
-        <p:nvSpPr>
-          <p:cNvPr id="3" name="副标题 2"/>
-          <p:cNvSpPr txBox="1">
-            <a:spLocks/>
-          </p:cNvSpPr>
-          <p:nvPr/>
-        </p:nvSpPr>
-        <p:spPr>
-          <a:xfrm>
-            <a:off x="809897" y="2247858"/>
-            <a:ext cx="10476411" cy="3134044"/>
-          </a:xfrm>
-          <a:prstGeom prst="rect">
-            <a:avLst/>
-          </a:prstGeom>
-        </p:spPr>
-        <p:txBody>
-          <a:bodyPr vert="horz" lIns="91440" tIns="45720" rIns="91440" bIns="45720" rtlCol="0">
-            <a:normAutofit/>
-          </a:bodyPr>
-          <a:lstStyle>
-            <a:lvl1pPr marL="0" indent="0" algn="ctr" defTabSz="914400" rtl="0" eaLnBrk="1" latinLnBrk="0" hangingPunct="1">
-              <a:lnSpc>
-                <a:spcPct val="90000"/>
-              </a:lnSpc>
-              <a:spcBef>
-                <a:spcPts val="1000"/>
-              </a:spcBef>
-              <a:buFont typeface="Arial" panose="020B0604020202020204" pitchFamily="34" charset="0"/>
-              <a:buNone/>
-              <a:defRPr sz="2400" kern="1200">
-                <a:solidFill>
-                  <a:schemeClr val="tx1"/>
-                </a:solidFill>
-                <a:latin typeface="+mn-lt"/>
-                <a:ea typeface="+mn-ea"/>
-                <a:cs typeface="+mn-cs"/>
-              </a:defRPr>
-            </a:lvl1pPr>
-            <a:lvl2pPr marL="457200" indent="0" algn="ctr" defTabSz="914400" rtl="0" eaLnBrk="1" latinLnBrk="0" hangingPunct="1">
-              <a:lnSpc>
-                <a:spcPct val="90000"/>
-              </a:lnSpc>
-              <a:spcBef>
-                <a:spcPts val="500"/>
-              </a:spcBef>
-              <a:buFont typeface="Arial" panose="020B0604020202020204" pitchFamily="34" charset="0"/>
-              <a:buNone/>
-              <a:defRPr sz="2000" kern="1200">
-                <a:solidFill>
-                  <a:schemeClr val="tx1"/>
-                </a:solidFill>
-                <a:latin typeface="+mn-lt"/>
-                <a:ea typeface="+mn-ea"/>
-                <a:cs typeface="+mn-cs"/>
-              </a:defRPr>
-            </a:lvl2pPr>
-            <a:lvl3pPr marL="914400" indent="0" algn="ctr" defTabSz="914400" rtl="0" eaLnBrk="1" latinLnBrk="0" hangingPunct="1">
-              <a:lnSpc>
-                <a:spcPct val="90000"/>
-              </a:lnSpc>
-              <a:spcBef>
-                <a:spcPts val="500"/>
-              </a:spcBef>
-              <a:buFont typeface="Arial" panose="020B0604020202020204" pitchFamily="34" charset="0"/>
-              <a:buNone/>
-              <a:defRPr sz="1800" kern="1200">
-                <a:solidFill>
-                  <a:schemeClr val="tx1"/>
-                </a:solidFill>
-                <a:latin typeface="+mn-lt"/>
-                <a:ea typeface="+mn-ea"/>
-                <a:cs typeface="+mn-cs"/>
-              </a:defRPr>
-            </a:lvl3pPr>
-            <a:lvl4pPr marL="1371600" indent="0" algn="ctr" defTabSz="914400" rtl="0" eaLnBrk="1" latinLnBrk="0" hangingPunct="1">
-              <a:lnSpc>
-                <a:spcPct val="90000"/>
-              </a:lnSpc>
-              <a:spcBef>
-                <a:spcPts val="500"/>
-              </a:spcBef>
-              <a:buFont typeface="Arial" panose="020B0604020202020204" pitchFamily="34" charset="0"/>
-              <a:buNone/>
-              <a:defRPr sz="1600" kern="1200">
-                <a:solidFill>
-                  <a:schemeClr val="tx1"/>
-                </a:solidFill>
-                <a:latin typeface="+mn-lt"/>
-                <a:ea typeface="+mn-ea"/>
-                <a:cs typeface="+mn-cs"/>
-              </a:defRPr>
-            </a:lvl4pPr>
-            <a:lvl5pPr marL="1828800" indent="0" algn="ctr" defTabSz="914400" rtl="0" eaLnBrk="1" latinLnBrk="0" hangingPunct="1">
-              <a:lnSpc>
-                <a:spcPct val="90000"/>
-              </a:lnSpc>
-              <a:spcBef>
-                <a:spcPts val="500"/>
-              </a:spcBef>
-              <a:buFont typeface="Arial" panose="020B0604020202020204" pitchFamily="34" charset="0"/>
-              <a:buNone/>
-              <a:defRPr sz="1600" kern="1200">
-                <a:solidFill>
-                  <a:schemeClr val="tx1"/>
-                </a:solidFill>
-                <a:latin typeface="+mn-lt"/>
-                <a:ea typeface="+mn-ea"/>
-                <a:cs typeface="+mn-cs"/>
-              </a:defRPr>
-            </a:lvl5pPr>
-            <a:lvl6pPr marL="2286000" indent="0" algn="ctr" defTabSz="914400" rtl="0" eaLnBrk="1" latinLnBrk="0" hangingPunct="1">
-              <a:lnSpc>
-                <a:spcPct val="90000"/>
-              </a:lnSpc>
-              <a:spcBef>
-                <a:spcPts val="500"/>
-              </a:spcBef>
-              <a:buFont typeface="Arial" panose="020B0604020202020204" pitchFamily="34" charset="0"/>
-              <a:buNone/>
-              <a:defRPr sz="1600" kern="1200">
-                <a:solidFill>
-                  <a:schemeClr val="tx1"/>
-                </a:solidFill>
-                <a:latin typeface="+mn-lt"/>
-                <a:ea typeface="+mn-ea"/>
-                <a:cs typeface="+mn-cs"/>
-              </a:defRPr>
-            </a:lvl6pPr>
-            <a:lvl7pPr marL="2743200" indent="0" algn="ctr" defTabSz="914400" rtl="0" eaLnBrk="1" latinLnBrk="0" hangingPunct="1">
-              <a:lnSpc>
-                <a:spcPct val="90000"/>
-              </a:lnSpc>
-              <a:spcBef>
-                <a:spcPts val="500"/>
-              </a:spcBef>
-              <a:buFont typeface="Arial" panose="020B0604020202020204" pitchFamily="34" charset="0"/>
-              <a:buNone/>
-              <a:defRPr sz="1600" kern="1200">
-                <a:solidFill>
-                  <a:schemeClr val="tx1"/>
-                </a:solidFill>
-                <a:latin typeface="+mn-lt"/>
-                <a:ea typeface="+mn-ea"/>
-                <a:cs typeface="+mn-cs"/>
-              </a:defRPr>
-            </a:lvl7pPr>
-            <a:lvl8pPr marL="3200400" indent="0" algn="ctr" defTabSz="914400" rtl="0" eaLnBrk="1" latinLnBrk="0" hangingPunct="1">
-              <a:lnSpc>
-                <a:spcPct val="90000"/>
-              </a:lnSpc>
-              <a:spcBef>
-                <a:spcPts val="500"/>
-              </a:spcBef>
-              <a:buFont typeface="Arial" panose="020B0604020202020204" pitchFamily="34" charset="0"/>
-              <a:buNone/>
-              <a:defRPr sz="1600" kern="1200">
-                <a:solidFill>
-                  <a:schemeClr val="tx1"/>
-                </a:solidFill>
-                <a:latin typeface="+mn-lt"/>
-                <a:ea typeface="+mn-ea"/>
-                <a:cs typeface="+mn-cs"/>
-              </a:defRPr>
-            </a:lvl8pPr>
-            <a:lvl9pPr marL="3657600" indent="0" algn="ctr" defTabSz="914400" rtl="0" eaLnBrk="1" latinLnBrk="0" hangingPunct="1">
-              <a:lnSpc>
-                <a:spcPct val="90000"/>
-              </a:lnSpc>
-              <a:spcBef>
-                <a:spcPts val="500"/>
-              </a:spcBef>
-              <a:buFont typeface="Arial" panose="020B0604020202020204" pitchFamily="34" charset="0"/>
-              <a:buNone/>
-              <a:defRPr sz="1600" kern="1200">
-                <a:solidFill>
-                  <a:schemeClr val="tx1"/>
-                </a:solidFill>
-                <a:latin typeface="+mn-lt"/>
-                <a:ea typeface="+mn-ea"/>
-                <a:cs typeface="+mn-cs"/>
-              </a:defRPr>
-            </a:lvl9pPr>
-          </a:lstStyle>
-          <a:p>
-            <a:r>
-              <a:rPr lang="zh-CN" altLang="en-US" sz="2800" dirty="0">
+          <a:p>
+            <a:endParaRPr lang="en-US" altLang="zh-CN" sz="2800" dirty="0"/>
+          </a:p>
+          <a:p>
+            <a:endParaRPr lang="en-US" altLang="zh-CN" dirty="0"/>
+          </a:p>
+          <a:p>
+            <a:r>
+              <a:rPr lang="en-US" altLang="zh-CN" dirty="0"/>
+              <a:t>【</a:t>
+            </a:r>
+            <a:r>
+              <a:rPr lang="zh-CN" altLang="en-US" dirty="0"/>
+              <a:t>存储空间与数据规模增长的变化</a:t>
+            </a:r>
+            <a:r>
+              <a:rPr lang="zh-CN" altLang="en-US" b="1" dirty="0">
                 <a:solidFill>
                   <a:srgbClr val="FF0000"/>
                 </a:solidFill>
               </a:rPr>
-              <a:t>连续</a:t>
-            </a:r>
-            <a:r>
-              <a:rPr lang="zh-CN" altLang="en-US" sz="2800" dirty="0"/>
-              <a:t>的内存空间</a:t>
-            </a:r>
-            <a:endParaRPr lang="en-US" altLang="zh-CN" sz="2800" dirty="0"/>
-          </a:p>
-          <a:p>
-            <a:endParaRPr lang="en-US" altLang="zh-CN" sz="2800" dirty="0"/>
-          </a:p>
-          <a:p>
-            <a:r>
-              <a:rPr lang="zh-CN" altLang="en-US" sz="2800" dirty="0"/>
-              <a:t>存储着</a:t>
-            </a:r>
-            <a:r>
-              <a:rPr lang="zh-CN" altLang="en-US" sz="2800" dirty="0">
-                <a:solidFill>
-                  <a:srgbClr val="FF0000"/>
-                </a:solidFill>
-              </a:rPr>
-              <a:t>相同</a:t>
-            </a:r>
-            <a:r>
-              <a:rPr lang="zh-CN" altLang="en-US" sz="2800" dirty="0"/>
-              <a:t>的数据类型</a:t>
-            </a:r>
-            <a:endParaRPr lang="en-US" altLang="zh-CN" sz="2800" dirty="0"/>
-          </a:p>
-          <a:p>
-            <a:endParaRPr lang="en-US" altLang="zh-CN" sz="2800" dirty="0"/>
-          </a:p>
-          <a:p>
-            <a:r>
-              <a:rPr lang="zh-CN" altLang="en-US" sz="2800" dirty="0">
-                <a:solidFill>
-                  <a:srgbClr val="FF0000"/>
-                </a:solidFill>
-              </a:rPr>
-              <a:t>线性</a:t>
-            </a:r>
-            <a:r>
-              <a:rPr lang="zh-CN" altLang="en-US" sz="2800" dirty="0"/>
-              <a:t>表数据结构</a:t>
-            </a:r>
-            <a:endParaRPr lang="en-US" altLang="zh-CN" sz="2800" dirty="0"/>
-          </a:p>
-          <a:p>
-            <a:endParaRPr lang="en-US" altLang="zh-CN" sz="3200" b="1" dirty="0"/>
+              <a:t>趋势</a:t>
+            </a:r>
+            <a:r>
+              <a:rPr lang="en-US" altLang="zh-CN" dirty="0"/>
+              <a:t>】</a:t>
+            </a:r>
+          </a:p>
+          <a:p>
+            <a:endParaRPr lang="en-US" altLang="zh-CN" dirty="0"/>
+          </a:p>
+          <a:p>
+            <a:r>
+              <a:rPr lang="en-US" altLang="zh-CN" dirty="0"/>
+              <a:t>【</a:t>
+            </a:r>
+            <a:r>
+              <a:rPr lang="zh-CN" altLang="en-US" dirty="0"/>
+              <a:t>渐进空间复杂度</a:t>
+            </a:r>
+            <a:r>
+              <a:rPr lang="en-US" altLang="zh-CN" dirty="0"/>
+              <a:t>】</a:t>
+            </a:r>
           </a:p>
         </p:txBody>
       </p:sp>
     </p:spTree>
     <p:extLst>
       <p:ext uri="{BB962C8B-B14F-4D97-AF65-F5344CB8AC3E}">
-        <p14:creationId xmlns:p14="http://schemas.microsoft.com/office/powerpoint/2010/main" val="2945410482"/>
+        <p14:creationId xmlns:p14="http://schemas.microsoft.com/office/powerpoint/2010/main" val="116908222"/>
       </p:ext>
     </p:extLst>
   </p:cSld>
@@ -4024,8 +3812,8 @@
         </p:nvSpPr>
         <p:spPr>
           <a:xfrm>
-            <a:off x="809897" y="423408"/>
-            <a:ext cx="10476411" cy="595495"/>
+            <a:off x="809897" y="276292"/>
+            <a:ext cx="10476411" cy="558209"/>
           </a:xfrm>
         </p:spPr>
         <p:txBody>
@@ -4036,15 +3824,15 @@
           <a:p>
             <a:r>
               <a:rPr lang="zh-CN" altLang="en-US" sz="3200" b="1" dirty="0"/>
-              <a:t>数组 </a:t>
+              <a:t>大</a:t>
             </a:r>
             <a:r>
               <a:rPr lang="en-US" altLang="zh-CN" sz="3200" b="1" dirty="0"/>
-              <a:t>— </a:t>
+              <a:t>O</a:t>
             </a:r>
             <a:r>
               <a:rPr lang="zh-CN" altLang="en-US" sz="3200" b="1" dirty="0"/>
-              <a:t>随机访问</a:t>
+              <a:t>表示法</a:t>
             </a:r>
             <a:endParaRPr lang="en-US" altLang="zh-CN" sz="3200" b="1" dirty="0"/>
           </a:p>
@@ -4052,7 +3840,13 @@
       </p:sp>
       <p:sp>
         <p:nvSpPr>
-          <p:cNvPr id="3" name="副标题 2"/>
+          <p:cNvPr id="3" name="副标题 2">
+            <a:extLst>
+              <a:ext uri="{FF2B5EF4-FFF2-40B4-BE49-F238E27FC236}">
+                <a16:creationId xmlns:a16="http://schemas.microsoft.com/office/drawing/2014/main" id="{E621C6CE-95BB-4103-A368-D1C3BC0CCFFC}"/>
+              </a:ext>
+            </a:extLst>
+          </p:cNvPr>
           <p:cNvSpPr txBox="1">
             <a:spLocks/>
           </p:cNvSpPr>
@@ -4060,8 +3854,8 @@
         </p:nvSpPr>
         <p:spPr>
           <a:xfrm>
-            <a:off x="809897" y="1568585"/>
-            <a:ext cx="10476411" cy="4675461"/>
+            <a:off x="857794" y="1884633"/>
+            <a:ext cx="10754198" cy="4347491"/>
           </a:xfrm>
           <a:prstGeom prst="rect">
             <a:avLst/>
@@ -4236,72 +4030,315 @@
             </a:lvl9pPr>
           </a:lstStyle>
           <a:p>
-            <a:endParaRPr lang="en-US" altLang="zh-CN" sz="2800" dirty="0"/>
-          </a:p>
-          <a:p>
-            <a:r>
-              <a:rPr lang="zh-CN" altLang="en-US" sz="2800" dirty="0"/>
-              <a:t>下标  随机访问</a:t>
-            </a:r>
-            <a:endParaRPr lang="en-US" altLang="zh-CN" sz="2800" dirty="0"/>
-          </a:p>
-          <a:p>
-            <a:endParaRPr lang="en-US" altLang="zh-CN" dirty="0"/>
-          </a:p>
-          <a:p>
-            <a:r>
-              <a:rPr lang="en-US" altLang="zh-CN" sz="2800" b="1" dirty="0"/>
-              <a:t>search[</a:t>
-            </a:r>
-            <a:r>
-              <a:rPr lang="en-US" altLang="zh-CN" sz="2800" b="1" dirty="0" err="1"/>
-              <a:t>i</a:t>
-            </a:r>
-            <a:r>
-              <a:rPr lang="en-US" altLang="zh-CN" sz="2800" b="1" dirty="0"/>
-              <a:t>]_address = </a:t>
-            </a:r>
-            <a:r>
-              <a:rPr lang="en-US" altLang="zh-CN" sz="2800" b="1" dirty="0" err="1"/>
-              <a:t>base_address</a:t>
-            </a:r>
-            <a:r>
-              <a:rPr lang="en-US" altLang="zh-CN" sz="2800" b="1" dirty="0"/>
-              <a:t> + </a:t>
-            </a:r>
-            <a:r>
-              <a:rPr lang="en-US" altLang="zh-CN" sz="2800" b="1" dirty="0" err="1"/>
-              <a:t>i</a:t>
-            </a:r>
-            <a:r>
-              <a:rPr lang="en-US" altLang="zh-CN" sz="2800" b="1" dirty="0"/>
-              <a:t> * </a:t>
-            </a:r>
-            <a:r>
-              <a:rPr lang="en-US" altLang="zh-CN" sz="2800" b="1" dirty="0" err="1"/>
-              <a:t>data_type_size</a:t>
-            </a:r>
-            <a:endParaRPr lang="en-US" altLang="zh-CN" sz="2800" b="1" dirty="0"/>
-          </a:p>
-          <a:p>
-            <a:endParaRPr lang="en-US" altLang="zh-CN" sz="2800" dirty="0"/>
-          </a:p>
-          <a:p>
-            <a:r>
-              <a:rPr lang="zh-CN" altLang="en-US" sz="2800" dirty="0"/>
-              <a:t>时间复杂度为 </a:t>
-            </a:r>
-            <a:r>
-              <a:rPr lang="en-US" altLang="zh-CN" sz="2800" dirty="0"/>
-              <a:t>O(1)</a:t>
-            </a:r>
+            <a:pPr algn="l"/>
+            <a:r>
+              <a:rPr lang="zh-CN" altLang="en-US" sz="2000" b="1" dirty="0"/>
+              <a:t>大</a:t>
+            </a:r>
+            <a:r>
+              <a:rPr lang="en-US" altLang="zh-CN" sz="2000" b="1" dirty="0"/>
+              <a:t>O</a:t>
+            </a:r>
+            <a:r>
+              <a:rPr lang="zh-CN" altLang="en-US" sz="2000" b="1" dirty="0"/>
+              <a:t>符号</a:t>
+            </a:r>
+            <a:r>
+              <a:rPr lang="zh-CN" altLang="en-US" sz="2000" dirty="0"/>
+              <a:t>（英语：</a:t>
+            </a:r>
+            <a:r>
+              <a:rPr lang="en-US" altLang="zh-CN" sz="2000" dirty="0"/>
+              <a:t>Big O notation</a:t>
+            </a:r>
+            <a:r>
+              <a:rPr lang="zh-CN" altLang="en-US" sz="2000" dirty="0"/>
+              <a:t>），又称为</a:t>
+            </a:r>
+            <a:r>
+              <a:rPr lang="zh-CN" altLang="en-US" sz="2000" b="1" dirty="0"/>
+              <a:t>渐进符号</a:t>
+            </a:r>
+            <a:r>
+              <a:rPr lang="zh-CN" altLang="en-US" sz="2000" dirty="0"/>
+              <a:t>，是用于描述</a:t>
+            </a:r>
+            <a:r>
+              <a:rPr lang="zh-CN" altLang="en-US" sz="2000" dirty="0">
+                <a:hlinkClick r:id="rId2" tooltip="函数"/>
+              </a:rPr>
+              <a:t>函数</a:t>
+            </a:r>
+            <a:r>
+              <a:rPr lang="zh-CN" altLang="en-US" sz="2000" dirty="0">
+                <a:hlinkClick r:id="rId3" tooltip="渐近分析"/>
+              </a:rPr>
+              <a:t>渐近行为</a:t>
+            </a:r>
+            <a:r>
+              <a:rPr lang="zh-CN" altLang="en-US" sz="2000" dirty="0"/>
+              <a:t>的</a:t>
+            </a:r>
+            <a:r>
+              <a:rPr lang="zh-CN" altLang="en-US" sz="2000" dirty="0">
+                <a:hlinkClick r:id="rId4" tooltip="数学"/>
+              </a:rPr>
+              <a:t>数学</a:t>
+            </a:r>
+            <a:r>
+              <a:rPr lang="zh-CN" altLang="en-US" sz="2000" dirty="0"/>
+              <a:t>符号。</a:t>
+            </a:r>
+            <a:endParaRPr lang="en-US" altLang="zh-CN" sz="2000" dirty="0"/>
+          </a:p>
+          <a:p>
+            <a:pPr algn="l"/>
+            <a:endParaRPr lang="en-US" altLang="zh-CN" sz="2000" dirty="0"/>
+          </a:p>
+          <a:p>
+            <a:pPr algn="l"/>
+            <a:r>
+              <a:rPr lang="zh-CN" altLang="en-US" sz="2000" dirty="0"/>
+              <a:t>更确切地说，它是用另一个（通常更简单的）函数来描述一个函数</a:t>
+            </a:r>
+            <a:r>
+              <a:rPr lang="zh-CN" altLang="en-US" sz="2000" dirty="0">
+                <a:hlinkClick r:id="rId5" tooltip="数量级"/>
+              </a:rPr>
+              <a:t>数量级</a:t>
+            </a:r>
+            <a:r>
+              <a:rPr lang="zh-CN" altLang="en-US" sz="2000" dirty="0"/>
+              <a:t>的</a:t>
+            </a:r>
+            <a:r>
+              <a:rPr lang="zh-CN" altLang="en-US" sz="2000" b="1" dirty="0"/>
+              <a:t>渐近上界</a:t>
+            </a:r>
+            <a:r>
+              <a:rPr lang="zh-CN" altLang="en-US" sz="2000" dirty="0"/>
+              <a:t>。</a:t>
+            </a:r>
+            <a:endParaRPr lang="en-US" altLang="zh-CN" sz="2000" dirty="0"/>
+          </a:p>
+          <a:p>
+            <a:pPr algn="l"/>
+            <a:endParaRPr lang="en-US" altLang="zh-CN" sz="2000" dirty="0"/>
+          </a:p>
+          <a:p>
+            <a:pPr algn="l"/>
+            <a:r>
+              <a:rPr lang="zh-CN" altLang="en-US" sz="2000" dirty="0"/>
+              <a:t>大</a:t>
+            </a:r>
+            <a:r>
+              <a:rPr lang="en-US" altLang="zh-CN" sz="2000" dirty="0"/>
+              <a:t>O</a:t>
+            </a:r>
+            <a:r>
+              <a:rPr lang="zh-CN" altLang="en-US" sz="2000" dirty="0"/>
+              <a:t>符号是由</a:t>
+            </a:r>
+            <a:r>
+              <a:rPr lang="zh-CN" altLang="en-US" sz="2000" dirty="0">
+                <a:hlinkClick r:id="rId6" tooltip="德国"/>
+              </a:rPr>
+              <a:t>德国</a:t>
+            </a:r>
+            <a:r>
+              <a:rPr lang="zh-CN" altLang="en-US" sz="2000" dirty="0">
+                <a:hlinkClick r:id="rId7" tooltip="数论"/>
+              </a:rPr>
+              <a:t>数论</a:t>
+            </a:r>
+            <a:r>
+              <a:rPr lang="zh-CN" altLang="en-US" sz="2000" dirty="0"/>
+              <a:t>学家</a:t>
+            </a:r>
+            <a:r>
+              <a:rPr lang="zh-CN" altLang="en-US" sz="2000" dirty="0">
+                <a:hlinkClick r:id="rId8"/>
+              </a:rPr>
+              <a:t>保罗</a:t>
+            </a:r>
+            <a:r>
+              <a:rPr lang="en-US" altLang="zh-CN" sz="2000" dirty="0">
+                <a:hlinkClick r:id="rId8"/>
+              </a:rPr>
+              <a:t>·</a:t>
+            </a:r>
+            <a:r>
+              <a:rPr lang="zh-CN" altLang="en-US" sz="2000" dirty="0">
+                <a:hlinkClick r:id="rId8"/>
+              </a:rPr>
+              <a:t>巴赫曼</a:t>
+            </a:r>
+            <a:r>
+              <a:rPr lang="zh-CN" altLang="en-US" sz="2000" dirty="0"/>
+              <a:t>在其</a:t>
+            </a:r>
+            <a:r>
+              <a:rPr lang="en-US" altLang="zh-CN" sz="2000" dirty="0"/>
+              <a:t>1892</a:t>
+            </a:r>
+            <a:r>
+              <a:rPr lang="zh-CN" altLang="en-US" sz="2000" dirty="0"/>
+              <a:t>年的著作</a:t>
+            </a:r>
+            <a:r>
+              <a:rPr lang="en-US" altLang="zh-CN" sz="2000" dirty="0"/>
+              <a:t>《</a:t>
+            </a:r>
+            <a:r>
+              <a:rPr lang="zh-CN" altLang="en-US" sz="2000" dirty="0"/>
+              <a:t>解析数论</a:t>
+            </a:r>
+            <a:r>
+              <a:rPr lang="en-US" altLang="zh-CN" sz="2000" dirty="0"/>
+              <a:t>》</a:t>
+            </a:r>
+            <a:r>
+              <a:rPr lang="zh-CN" altLang="en-US" sz="2000" dirty="0"/>
+              <a:t>首先引入的。</a:t>
+            </a:r>
+            <a:endParaRPr lang="en-US" altLang="zh-CN" sz="2000" dirty="0"/>
+          </a:p>
+          <a:p>
+            <a:pPr algn="l"/>
+            <a:endParaRPr lang="en-US" altLang="zh-CN" sz="2000" dirty="0"/>
+          </a:p>
+          <a:p>
+            <a:pPr algn="l"/>
+            <a:r>
+              <a:rPr lang="zh-CN" altLang="en-US" sz="2000" dirty="0"/>
+              <a:t>而这个记号则是在另一位德国数论学家</a:t>
+            </a:r>
+            <a:r>
+              <a:rPr lang="zh-CN" altLang="en-US" sz="2000" dirty="0">
+                <a:hlinkClick r:id="rId9"/>
+              </a:rPr>
+              <a:t>艾德蒙</a:t>
+            </a:r>
+            <a:r>
+              <a:rPr lang="en-US" altLang="zh-CN" sz="2000" dirty="0">
+                <a:hlinkClick r:id="rId9"/>
+              </a:rPr>
+              <a:t>·</a:t>
+            </a:r>
+            <a:r>
+              <a:rPr lang="zh-CN" altLang="en-US" sz="2000" dirty="0">
+                <a:hlinkClick r:id="rId9"/>
+              </a:rPr>
+              <a:t>朗道</a:t>
+            </a:r>
+            <a:r>
+              <a:rPr lang="zh-CN" altLang="en-US" sz="2000" dirty="0"/>
+              <a:t>的著作中才推广的，</a:t>
+            </a:r>
+            <a:endParaRPr lang="en-US" altLang="zh-CN" sz="2000" dirty="0"/>
+          </a:p>
+          <a:p>
+            <a:pPr algn="l"/>
+            <a:r>
+              <a:rPr lang="zh-CN" altLang="en-US" sz="2000" dirty="0"/>
+              <a:t>因此它有时又称为</a:t>
+            </a:r>
+            <a:r>
+              <a:rPr lang="zh-CN" altLang="en-US" sz="2000" b="1" dirty="0"/>
+              <a:t>朗道符号</a:t>
+            </a:r>
+            <a:r>
+              <a:rPr lang="zh-CN" altLang="en-US" sz="2000" dirty="0"/>
+              <a:t>（</a:t>
+            </a:r>
+            <a:r>
+              <a:rPr lang="en-US" altLang="zh-CN" sz="2000" dirty="0"/>
+              <a:t>Landau symbols</a:t>
+            </a:r>
+            <a:r>
+              <a:rPr lang="zh-CN" altLang="en-US" sz="2000" dirty="0"/>
+              <a:t>）。代表“</a:t>
+            </a:r>
+            <a:r>
+              <a:rPr lang="en-US" altLang="zh-CN" sz="2000" dirty="0"/>
+              <a:t>order of ...”</a:t>
+            </a:r>
+            <a:r>
+              <a:rPr lang="zh-CN" altLang="en-US" sz="2000" dirty="0"/>
+              <a:t>（</a:t>
+            </a:r>
+            <a:r>
+              <a:rPr lang="en-US" altLang="zh-CN" sz="2000" dirty="0"/>
+              <a:t>……</a:t>
+            </a:r>
+            <a:r>
+              <a:rPr lang="zh-CN" altLang="en-US" sz="2000" dirty="0"/>
+              <a:t>阶）的大</a:t>
+            </a:r>
+            <a:r>
+              <a:rPr lang="en-US" altLang="zh-CN" sz="2000" b="1" dirty="0"/>
+              <a:t>O</a:t>
+            </a:r>
+            <a:r>
+              <a:rPr lang="zh-CN" altLang="en-US" sz="2000" dirty="0"/>
+              <a:t>，最初是一个大写</a:t>
+            </a:r>
+            <a:r>
+              <a:rPr lang="zh-CN" altLang="en-US" sz="2000" dirty="0">
+                <a:hlinkClick r:id="rId10" tooltip="希腊字母"/>
+              </a:rPr>
+              <a:t>希腊字母</a:t>
+            </a:r>
+            <a:r>
+              <a:rPr lang="zh-CN" altLang="en-US" sz="2000" dirty="0"/>
+              <a:t>“</a:t>
+            </a:r>
+            <a:r>
+              <a:rPr lang="en-US" altLang="zh-CN" sz="2000" dirty="0">
+                <a:hlinkClick r:id="rId11" tooltip="Ο"/>
+              </a:rPr>
+              <a:t>Ο</a:t>
+            </a:r>
+            <a:r>
+              <a:rPr lang="zh-CN" altLang="en-US" sz="2000" dirty="0"/>
+              <a:t>”（</a:t>
+            </a:r>
+            <a:r>
+              <a:rPr lang="en-US" altLang="zh-CN" sz="2000" dirty="0"/>
+              <a:t>omicron</a:t>
+            </a:r>
+            <a:r>
+              <a:rPr lang="zh-CN" altLang="en-US" sz="2000" dirty="0"/>
+              <a:t>），现今用的是大写</a:t>
+            </a:r>
+            <a:r>
+              <a:rPr lang="zh-CN" altLang="en-US" sz="2000" dirty="0">
+                <a:hlinkClick r:id="rId12" tooltip="拉丁字母"/>
+              </a:rPr>
+              <a:t>拉丁字母</a:t>
+            </a:r>
+            <a:r>
+              <a:rPr lang="zh-CN" altLang="en-US" sz="2000" dirty="0"/>
+              <a:t>“</a:t>
+            </a:r>
+            <a:r>
+              <a:rPr lang="en-US" altLang="zh-CN" sz="2000" dirty="0">
+                <a:hlinkClick r:id="rId13" tooltip="O"/>
+              </a:rPr>
+              <a:t>O</a:t>
+            </a:r>
+            <a:r>
+              <a:rPr lang="zh-CN" altLang="en-US" sz="2000" dirty="0"/>
+              <a:t>”。</a:t>
+            </a:r>
+            <a:endParaRPr lang="en-US" altLang="zh-CN" sz="2000" dirty="0"/>
           </a:p>
         </p:txBody>
       </p:sp>
     </p:spTree>
     <p:extLst>
       <p:ext uri="{BB962C8B-B14F-4D97-AF65-F5344CB8AC3E}">
-        <p14:creationId xmlns:p14="http://schemas.microsoft.com/office/powerpoint/2010/main" val="3757579128"/>
+        <p14:creationId xmlns:p14="http://schemas.microsoft.com/office/powerpoint/2010/main" val="57886457"/>
       </p:ext>
     </p:extLst>
   </p:cSld>
@@ -4360,15 +4397,7 @@
             </a:r>
             <a:r>
               <a:rPr lang="zh-CN" altLang="en-US" sz="3200" b="1" dirty="0"/>
-              <a:t>插入</a:t>
-            </a:r>
-            <a:r>
-              <a:rPr lang="en-US" altLang="zh-CN" sz="3200" b="1" dirty="0"/>
-              <a:t>/</a:t>
-            </a:r>
-            <a:r>
-              <a:rPr lang="zh-CN" altLang="en-US" sz="3200" b="1" dirty="0"/>
-              <a:t>删除</a:t>
+              <a:t>定义</a:t>
             </a:r>
             <a:endParaRPr lang="en-US" altLang="zh-CN" sz="3200" b="1" dirty="0"/>
           </a:p>
@@ -4384,8 +4413,8 @@
         </p:nvSpPr>
         <p:spPr>
           <a:xfrm>
-            <a:off x="809897" y="1568585"/>
-            <a:ext cx="10476411" cy="4675461"/>
+            <a:off x="809897" y="2247858"/>
+            <a:ext cx="10476411" cy="3134044"/>
           </a:xfrm>
           <a:prstGeom prst="rect">
             <a:avLst/>
@@ -4560,37 +4589,39 @@
             </a:lvl9pPr>
           </a:lstStyle>
           <a:p>
-            <a:endParaRPr lang="en-US" altLang="zh-CN" dirty="0"/>
-          </a:p>
-          <a:p>
-            <a:r>
-              <a:rPr lang="en-US" altLang="zh-CN" b="1" dirty="0" err="1"/>
-              <a:t>int</a:t>
-            </a:r>
-            <a:r>
-              <a:rPr lang="en-US" altLang="zh-CN" b="1" dirty="0"/>
-              <a:t> [n] </a:t>
-            </a:r>
-            <a:r>
-              <a:rPr lang="en-US" altLang="zh-CN" dirty="0" err="1"/>
-              <a:t>arr</a:t>
-            </a:r>
-            <a:r>
-              <a:rPr lang="en-US" altLang="zh-CN" dirty="0"/>
-              <a:t> </a:t>
-            </a:r>
-            <a:r>
-              <a:rPr lang="en-US" altLang="zh-CN" b="1" dirty="0"/>
-              <a:t>=  [ 1, 2, 3, 4, 5, ... ..., n ] ; </a:t>
-            </a:r>
-          </a:p>
-          <a:p>
+            <a:r>
+              <a:rPr lang="zh-CN" altLang="en-US" sz="2800" dirty="0">
+                <a:solidFill>
+                  <a:srgbClr val="FF0000"/>
+                </a:solidFill>
+              </a:rPr>
+              <a:t>连续</a:t>
+            </a:r>
+            <a:r>
+              <a:rPr lang="zh-CN" altLang="en-US" sz="2800" dirty="0"/>
+              <a:t>的内存空间</a:t>
+            </a:r>
             <a:endParaRPr lang="en-US" altLang="zh-CN" sz="2800" dirty="0"/>
           </a:p>
           <a:p>
+            <a:endParaRPr lang="en-US" altLang="zh-CN" sz="2800" dirty="0"/>
+          </a:p>
+          <a:p>
             <a:r>
               <a:rPr lang="zh-CN" altLang="en-US" sz="2800" dirty="0"/>
-              <a:t>插入元素有哪些情况？</a:t>
+              <a:t>存储着</a:t>
+            </a:r>
+            <a:r>
+              <a:rPr lang="zh-CN" altLang="en-US" sz="2800" dirty="0">
+                <a:solidFill>
+                  <a:srgbClr val="FF0000"/>
+                </a:solidFill>
+              </a:rPr>
+              <a:t>相同</a:t>
+            </a:r>
+            <a:r>
+              <a:rPr lang="zh-CN" altLang="en-US" sz="2800" dirty="0"/>
+              <a:t>的数据类型</a:t>
             </a:r>
             <a:endParaRPr lang="en-US" altLang="zh-CN" sz="2800" dirty="0"/>
           </a:p>
@@ -4599,20 +4630,28 @@
           </a:p>
           <a:p>
             <a:r>
+              <a:rPr lang="zh-CN" altLang="en-US" sz="2800" dirty="0">
+                <a:solidFill>
+                  <a:srgbClr val="FF0000"/>
+                </a:solidFill>
+              </a:rPr>
+              <a:t>线性</a:t>
+            </a:r>
+            <a:r>
               <a:rPr lang="zh-CN" altLang="en-US" sz="2800" dirty="0"/>
-              <a:t>时间复杂度又是多少？</a:t>
+              <a:t>表数据结构</a:t>
             </a:r>
             <a:endParaRPr lang="en-US" altLang="zh-CN" sz="2800" dirty="0"/>
           </a:p>
           <a:p>
-            <a:endParaRPr lang="en-US" altLang="zh-CN" sz="2800" dirty="0"/>
+            <a:endParaRPr lang="en-US" altLang="zh-CN" sz="3200" b="1" dirty="0"/>
           </a:p>
         </p:txBody>
       </p:sp>
     </p:spTree>
     <p:extLst>
       <p:ext uri="{BB962C8B-B14F-4D97-AF65-F5344CB8AC3E}">
-        <p14:creationId xmlns:p14="http://schemas.microsoft.com/office/powerpoint/2010/main" val="1818691929"/>
+        <p14:creationId xmlns:p14="http://schemas.microsoft.com/office/powerpoint/2010/main" val="2945410482"/>
       </p:ext>
     </p:extLst>
   </p:cSld>
@@ -4671,276 +4710,76 @@
             </a:r>
             <a:r>
               <a:rPr lang="zh-CN" altLang="en-US" sz="3200" b="1" dirty="0"/>
-              <a:t>插入</a:t>
-            </a:r>
-            <a:r>
-              <a:rPr lang="en-US" altLang="zh-CN" sz="3200" b="1" dirty="0"/>
-              <a:t>/</a:t>
-            </a:r>
-            <a:r>
-              <a:rPr lang="zh-CN" altLang="en-US" sz="3200" b="1" dirty="0"/>
-              <a:t>删除</a:t>
+              <a:t>定义</a:t>
             </a:r>
             <a:endParaRPr lang="en-US" altLang="zh-CN" sz="3200" b="1" dirty="0"/>
           </a:p>
         </p:txBody>
       </p:sp>
-      <p:sp>
-        <p:nvSpPr>
-          <p:cNvPr id="3" name="副标题 2"/>
-          <p:cNvSpPr txBox="1">
-            <a:spLocks/>
-          </p:cNvSpPr>
+      <p:pic>
+        <p:nvPicPr>
+          <p:cNvPr id="2" name="图片 1">
+            <a:extLst>
+              <a:ext uri="{FF2B5EF4-FFF2-40B4-BE49-F238E27FC236}">
+                <a16:creationId xmlns:a16="http://schemas.microsoft.com/office/drawing/2014/main" id="{8F4E59C9-B51E-4936-A7B3-DA678E7E7041}"/>
+              </a:ext>
+            </a:extLst>
+          </p:cNvPr>
+          <p:cNvPicPr>
+            <a:picLocks noChangeAspect="1"/>
+          </p:cNvPicPr>
           <p:nvPr/>
-        </p:nvSpPr>
+        </p:nvPicPr>
+        <p:blipFill>
+          <a:blip r:embed="rId2"/>
+          <a:stretch>
+            <a:fillRect/>
+          </a:stretch>
+        </p:blipFill>
         <p:spPr>
           <a:xfrm>
-            <a:off x="809897" y="1568585"/>
-            <a:ext cx="10476411" cy="4675461"/>
+            <a:off x="2544265" y="1036320"/>
+            <a:ext cx="6963719" cy="3865850"/>
           </a:xfrm>
           <a:prstGeom prst="rect">
             <a:avLst/>
           </a:prstGeom>
         </p:spPr>
-        <p:txBody>
-          <a:bodyPr vert="horz" lIns="91440" tIns="45720" rIns="91440" bIns="45720" rtlCol="0">
-            <a:normAutofit/>
-          </a:bodyPr>
-          <a:lstStyle>
-            <a:lvl1pPr marL="0" indent="0" algn="ctr" defTabSz="914400" rtl="0" eaLnBrk="1" latinLnBrk="0" hangingPunct="1">
-              <a:lnSpc>
-                <a:spcPct val="90000"/>
-              </a:lnSpc>
-              <a:spcBef>
-                <a:spcPts val="1000"/>
-              </a:spcBef>
-              <a:buFont typeface="Arial" panose="020B0604020202020204" pitchFamily="34" charset="0"/>
-              <a:buNone/>
-              <a:defRPr sz="2400" kern="1200">
-                <a:solidFill>
-                  <a:schemeClr val="tx1"/>
-                </a:solidFill>
-                <a:latin typeface="+mn-lt"/>
-                <a:ea typeface="+mn-ea"/>
-                <a:cs typeface="+mn-cs"/>
-              </a:defRPr>
-            </a:lvl1pPr>
-            <a:lvl2pPr marL="457200" indent="0" algn="ctr" defTabSz="914400" rtl="0" eaLnBrk="1" latinLnBrk="0" hangingPunct="1">
-              <a:lnSpc>
-                <a:spcPct val="90000"/>
-              </a:lnSpc>
-              <a:spcBef>
-                <a:spcPts val="500"/>
-              </a:spcBef>
-              <a:buFont typeface="Arial" panose="020B0604020202020204" pitchFamily="34" charset="0"/>
-              <a:buNone/>
-              <a:defRPr sz="2000" kern="1200">
-                <a:solidFill>
-                  <a:schemeClr val="tx1"/>
-                </a:solidFill>
-                <a:latin typeface="+mn-lt"/>
-                <a:ea typeface="+mn-ea"/>
-                <a:cs typeface="+mn-cs"/>
-              </a:defRPr>
-            </a:lvl2pPr>
-            <a:lvl3pPr marL="914400" indent="0" algn="ctr" defTabSz="914400" rtl="0" eaLnBrk="1" latinLnBrk="0" hangingPunct="1">
-              <a:lnSpc>
-                <a:spcPct val="90000"/>
-              </a:lnSpc>
-              <a:spcBef>
-                <a:spcPts val="500"/>
-              </a:spcBef>
-              <a:buFont typeface="Arial" panose="020B0604020202020204" pitchFamily="34" charset="0"/>
-              <a:buNone/>
-              <a:defRPr sz="1800" kern="1200">
-                <a:solidFill>
-                  <a:schemeClr val="tx1"/>
-                </a:solidFill>
-                <a:latin typeface="+mn-lt"/>
-                <a:ea typeface="+mn-ea"/>
-                <a:cs typeface="+mn-cs"/>
-              </a:defRPr>
-            </a:lvl3pPr>
-            <a:lvl4pPr marL="1371600" indent="0" algn="ctr" defTabSz="914400" rtl="0" eaLnBrk="1" latinLnBrk="0" hangingPunct="1">
-              <a:lnSpc>
-                <a:spcPct val="90000"/>
-              </a:lnSpc>
-              <a:spcBef>
-                <a:spcPts val="500"/>
-              </a:spcBef>
-              <a:buFont typeface="Arial" panose="020B0604020202020204" pitchFamily="34" charset="0"/>
-              <a:buNone/>
-              <a:defRPr sz="1600" kern="1200">
-                <a:solidFill>
-                  <a:schemeClr val="tx1"/>
-                </a:solidFill>
-                <a:latin typeface="+mn-lt"/>
-                <a:ea typeface="+mn-ea"/>
-                <a:cs typeface="+mn-cs"/>
-              </a:defRPr>
-            </a:lvl4pPr>
-            <a:lvl5pPr marL="1828800" indent="0" algn="ctr" defTabSz="914400" rtl="0" eaLnBrk="1" latinLnBrk="0" hangingPunct="1">
-              <a:lnSpc>
-                <a:spcPct val="90000"/>
-              </a:lnSpc>
-              <a:spcBef>
-                <a:spcPts val="500"/>
-              </a:spcBef>
-              <a:buFont typeface="Arial" panose="020B0604020202020204" pitchFamily="34" charset="0"/>
-              <a:buNone/>
-              <a:defRPr sz="1600" kern="1200">
-                <a:solidFill>
-                  <a:schemeClr val="tx1"/>
-                </a:solidFill>
-                <a:latin typeface="+mn-lt"/>
-                <a:ea typeface="+mn-ea"/>
-                <a:cs typeface="+mn-cs"/>
-              </a:defRPr>
-            </a:lvl5pPr>
-            <a:lvl6pPr marL="2286000" indent="0" algn="ctr" defTabSz="914400" rtl="0" eaLnBrk="1" latinLnBrk="0" hangingPunct="1">
-              <a:lnSpc>
-                <a:spcPct val="90000"/>
-              </a:lnSpc>
-              <a:spcBef>
-                <a:spcPts val="500"/>
-              </a:spcBef>
-              <a:buFont typeface="Arial" panose="020B0604020202020204" pitchFamily="34" charset="0"/>
-              <a:buNone/>
-              <a:defRPr sz="1600" kern="1200">
-                <a:solidFill>
-                  <a:schemeClr val="tx1"/>
-                </a:solidFill>
-                <a:latin typeface="+mn-lt"/>
-                <a:ea typeface="+mn-ea"/>
-                <a:cs typeface="+mn-cs"/>
-              </a:defRPr>
-            </a:lvl6pPr>
-            <a:lvl7pPr marL="2743200" indent="0" algn="ctr" defTabSz="914400" rtl="0" eaLnBrk="1" latinLnBrk="0" hangingPunct="1">
-              <a:lnSpc>
-                <a:spcPct val="90000"/>
-              </a:lnSpc>
-              <a:spcBef>
-                <a:spcPts val="500"/>
-              </a:spcBef>
-              <a:buFont typeface="Arial" panose="020B0604020202020204" pitchFamily="34" charset="0"/>
-              <a:buNone/>
-              <a:defRPr sz="1600" kern="1200">
-                <a:solidFill>
-                  <a:schemeClr val="tx1"/>
-                </a:solidFill>
-                <a:latin typeface="+mn-lt"/>
-                <a:ea typeface="+mn-ea"/>
-                <a:cs typeface="+mn-cs"/>
-              </a:defRPr>
-            </a:lvl7pPr>
-            <a:lvl8pPr marL="3200400" indent="0" algn="ctr" defTabSz="914400" rtl="0" eaLnBrk="1" latinLnBrk="0" hangingPunct="1">
-              <a:lnSpc>
-                <a:spcPct val="90000"/>
-              </a:lnSpc>
-              <a:spcBef>
-                <a:spcPts val="500"/>
-              </a:spcBef>
-              <a:buFont typeface="Arial" panose="020B0604020202020204" pitchFamily="34" charset="0"/>
-              <a:buNone/>
-              <a:defRPr sz="1600" kern="1200">
-                <a:solidFill>
-                  <a:schemeClr val="tx1"/>
-                </a:solidFill>
-                <a:latin typeface="+mn-lt"/>
-                <a:ea typeface="+mn-ea"/>
-                <a:cs typeface="+mn-cs"/>
-              </a:defRPr>
-            </a:lvl8pPr>
-            <a:lvl9pPr marL="3657600" indent="0" algn="ctr" defTabSz="914400" rtl="0" eaLnBrk="1" latinLnBrk="0" hangingPunct="1">
-              <a:lnSpc>
-                <a:spcPct val="90000"/>
-              </a:lnSpc>
-              <a:spcBef>
-                <a:spcPts val="500"/>
-              </a:spcBef>
-              <a:buFont typeface="Arial" panose="020B0604020202020204" pitchFamily="34" charset="0"/>
-              <a:buNone/>
-              <a:defRPr sz="1600" kern="1200">
-                <a:solidFill>
-                  <a:schemeClr val="tx1"/>
-                </a:solidFill>
-                <a:latin typeface="+mn-lt"/>
-                <a:ea typeface="+mn-ea"/>
-                <a:cs typeface="+mn-cs"/>
-              </a:defRPr>
-            </a:lvl9pPr>
-          </a:lstStyle>
-          <a:p>
-            <a:endParaRPr lang="en-US" altLang="zh-CN" dirty="0"/>
-          </a:p>
-          <a:p>
-            <a:r>
-              <a:rPr lang="en-US" altLang="zh-CN" b="1" dirty="0" err="1"/>
-              <a:t>int</a:t>
-            </a:r>
-            <a:r>
-              <a:rPr lang="en-US" altLang="zh-CN" b="1" dirty="0"/>
-              <a:t> [n] </a:t>
-            </a:r>
-            <a:r>
-              <a:rPr lang="en-US" altLang="zh-CN" dirty="0" err="1"/>
-              <a:t>arr</a:t>
-            </a:r>
-            <a:r>
-              <a:rPr lang="en-US" altLang="zh-CN" dirty="0"/>
-              <a:t> </a:t>
-            </a:r>
-            <a:r>
-              <a:rPr lang="en-US" altLang="zh-CN" b="1" dirty="0"/>
-              <a:t>=  [ 1, 2, 3, 4, 5, ... ..., n ] ; </a:t>
-            </a:r>
-            <a:endParaRPr lang="en-US" altLang="zh-CN" sz="2800" dirty="0"/>
-          </a:p>
-          <a:p>
-            <a:endParaRPr lang="en-US" altLang="zh-CN" sz="2800" dirty="0"/>
-          </a:p>
-          <a:p>
-            <a:r>
-              <a:rPr lang="zh-CN" altLang="en-US" sz="2800" b="1" dirty="0">
-                <a:solidFill>
-                  <a:srgbClr val="FF0000"/>
-                </a:solidFill>
-              </a:rPr>
-              <a:t>最好情况时间复杂度</a:t>
-            </a:r>
-            <a:r>
-              <a:rPr lang="zh-CN" altLang="en-US" sz="2800" dirty="0"/>
-              <a:t>：尾部插入</a:t>
-            </a:r>
-            <a:endParaRPr lang="en-US" altLang="zh-CN" sz="2800" dirty="0"/>
-          </a:p>
-          <a:p>
-            <a:endParaRPr lang="en-US" altLang="zh-CN" sz="2800" dirty="0"/>
-          </a:p>
-          <a:p>
-            <a:r>
-              <a:rPr lang="zh-CN" altLang="en-US" sz="2800" b="1" dirty="0">
-                <a:solidFill>
-                  <a:srgbClr val="FF0000"/>
-                </a:solidFill>
-              </a:rPr>
-              <a:t>最坏情况时间复杂度</a:t>
-            </a:r>
-            <a:r>
-              <a:rPr lang="zh-CN" altLang="en-US" sz="2800" dirty="0"/>
-              <a:t>：头部插入</a:t>
-            </a:r>
-            <a:endParaRPr lang="en-US" altLang="zh-CN" sz="2800" dirty="0"/>
-          </a:p>
-          <a:p>
-            <a:endParaRPr lang="en-US" altLang="zh-CN" sz="2800" dirty="0"/>
-          </a:p>
-        </p:txBody>
-      </p:sp>
+      </p:pic>
+      <p:pic>
+        <p:nvPicPr>
+          <p:cNvPr id="4" name="图片 3">
+            <a:extLst>
+              <a:ext uri="{FF2B5EF4-FFF2-40B4-BE49-F238E27FC236}">
+                <a16:creationId xmlns:a16="http://schemas.microsoft.com/office/drawing/2014/main" id="{8015F5EE-FEA3-4838-A426-1A88356A90B8}"/>
+              </a:ext>
+            </a:extLst>
+          </p:cNvPr>
+          <p:cNvPicPr>
+            <a:picLocks noChangeAspect="1"/>
+          </p:cNvPicPr>
+          <p:nvPr/>
+        </p:nvPicPr>
+        <p:blipFill>
+          <a:blip r:embed="rId3"/>
+          <a:stretch>
+            <a:fillRect/>
+          </a:stretch>
+        </p:blipFill>
+        <p:spPr>
+          <a:xfrm>
+            <a:off x="2544265" y="5144152"/>
+            <a:ext cx="6963719" cy="1355055"/>
+          </a:xfrm>
+          <a:prstGeom prst="rect">
+            <a:avLst/>
+          </a:prstGeom>
+        </p:spPr>
+      </p:pic>
     </p:spTree>
     <p:extLst>
       <p:ext uri="{BB962C8B-B14F-4D97-AF65-F5344CB8AC3E}">
-        <p14:creationId xmlns:p14="http://schemas.microsoft.com/office/powerpoint/2010/main" val="2505504966"/>
+        <p14:creationId xmlns:p14="http://schemas.microsoft.com/office/powerpoint/2010/main" val="3617196673"/>
       </p:ext>
     </p:extLst>
   </p:cSld>
@@ -4999,15 +4838,7 @@
             </a:r>
             <a:r>
               <a:rPr lang="zh-CN" altLang="en-US" sz="3200" b="1" dirty="0"/>
-              <a:t>插入</a:t>
-            </a:r>
-            <a:r>
-              <a:rPr lang="en-US" altLang="zh-CN" sz="3200" b="1" dirty="0"/>
-              <a:t>/</a:t>
-            </a:r>
-            <a:r>
-              <a:rPr lang="zh-CN" altLang="en-US" sz="3200" b="1" dirty="0"/>
-              <a:t>删除</a:t>
+              <a:t>随机访问</a:t>
             </a:r>
             <a:endParaRPr lang="en-US" altLang="zh-CN" sz="3200" b="1" dirty="0"/>
           </a:p>
@@ -5023,8 +4854,8 @@
         </p:nvSpPr>
         <p:spPr>
           <a:xfrm>
-            <a:off x="809897" y="1220239"/>
-            <a:ext cx="10476411" cy="5215392"/>
+            <a:off x="809897" y="1568585"/>
+            <a:ext cx="10476411" cy="4675461"/>
           </a:xfrm>
           <a:prstGeom prst="rect">
             <a:avLst/>
@@ -5199,168 +5030,72 @@
             </a:lvl9pPr>
           </a:lstStyle>
           <a:p>
+            <a:endParaRPr lang="en-US" altLang="zh-CN" sz="2800" dirty="0"/>
+          </a:p>
+          <a:p>
+            <a:r>
+              <a:rPr lang="zh-CN" altLang="en-US" sz="2800" dirty="0"/>
+              <a:t>下标  随机访问</a:t>
+            </a:r>
+            <a:endParaRPr lang="en-US" altLang="zh-CN" sz="2800" dirty="0"/>
+          </a:p>
+          <a:p>
             <a:endParaRPr lang="en-US" altLang="zh-CN" dirty="0"/>
           </a:p>
           <a:p>
             <a:r>
-              <a:rPr lang="zh-CN" altLang="en-US" sz="2800" b="1" dirty="0">
-                <a:solidFill>
-                  <a:srgbClr val="FF0000"/>
-                </a:solidFill>
-              </a:rPr>
-              <a:t>平均情况时间复杂度（加点概率）</a:t>
-            </a:r>
-            <a:endParaRPr lang="en-US" altLang="zh-CN" sz="2800" b="1" dirty="0">
-              <a:solidFill>
-                <a:srgbClr val="FF0000"/>
-              </a:solidFill>
-            </a:endParaRPr>
-          </a:p>
-          <a:p>
+              <a:rPr lang="en-US" altLang="zh-CN" sz="2800" b="1" dirty="0"/>
+              <a:t>search[</a:t>
+            </a:r>
+            <a:r>
+              <a:rPr lang="en-US" altLang="zh-CN" sz="2800" b="1" dirty="0" err="1"/>
+              <a:t>i</a:t>
+            </a:r>
+            <a:r>
+              <a:rPr lang="en-US" altLang="zh-CN" sz="2800" b="1" dirty="0"/>
+              <a:t>]_address = </a:t>
+            </a:r>
+            <a:r>
+              <a:rPr lang="en-US" altLang="zh-CN" sz="2800" b="1" dirty="0" err="1"/>
+              <a:t>base_address</a:t>
+            </a:r>
+            <a:r>
+              <a:rPr lang="en-US" altLang="zh-CN" sz="2800" b="1" dirty="0"/>
+              <a:t> + </a:t>
+            </a:r>
+            <a:r>
+              <a:rPr lang="en-US" altLang="zh-CN" sz="2800" b="1" dirty="0" err="1"/>
+              <a:t>i</a:t>
+            </a:r>
+            <a:r>
+              <a:rPr lang="en-US" altLang="zh-CN" sz="2800" b="1" dirty="0"/>
+              <a:t> * </a:t>
+            </a:r>
+            <a:r>
+              <a:rPr lang="en-US" altLang="zh-CN" sz="2800" b="1" dirty="0" err="1"/>
+              <a:t>data_type_size</a:t>
+            </a:r>
             <a:endParaRPr lang="en-US" altLang="zh-CN" sz="2800" b="1" dirty="0"/>
           </a:p>
           <a:p>
-            <a:r>
-              <a:rPr lang="en-US" altLang="zh-CN" sz="2800" b="1" dirty="0" err="1"/>
-              <a:t>int</a:t>
-            </a:r>
-            <a:r>
-              <a:rPr lang="en-US" altLang="zh-CN" sz="2800" b="1" dirty="0"/>
-              <a:t> [n] </a:t>
-            </a:r>
-            <a:r>
-              <a:rPr lang="en-US" altLang="zh-CN" sz="2800" dirty="0" err="1"/>
-              <a:t>arr</a:t>
+            <a:endParaRPr lang="en-US" altLang="zh-CN" sz="2800" dirty="0"/>
+          </a:p>
+          <a:p>
+            <a:r>
+              <a:rPr lang="zh-CN" altLang="en-US" sz="2800" dirty="0"/>
+              <a:t>时间复杂度为 </a:t>
             </a:r>
             <a:r>
               <a:rPr lang="en-US" altLang="zh-CN" sz="2800" dirty="0"/>
-              <a:t> </a:t>
-            </a:r>
-            <a:r>
-              <a:rPr lang="en-US" altLang="zh-CN" sz="2800" b="1" dirty="0"/>
-              <a:t>=  [ 1, 2, 3, 4, 5, ... ..., n ] ; </a:t>
-            </a:r>
-            <a:endParaRPr lang="en-US" altLang="zh-CN" sz="2800" dirty="0"/>
-          </a:p>
-          <a:p>
-            <a:endParaRPr lang="en-US" altLang="zh-CN" sz="2800" dirty="0"/>
-          </a:p>
-          <a:p>
-            <a:r>
-              <a:rPr lang="zh-CN" altLang="en-US" sz="2800" dirty="0"/>
-              <a:t>从头依次进行插入，对应移动数组次数</a:t>
-            </a:r>
-            <a:endParaRPr lang="en-US" altLang="zh-CN" sz="2800" dirty="0"/>
-          </a:p>
-          <a:p>
-            <a:endParaRPr lang="zh-CN" altLang="en-US" sz="2800" dirty="0"/>
-          </a:p>
-          <a:p>
-            <a:r>
-              <a:rPr lang="en-US" altLang="zh-CN" sz="2800" dirty="0"/>
-              <a:t>n</a:t>
-            </a:r>
-            <a:r>
-              <a:rPr lang="zh-CN" altLang="en-US" sz="2800" dirty="0"/>
-              <a:t>，</a:t>
-            </a:r>
-            <a:r>
-              <a:rPr lang="en-US" altLang="zh-CN" sz="2800" dirty="0"/>
-              <a:t>(n-1)</a:t>
-            </a:r>
-            <a:r>
-              <a:rPr lang="zh-CN" altLang="en-US" sz="2800" dirty="0"/>
-              <a:t>，</a:t>
-            </a:r>
-            <a:r>
-              <a:rPr lang="en-US" altLang="zh-CN" sz="2800" dirty="0"/>
-              <a:t>(n-2) </a:t>
-            </a:r>
-            <a:r>
-              <a:rPr lang="zh-CN" altLang="en-US" sz="2800" dirty="0"/>
-              <a:t>，</a:t>
-            </a:r>
-            <a:r>
-              <a:rPr lang="en-US" altLang="zh-CN" sz="2800" dirty="0"/>
-              <a:t>...</a:t>
-            </a:r>
-            <a:r>
-              <a:rPr lang="zh-CN" altLang="en-US" sz="2800" dirty="0"/>
-              <a:t>，</a:t>
-            </a:r>
-            <a:r>
-              <a:rPr lang="en-US" altLang="zh-CN" sz="2800" dirty="0"/>
-              <a:t>1</a:t>
-            </a:r>
-            <a:r>
-              <a:rPr lang="zh-CN" altLang="en-US" sz="2800" dirty="0"/>
-              <a:t>，</a:t>
-            </a:r>
-            <a:r>
-              <a:rPr lang="en-US" altLang="zh-CN" sz="2800" dirty="0"/>
-              <a:t>0         </a:t>
-            </a:r>
-            <a:r>
-              <a:rPr lang="en-US" altLang="zh-CN" sz="2800" dirty="0">
-                <a:sym typeface="Wingdings" panose="05000000000000000000" pitchFamily="2" charset="2"/>
-              </a:rPr>
-              <a:t> </a:t>
-            </a:r>
-            <a:r>
-              <a:rPr lang="en-US" altLang="zh-CN" sz="2800" dirty="0"/>
-              <a:t>      n+1</a:t>
-            </a:r>
-            <a:r>
-              <a:rPr lang="zh-CN" altLang="en-US" sz="2800" dirty="0"/>
-              <a:t>种情况</a:t>
-            </a:r>
-            <a:endParaRPr lang="en-US" altLang="zh-CN" sz="2800" dirty="0"/>
-          </a:p>
-          <a:p>
-            <a:endParaRPr lang="en-US" altLang="zh-CN" sz="2800" dirty="0"/>
-          </a:p>
-          <a:p>
-            <a:r>
-              <a:rPr lang="zh-CN" altLang="en-US" sz="2800" b="1" dirty="0">
-                <a:solidFill>
-                  <a:srgbClr val="FF0000"/>
-                </a:solidFill>
-              </a:rPr>
-              <a:t>平均情况时间复杂度 </a:t>
-            </a:r>
-            <a:r>
-              <a:rPr lang="en-US" altLang="zh-CN" sz="2800" b="1" dirty="0">
-                <a:solidFill>
-                  <a:srgbClr val="FF0000"/>
-                </a:solidFill>
-              </a:rPr>
-              <a:t>O(n)</a:t>
-            </a:r>
-          </a:p>
-          <a:p>
-            <a:endParaRPr lang="en-US" altLang="zh-CN" sz="2800" dirty="0"/>
-          </a:p>
-          <a:p>
-            <a:endParaRPr lang="en-US" altLang="zh-CN" sz="2800" dirty="0"/>
-          </a:p>
-          <a:p>
-            <a:endParaRPr lang="en-US" altLang="zh-CN" sz="2800" dirty="0"/>
-          </a:p>
-          <a:p>
-            <a:endParaRPr lang="en-US" altLang="zh-CN" dirty="0"/>
-          </a:p>
-          <a:p>
-            <a:endParaRPr lang="en-US" altLang="zh-CN" sz="2800" dirty="0"/>
-          </a:p>
-          <a:p>
-            <a:endParaRPr lang="en-US" altLang="zh-CN" sz="2800" dirty="0"/>
+              <a:t>O(1)</a:t>
+            </a:r>
           </a:p>
         </p:txBody>
       </p:sp>
     </p:spTree>
     <p:extLst>
       <p:ext uri="{BB962C8B-B14F-4D97-AF65-F5344CB8AC3E}">
-        <p14:creationId xmlns:p14="http://schemas.microsoft.com/office/powerpoint/2010/main" val="953193666"/>
+        <p14:creationId xmlns:p14="http://schemas.microsoft.com/office/powerpoint/2010/main" val="3757579128"/>
       </p:ext>
     </p:extLst>
   </p:cSld>
@@ -5399,7 +5134,7 @@
         </p:nvSpPr>
         <p:spPr>
           <a:xfrm>
-            <a:off x="809897" y="423408"/>
+            <a:off x="809897" y="440825"/>
             <a:ext cx="10476411" cy="595495"/>
           </a:xfrm>
         </p:spPr>
@@ -5418,41 +5153,260 @@
               <a:t>— </a:t>
             </a:r>
             <a:r>
-              <a:rPr lang="zh-CN" altLang="en-US" sz="3200" b="1" dirty="0" smtClean="0"/>
-              <a:t>越界</a:t>
+              <a:rPr lang="zh-CN" altLang="en-US" sz="3200" b="1" dirty="0"/>
+              <a:t>插入</a:t>
+            </a:r>
+            <a:r>
+              <a:rPr lang="en-US" altLang="zh-CN" sz="3200" b="1" dirty="0"/>
+              <a:t>/</a:t>
+            </a:r>
+            <a:r>
+              <a:rPr lang="zh-CN" altLang="en-US" sz="3200" b="1" dirty="0"/>
+              <a:t>删除</a:t>
             </a:r>
             <a:endParaRPr lang="en-US" altLang="zh-CN" sz="3200" b="1" dirty="0"/>
           </a:p>
         </p:txBody>
       </p:sp>
-      <p:pic>
-        <p:nvPicPr>
-          <p:cNvPr id="2" name="图片 1"/>
-          <p:cNvPicPr>
-            <a:picLocks noChangeAspect="1"/>
-          </p:cNvPicPr>
+      <p:sp>
+        <p:nvSpPr>
+          <p:cNvPr id="3" name="副标题 2"/>
+          <p:cNvSpPr txBox="1">
+            <a:spLocks/>
+          </p:cNvSpPr>
           <p:nvPr/>
-        </p:nvPicPr>
-        <p:blipFill>
-          <a:blip r:embed="rId2"/>
-          <a:stretch>
-            <a:fillRect/>
-          </a:stretch>
-        </p:blipFill>
+        </p:nvSpPr>
         <p:spPr>
           <a:xfrm>
-            <a:off x="422254" y="1210490"/>
-            <a:ext cx="11251695" cy="5460276"/>
+            <a:off x="809897" y="1568585"/>
+            <a:ext cx="10476411" cy="4675461"/>
           </a:xfrm>
           <a:prstGeom prst="rect">
             <a:avLst/>
           </a:prstGeom>
         </p:spPr>
-      </p:pic>
+        <p:txBody>
+          <a:bodyPr vert="horz" lIns="91440" tIns="45720" rIns="91440" bIns="45720" rtlCol="0">
+            <a:normAutofit/>
+          </a:bodyPr>
+          <a:lstStyle>
+            <a:lvl1pPr marL="0" indent="0" algn="ctr" defTabSz="914400" rtl="0" eaLnBrk="1" latinLnBrk="0" hangingPunct="1">
+              <a:lnSpc>
+                <a:spcPct val="90000"/>
+              </a:lnSpc>
+              <a:spcBef>
+                <a:spcPts val="1000"/>
+              </a:spcBef>
+              <a:buFont typeface="Arial" panose="020B0604020202020204" pitchFamily="34" charset="0"/>
+              <a:buNone/>
+              <a:defRPr sz="2400" kern="1200">
+                <a:solidFill>
+                  <a:schemeClr val="tx1"/>
+                </a:solidFill>
+                <a:latin typeface="+mn-lt"/>
+                <a:ea typeface="+mn-ea"/>
+                <a:cs typeface="+mn-cs"/>
+              </a:defRPr>
+            </a:lvl1pPr>
+            <a:lvl2pPr marL="457200" indent="0" algn="ctr" defTabSz="914400" rtl="0" eaLnBrk="1" latinLnBrk="0" hangingPunct="1">
+              <a:lnSpc>
+                <a:spcPct val="90000"/>
+              </a:lnSpc>
+              <a:spcBef>
+                <a:spcPts val="500"/>
+              </a:spcBef>
+              <a:buFont typeface="Arial" panose="020B0604020202020204" pitchFamily="34" charset="0"/>
+              <a:buNone/>
+              <a:defRPr sz="2000" kern="1200">
+                <a:solidFill>
+                  <a:schemeClr val="tx1"/>
+                </a:solidFill>
+                <a:latin typeface="+mn-lt"/>
+                <a:ea typeface="+mn-ea"/>
+                <a:cs typeface="+mn-cs"/>
+              </a:defRPr>
+            </a:lvl2pPr>
+            <a:lvl3pPr marL="914400" indent="0" algn="ctr" defTabSz="914400" rtl="0" eaLnBrk="1" latinLnBrk="0" hangingPunct="1">
+              <a:lnSpc>
+                <a:spcPct val="90000"/>
+              </a:lnSpc>
+              <a:spcBef>
+                <a:spcPts val="500"/>
+              </a:spcBef>
+              <a:buFont typeface="Arial" panose="020B0604020202020204" pitchFamily="34" charset="0"/>
+              <a:buNone/>
+              <a:defRPr sz="1800" kern="1200">
+                <a:solidFill>
+                  <a:schemeClr val="tx1"/>
+                </a:solidFill>
+                <a:latin typeface="+mn-lt"/>
+                <a:ea typeface="+mn-ea"/>
+                <a:cs typeface="+mn-cs"/>
+              </a:defRPr>
+            </a:lvl3pPr>
+            <a:lvl4pPr marL="1371600" indent="0" algn="ctr" defTabSz="914400" rtl="0" eaLnBrk="1" latinLnBrk="0" hangingPunct="1">
+              <a:lnSpc>
+                <a:spcPct val="90000"/>
+              </a:lnSpc>
+              <a:spcBef>
+                <a:spcPts val="500"/>
+              </a:spcBef>
+              <a:buFont typeface="Arial" panose="020B0604020202020204" pitchFamily="34" charset="0"/>
+              <a:buNone/>
+              <a:defRPr sz="1600" kern="1200">
+                <a:solidFill>
+                  <a:schemeClr val="tx1"/>
+                </a:solidFill>
+                <a:latin typeface="+mn-lt"/>
+                <a:ea typeface="+mn-ea"/>
+                <a:cs typeface="+mn-cs"/>
+              </a:defRPr>
+            </a:lvl4pPr>
+            <a:lvl5pPr marL="1828800" indent="0" algn="ctr" defTabSz="914400" rtl="0" eaLnBrk="1" latinLnBrk="0" hangingPunct="1">
+              <a:lnSpc>
+                <a:spcPct val="90000"/>
+              </a:lnSpc>
+              <a:spcBef>
+                <a:spcPts val="500"/>
+              </a:spcBef>
+              <a:buFont typeface="Arial" panose="020B0604020202020204" pitchFamily="34" charset="0"/>
+              <a:buNone/>
+              <a:defRPr sz="1600" kern="1200">
+                <a:solidFill>
+                  <a:schemeClr val="tx1"/>
+                </a:solidFill>
+                <a:latin typeface="+mn-lt"/>
+                <a:ea typeface="+mn-ea"/>
+                <a:cs typeface="+mn-cs"/>
+              </a:defRPr>
+            </a:lvl5pPr>
+            <a:lvl6pPr marL="2286000" indent="0" algn="ctr" defTabSz="914400" rtl="0" eaLnBrk="1" latinLnBrk="0" hangingPunct="1">
+              <a:lnSpc>
+                <a:spcPct val="90000"/>
+              </a:lnSpc>
+              <a:spcBef>
+                <a:spcPts val="500"/>
+              </a:spcBef>
+              <a:buFont typeface="Arial" panose="020B0604020202020204" pitchFamily="34" charset="0"/>
+              <a:buNone/>
+              <a:defRPr sz="1600" kern="1200">
+                <a:solidFill>
+                  <a:schemeClr val="tx1"/>
+                </a:solidFill>
+                <a:latin typeface="+mn-lt"/>
+                <a:ea typeface="+mn-ea"/>
+                <a:cs typeface="+mn-cs"/>
+              </a:defRPr>
+            </a:lvl6pPr>
+            <a:lvl7pPr marL="2743200" indent="0" algn="ctr" defTabSz="914400" rtl="0" eaLnBrk="1" latinLnBrk="0" hangingPunct="1">
+              <a:lnSpc>
+                <a:spcPct val="90000"/>
+              </a:lnSpc>
+              <a:spcBef>
+                <a:spcPts val="500"/>
+              </a:spcBef>
+              <a:buFont typeface="Arial" panose="020B0604020202020204" pitchFamily="34" charset="0"/>
+              <a:buNone/>
+              <a:defRPr sz="1600" kern="1200">
+                <a:solidFill>
+                  <a:schemeClr val="tx1"/>
+                </a:solidFill>
+                <a:latin typeface="+mn-lt"/>
+                <a:ea typeface="+mn-ea"/>
+                <a:cs typeface="+mn-cs"/>
+              </a:defRPr>
+            </a:lvl7pPr>
+            <a:lvl8pPr marL="3200400" indent="0" algn="ctr" defTabSz="914400" rtl="0" eaLnBrk="1" latinLnBrk="0" hangingPunct="1">
+              <a:lnSpc>
+                <a:spcPct val="90000"/>
+              </a:lnSpc>
+              <a:spcBef>
+                <a:spcPts val="500"/>
+              </a:spcBef>
+              <a:buFont typeface="Arial" panose="020B0604020202020204" pitchFamily="34" charset="0"/>
+              <a:buNone/>
+              <a:defRPr sz="1600" kern="1200">
+                <a:solidFill>
+                  <a:schemeClr val="tx1"/>
+                </a:solidFill>
+                <a:latin typeface="+mn-lt"/>
+                <a:ea typeface="+mn-ea"/>
+                <a:cs typeface="+mn-cs"/>
+              </a:defRPr>
+            </a:lvl8pPr>
+            <a:lvl9pPr marL="3657600" indent="0" algn="ctr" defTabSz="914400" rtl="0" eaLnBrk="1" latinLnBrk="0" hangingPunct="1">
+              <a:lnSpc>
+                <a:spcPct val="90000"/>
+              </a:lnSpc>
+              <a:spcBef>
+                <a:spcPts val="500"/>
+              </a:spcBef>
+              <a:buFont typeface="Arial" panose="020B0604020202020204" pitchFamily="34" charset="0"/>
+              <a:buNone/>
+              <a:defRPr sz="1600" kern="1200">
+                <a:solidFill>
+                  <a:schemeClr val="tx1"/>
+                </a:solidFill>
+                <a:latin typeface="+mn-lt"/>
+                <a:ea typeface="+mn-ea"/>
+                <a:cs typeface="+mn-cs"/>
+              </a:defRPr>
+            </a:lvl9pPr>
+          </a:lstStyle>
+          <a:p>
+            <a:endParaRPr lang="en-US" altLang="zh-CN" dirty="0"/>
+          </a:p>
+          <a:p>
+            <a:r>
+              <a:rPr lang="en-US" altLang="zh-CN" b="1" dirty="0" err="1"/>
+              <a:t>int</a:t>
+            </a:r>
+            <a:r>
+              <a:rPr lang="en-US" altLang="zh-CN" b="1" dirty="0"/>
+              <a:t> [n] </a:t>
+            </a:r>
+            <a:r>
+              <a:rPr lang="en-US" altLang="zh-CN" dirty="0" err="1"/>
+              <a:t>arr</a:t>
+            </a:r>
+            <a:r>
+              <a:rPr lang="en-US" altLang="zh-CN" dirty="0"/>
+              <a:t> </a:t>
+            </a:r>
+            <a:r>
+              <a:rPr lang="en-US" altLang="zh-CN" b="1" dirty="0"/>
+              <a:t>=  [ 1, 2, 3, 4, 5, ... ..., n ] ; </a:t>
+            </a:r>
+          </a:p>
+          <a:p>
+            <a:endParaRPr lang="en-US" altLang="zh-CN" sz="2800" dirty="0"/>
+          </a:p>
+          <a:p>
+            <a:r>
+              <a:rPr lang="zh-CN" altLang="en-US" sz="2800" dirty="0"/>
+              <a:t>插入元素有哪些情况？</a:t>
+            </a:r>
+            <a:endParaRPr lang="en-US" altLang="zh-CN" sz="2800" dirty="0"/>
+          </a:p>
+          <a:p>
+            <a:endParaRPr lang="en-US" altLang="zh-CN" sz="2800" dirty="0"/>
+          </a:p>
+          <a:p>
+            <a:r>
+              <a:rPr lang="zh-CN" altLang="en-US" sz="2800" dirty="0"/>
+              <a:t>时间复杂度又是多少？</a:t>
+            </a:r>
+            <a:endParaRPr lang="en-US" altLang="zh-CN" sz="2800" dirty="0"/>
+          </a:p>
+          <a:p>
+            <a:endParaRPr lang="en-US" altLang="zh-CN" sz="2800" dirty="0"/>
+          </a:p>
+        </p:txBody>
+      </p:sp>
     </p:spTree>
     <p:extLst>
       <p:ext uri="{BB962C8B-B14F-4D97-AF65-F5344CB8AC3E}">
-        <p14:creationId xmlns:p14="http://schemas.microsoft.com/office/powerpoint/2010/main" val="4246552000"/>
+        <p14:creationId xmlns:p14="http://schemas.microsoft.com/office/powerpoint/2010/main" val="1818691929"/>
       </p:ext>
     </p:extLst>
   </p:cSld>
@@ -5630,11 +5584,19 @@
             </a:r>
             <a:r>
               <a:rPr lang="en-US" altLang="zh-CN" sz="3200" b="1" dirty="0"/>
-              <a:t>— .NET </a:t>
+              <a:t>— </a:t>
             </a:r>
             <a:r>
               <a:rPr lang="zh-CN" altLang="en-US" sz="3200" b="1" dirty="0"/>
-              <a:t>下的数组</a:t>
+              <a:t>插入</a:t>
+            </a:r>
+            <a:r>
+              <a:rPr lang="en-US" altLang="zh-CN" sz="3200" b="1" dirty="0"/>
+              <a:t>/</a:t>
+            </a:r>
+            <a:r>
+              <a:rPr lang="zh-CN" altLang="en-US" sz="3200" b="1" dirty="0"/>
+              <a:t>删除</a:t>
             </a:r>
             <a:endParaRPr lang="en-US" altLang="zh-CN" sz="3200" b="1" dirty="0"/>
           </a:p>
@@ -5826,20 +5788,76 @@
             </a:lvl9pPr>
           </a:lstStyle>
           <a:p>
-            <a:r>
-              <a:rPr lang="en-US" altLang="zh-CN" sz="2000" b="1" dirty="0">
-                <a:hlinkClick r:id="rId2"/>
+            <a:endParaRPr lang="en-US" altLang="zh-CN" dirty="0"/>
+          </a:p>
+          <a:p>
+            <a:r>
+              <a:rPr lang="en-US" altLang="zh-CN" b="1" dirty="0" err="1"/>
+              <a:t>int</a:t>
+            </a:r>
+            <a:r>
+              <a:rPr lang="en-US" altLang="zh-CN" b="1" dirty="0"/>
+              <a:t> [n] </a:t>
+            </a:r>
+            <a:r>
+              <a:rPr lang="en-US" altLang="zh-CN" dirty="0" err="1"/>
+              <a:t>arr</a:t>
+            </a:r>
+            <a:r>
+              <a:rPr lang="en-US" altLang="zh-CN" dirty="0"/>
+              <a:t> </a:t>
+            </a:r>
+            <a:r>
+              <a:rPr lang="en-US" altLang="zh-CN" b="1" dirty="0"/>
+              <a:t>=  [ 1, 2, 3, 4, 5, ... ..., n ] ; </a:t>
+            </a:r>
+            <a:endParaRPr lang="en-US" altLang="zh-CN" sz="2800" dirty="0"/>
+          </a:p>
+          <a:p>
+            <a:endParaRPr lang="en-US" altLang="zh-CN" sz="2800" dirty="0"/>
+          </a:p>
+          <a:p>
+            <a:r>
+              <a:rPr lang="zh-CN" altLang="en-US" sz="2800" b="1" dirty="0">
+                <a:solidFill>
+                  <a:srgbClr val="FF0000"/>
+                </a:solidFill>
               </a:rPr>
-              <a:t>https://referencesource.microsoft.com/#mscorlib/system/array.cs</a:t>
-            </a:r>
-            <a:endParaRPr lang="en-US" altLang="zh-CN" sz="2000" b="1" dirty="0"/>
+              <a:t>最好情况时间复杂度</a:t>
+            </a:r>
+            <a:r>
+              <a:rPr lang="zh-CN" altLang="en-US" sz="2800" dirty="0"/>
+              <a:t>：尾部插入</a:t>
+            </a:r>
+            <a:endParaRPr lang="en-US" altLang="zh-CN" sz="2800" dirty="0"/>
+          </a:p>
+          <a:p>
+            <a:endParaRPr lang="en-US" altLang="zh-CN" sz="2800" dirty="0"/>
+          </a:p>
+          <a:p>
+            <a:r>
+              <a:rPr lang="zh-CN" altLang="en-US" sz="2800" b="1" dirty="0">
+                <a:solidFill>
+                  <a:srgbClr val="FF0000"/>
+                </a:solidFill>
+              </a:rPr>
+              <a:t>最坏情况时间复杂度</a:t>
+            </a:r>
+            <a:r>
+              <a:rPr lang="zh-CN" altLang="en-US" sz="2800" dirty="0"/>
+              <a:t>：头部插入</a:t>
+            </a:r>
+            <a:endParaRPr lang="en-US" altLang="zh-CN" sz="2800" dirty="0"/>
+          </a:p>
+          <a:p>
+            <a:endParaRPr lang="en-US" altLang="zh-CN" sz="2800" dirty="0"/>
           </a:p>
         </p:txBody>
       </p:sp>
     </p:spTree>
     <p:extLst>
       <p:ext uri="{BB962C8B-B14F-4D97-AF65-F5344CB8AC3E}">
-        <p14:creationId xmlns:p14="http://schemas.microsoft.com/office/powerpoint/2010/main" val="1944686092"/>
+        <p14:creationId xmlns:p14="http://schemas.microsoft.com/office/powerpoint/2010/main" val="2505504966"/>
       </p:ext>
     </p:extLst>
   </p:cSld>
@@ -5878,7 +5896,7 @@
         </p:nvSpPr>
         <p:spPr>
           <a:xfrm>
-            <a:off x="809897" y="440825"/>
+            <a:off x="809897" y="423408"/>
             <a:ext cx="10476411" cy="595495"/>
           </a:xfrm>
         </p:spPr>
@@ -5898,7 +5916,15 @@
             </a:r>
             <a:r>
               <a:rPr lang="zh-CN" altLang="en-US" sz="3200" b="1" dirty="0"/>
-              <a:t>小结</a:t>
+              <a:t>插入</a:t>
+            </a:r>
+            <a:r>
+              <a:rPr lang="en-US" altLang="zh-CN" sz="3200" b="1" dirty="0"/>
+              <a:t>/</a:t>
+            </a:r>
+            <a:r>
+              <a:rPr lang="zh-CN" altLang="en-US" sz="3200" b="1" dirty="0"/>
+              <a:t>删除</a:t>
             </a:r>
             <a:endParaRPr lang="en-US" altLang="zh-CN" sz="3200" b="1" dirty="0"/>
           </a:p>
@@ -5914,8 +5940,8 @@
         </p:nvSpPr>
         <p:spPr>
           <a:xfrm>
-            <a:off x="809897" y="1568585"/>
-            <a:ext cx="10476411" cy="4675461"/>
+            <a:off x="809897" y="1220239"/>
+            <a:ext cx="10476411" cy="5215392"/>
           </a:xfrm>
           <a:prstGeom prst="rect">
             <a:avLst/>
@@ -6090,59 +6116,168 @@
             </a:lvl9pPr>
           </a:lstStyle>
           <a:p>
-            <a:r>
-              <a:rPr lang="zh-CN" altLang="en-US" dirty="0"/>
-              <a:t>浪费计算机的时间，</a:t>
-            </a:r>
             <a:endParaRPr lang="en-US" altLang="zh-CN" dirty="0"/>
           </a:p>
           <a:p>
             <a:r>
-              <a:rPr lang="zh-CN" altLang="en-US" dirty="0"/>
-              <a:t>节约程序员的时间；</a:t>
-            </a:r>
+              <a:rPr lang="zh-CN" altLang="en-US" sz="2800" b="1" dirty="0">
+                <a:solidFill>
+                  <a:srgbClr val="FF0000"/>
+                </a:solidFill>
+              </a:rPr>
+              <a:t>平均情况时间复杂度（加点概率）</a:t>
+            </a:r>
+            <a:endParaRPr lang="en-US" altLang="zh-CN" sz="2800" b="1" dirty="0">
+              <a:solidFill>
+                <a:srgbClr val="FF0000"/>
+              </a:solidFill>
+            </a:endParaRPr>
+          </a:p>
+          <a:p>
+            <a:endParaRPr lang="en-US" altLang="zh-CN" sz="2800" b="1" dirty="0"/>
+          </a:p>
+          <a:p>
+            <a:r>
+              <a:rPr lang="en-US" altLang="zh-CN" sz="2800" b="1" dirty="0" err="1"/>
+              <a:t>int</a:t>
+            </a:r>
+            <a:r>
+              <a:rPr lang="en-US" altLang="zh-CN" sz="2800" b="1" dirty="0"/>
+              <a:t> [n] </a:t>
+            </a:r>
+            <a:r>
+              <a:rPr lang="en-US" altLang="zh-CN" sz="2800" dirty="0" err="1"/>
+              <a:t>arr</a:t>
+            </a:r>
+            <a:r>
+              <a:rPr lang="en-US" altLang="zh-CN" sz="2800" dirty="0"/>
+              <a:t> </a:t>
+            </a:r>
+            <a:r>
+              <a:rPr lang="en-US" altLang="zh-CN" sz="2800" b="1" dirty="0"/>
+              <a:t>=  [ 1, 2, 3, 4, 5, ... ..., n ] ; </a:t>
+            </a:r>
+            <a:endParaRPr lang="en-US" altLang="zh-CN" sz="2800" dirty="0"/>
+          </a:p>
+          <a:p>
+            <a:endParaRPr lang="en-US" altLang="zh-CN" sz="2800" dirty="0"/>
+          </a:p>
+          <a:p>
+            <a:r>
+              <a:rPr lang="zh-CN" altLang="en-US" sz="2800" dirty="0"/>
+              <a:t>从头依次进行插入，对应移动数组次数</a:t>
+            </a:r>
+            <a:endParaRPr lang="en-US" altLang="zh-CN" sz="2800" dirty="0"/>
+          </a:p>
+          <a:p>
+            <a:endParaRPr lang="zh-CN" altLang="en-US" sz="2800" dirty="0"/>
+          </a:p>
+          <a:p>
+            <a:r>
+              <a:rPr lang="en-US" altLang="zh-CN" sz="2800" dirty="0"/>
+              <a:t>n</a:t>
+            </a:r>
+            <a:r>
+              <a:rPr lang="zh-CN" altLang="en-US" sz="2800" dirty="0"/>
+              <a:t>，</a:t>
+            </a:r>
+            <a:r>
+              <a:rPr lang="en-US" altLang="zh-CN" sz="2800" dirty="0"/>
+              <a:t>(n-1)</a:t>
+            </a:r>
+            <a:r>
+              <a:rPr lang="zh-CN" altLang="en-US" sz="2800" dirty="0"/>
+              <a:t>，</a:t>
+            </a:r>
+            <a:r>
+              <a:rPr lang="en-US" altLang="zh-CN" sz="2800" dirty="0"/>
+              <a:t>(n-2) </a:t>
+            </a:r>
+            <a:r>
+              <a:rPr lang="zh-CN" altLang="en-US" sz="2800" dirty="0"/>
+              <a:t>，</a:t>
+            </a:r>
+            <a:r>
+              <a:rPr lang="en-US" altLang="zh-CN" sz="2800" dirty="0"/>
+              <a:t>...</a:t>
+            </a:r>
+            <a:r>
+              <a:rPr lang="zh-CN" altLang="en-US" sz="2800" dirty="0"/>
+              <a:t>，</a:t>
+            </a:r>
+            <a:r>
+              <a:rPr lang="en-US" altLang="zh-CN" sz="2800" dirty="0"/>
+              <a:t>1</a:t>
+            </a:r>
+            <a:r>
+              <a:rPr lang="zh-CN" altLang="en-US" sz="2800" dirty="0"/>
+              <a:t>，</a:t>
+            </a:r>
+            <a:r>
+              <a:rPr lang="en-US" altLang="zh-CN" sz="2800" dirty="0"/>
+              <a:t>0         </a:t>
+            </a:r>
+            <a:r>
+              <a:rPr lang="en-US" altLang="zh-CN" sz="2800" dirty="0">
+                <a:sym typeface="Wingdings" panose="05000000000000000000" pitchFamily="2" charset="2"/>
+              </a:rPr>
+              <a:t> </a:t>
+            </a:r>
+            <a:r>
+              <a:rPr lang="en-US" altLang="zh-CN" sz="2800" dirty="0"/>
+              <a:t>      n+1 </a:t>
+            </a:r>
+            <a:r>
+              <a:rPr lang="zh-CN" altLang="en-US" sz="2800" dirty="0"/>
+              <a:t>种情况</a:t>
+            </a:r>
+            <a:endParaRPr lang="en-US" altLang="zh-CN" sz="2800" dirty="0"/>
+          </a:p>
+          <a:p>
+            <a:endParaRPr lang="en-US" altLang="zh-CN" sz="2800" dirty="0"/>
+          </a:p>
+          <a:p>
+            <a:r>
+              <a:rPr lang="zh-CN" altLang="en-US" sz="2800" b="1" dirty="0">
+                <a:solidFill>
+                  <a:srgbClr val="FF0000"/>
+                </a:solidFill>
+              </a:rPr>
+              <a:t>平均情况时间复杂度 </a:t>
+            </a:r>
+            <a:r>
+              <a:rPr lang="en-US" altLang="zh-CN" sz="2800" b="1" dirty="0">
+                <a:solidFill>
+                  <a:srgbClr val="FF0000"/>
+                </a:solidFill>
+              </a:rPr>
+              <a:t>O(n)</a:t>
+            </a:r>
+          </a:p>
+          <a:p>
+            <a:endParaRPr lang="en-US" altLang="zh-CN" sz="2800" dirty="0"/>
+          </a:p>
+          <a:p>
+            <a:endParaRPr lang="en-US" altLang="zh-CN" sz="2800" dirty="0"/>
+          </a:p>
+          <a:p>
+            <a:endParaRPr lang="en-US" altLang="zh-CN" sz="2800" dirty="0"/>
+          </a:p>
+          <a:p>
             <a:endParaRPr lang="en-US" altLang="zh-CN" dirty="0"/>
           </a:p>
           <a:p>
-            <a:r>
-              <a:rPr lang="zh-CN" altLang="en-US" dirty="0"/>
-              <a:t>降低程序运行效率，</a:t>
-            </a:r>
-            <a:endParaRPr lang="en-US" altLang="zh-CN" dirty="0"/>
-          </a:p>
-          <a:p>
-            <a:r>
-              <a:rPr lang="zh-CN" altLang="en-US" dirty="0"/>
-              <a:t>提高软件开发效率。</a:t>
-            </a:r>
-            <a:endParaRPr lang="en-US" altLang="zh-CN" dirty="0"/>
-          </a:p>
-          <a:p>
-            <a:endParaRPr lang="en-US" altLang="zh-CN" b="1" dirty="0"/>
-          </a:p>
-          <a:p>
-            <a:r>
-              <a:rPr lang="zh-CN" altLang="en-US" b="1" dirty="0"/>
-              <a:t>权衡</a:t>
-            </a:r>
-            <a:endParaRPr lang="en-US" altLang="zh-CN" b="1" dirty="0"/>
-          </a:p>
-          <a:p>
-            <a:endParaRPr lang="en-US" altLang="zh-CN" b="1" dirty="0"/>
-          </a:p>
-          <a:p>
-            <a:r>
-              <a:rPr lang="zh-CN" altLang="en-US" b="1" dirty="0"/>
-              <a:t>以空间换时间</a:t>
-            </a:r>
-            <a:endParaRPr lang="en-US" altLang="zh-CN" b="1" dirty="0"/>
+            <a:endParaRPr lang="en-US" altLang="zh-CN" sz="2800" dirty="0"/>
+          </a:p>
+          <a:p>
+            <a:endParaRPr lang="en-US" altLang="zh-CN" sz="2800" dirty="0"/>
           </a:p>
         </p:txBody>
       </p:sp>
     </p:spTree>
     <p:extLst>
       <p:ext uri="{BB962C8B-B14F-4D97-AF65-F5344CB8AC3E}">
-        <p14:creationId xmlns:p14="http://schemas.microsoft.com/office/powerpoint/2010/main" val="3204236466"/>
+        <p14:creationId xmlns:p14="http://schemas.microsoft.com/office/powerpoint/2010/main" val="953193666"/>
       </p:ext>
     </p:extLst>
   </p:cSld>
@@ -6181,6 +6316,655 @@
         </p:nvSpPr>
         <p:spPr>
           <a:xfrm>
+            <a:off x="809897" y="423408"/>
+            <a:ext cx="10476411" cy="595495"/>
+          </a:xfrm>
+        </p:spPr>
+        <p:txBody>
+          <a:bodyPr>
+            <a:normAutofit/>
+          </a:bodyPr>
+          <a:lstStyle/>
+          <a:p>
+            <a:r>
+              <a:rPr lang="zh-CN" altLang="en-US" sz="3200" b="1" dirty="0"/>
+              <a:t>数组 </a:t>
+            </a:r>
+            <a:r>
+              <a:rPr lang="en-US" altLang="zh-CN" sz="3200" b="1" dirty="0"/>
+              <a:t>— </a:t>
+            </a:r>
+            <a:r>
+              <a:rPr lang="zh-CN" altLang="en-US" sz="3200" b="1" dirty="0"/>
+              <a:t>越界（配置）</a:t>
+            </a:r>
+            <a:endParaRPr lang="en-US" altLang="zh-CN" sz="3200" b="1" dirty="0"/>
+          </a:p>
+        </p:txBody>
+      </p:sp>
+      <p:pic>
+        <p:nvPicPr>
+          <p:cNvPr id="2" name="图片 1"/>
+          <p:cNvPicPr>
+            <a:picLocks noChangeAspect="1"/>
+          </p:cNvPicPr>
+          <p:nvPr/>
+        </p:nvPicPr>
+        <p:blipFill>
+          <a:blip r:embed="rId2"/>
+          <a:stretch>
+            <a:fillRect/>
+          </a:stretch>
+        </p:blipFill>
+        <p:spPr>
+          <a:xfrm>
+            <a:off x="1105032" y="1388042"/>
+            <a:ext cx="9981935" cy="4844081"/>
+          </a:xfrm>
+          <a:prstGeom prst="rect">
+            <a:avLst/>
+          </a:prstGeom>
+        </p:spPr>
+      </p:pic>
+    </p:spTree>
+    <p:extLst>
+      <p:ext uri="{BB962C8B-B14F-4D97-AF65-F5344CB8AC3E}">
+        <p14:creationId xmlns:p14="http://schemas.microsoft.com/office/powerpoint/2010/main" val="2794567149"/>
+      </p:ext>
+    </p:extLst>
+  </p:cSld>
+  <p:clrMapOvr>
+    <a:masterClrMapping/>
+  </p:clrMapOvr>
+</p:sld>
+</file>
+
+<file path=ppt/slides/slide23.xml><?xml version="1.0" encoding="utf-8"?>
+<p:sld xmlns:a="http://schemas.openxmlformats.org/drawingml/2006/main" xmlns:r="http://schemas.openxmlformats.org/officeDocument/2006/relationships" xmlns:p="http://schemas.openxmlformats.org/presentationml/2006/main">
+  <p:cSld>
+    <p:spTree>
+      <p:nvGrpSpPr>
+        <p:cNvPr id="1" name=""/>
+        <p:cNvGrpSpPr/>
+        <p:nvPr/>
+      </p:nvGrpSpPr>
+      <p:grpSpPr>
+        <a:xfrm>
+          <a:off x="0" y="0"/>
+          <a:ext cx="0" cy="0"/>
+          <a:chOff x="0" y="0"/>
+          <a:chExt cx="0" cy="0"/>
+        </a:xfrm>
+      </p:grpSpPr>
+      <p:sp>
+        <p:nvSpPr>
+          <p:cNvPr id="6" name="副标题 2"/>
+          <p:cNvSpPr>
+            <a:spLocks noGrp="1"/>
+          </p:cNvSpPr>
+          <p:nvPr>
+            <p:ph type="subTitle" idx="1"/>
+          </p:nvPr>
+        </p:nvSpPr>
+        <p:spPr>
+          <a:xfrm>
+            <a:off x="809897" y="423408"/>
+            <a:ext cx="10476411" cy="595495"/>
+          </a:xfrm>
+        </p:spPr>
+        <p:txBody>
+          <a:bodyPr>
+            <a:normAutofit/>
+          </a:bodyPr>
+          <a:lstStyle/>
+          <a:p>
+            <a:r>
+              <a:rPr lang="zh-CN" altLang="en-US" sz="3200" b="1" dirty="0"/>
+              <a:t>数组 </a:t>
+            </a:r>
+            <a:r>
+              <a:rPr lang="en-US" altLang="zh-CN" sz="3200" b="1" dirty="0"/>
+              <a:t>— </a:t>
+            </a:r>
+            <a:r>
+              <a:rPr lang="zh-CN" altLang="en-US" sz="3200" b="1" dirty="0"/>
+              <a:t>越界（</a:t>
+            </a:r>
+            <a:r>
+              <a:rPr lang="en-US" altLang="zh-CN" sz="3200" b="1" dirty="0"/>
+              <a:t>C#</a:t>
+            </a:r>
+            <a:r>
+              <a:rPr lang="zh-CN" altLang="en-US" sz="3200" b="1" dirty="0"/>
+              <a:t>）</a:t>
+            </a:r>
+            <a:endParaRPr lang="en-US" altLang="zh-CN" sz="3200" b="1" dirty="0"/>
+          </a:p>
+        </p:txBody>
+      </p:sp>
+      <p:pic>
+        <p:nvPicPr>
+          <p:cNvPr id="7" name="图片 6">
+            <a:extLst>
+              <a:ext uri="{FF2B5EF4-FFF2-40B4-BE49-F238E27FC236}">
+                <a16:creationId xmlns:a16="http://schemas.microsoft.com/office/drawing/2014/main" id="{F76B1EE0-D13F-47BD-A09B-FF82CFEB614E}"/>
+              </a:ext>
+            </a:extLst>
+          </p:cNvPr>
+          <p:cNvPicPr>
+            <a:picLocks noChangeAspect="1"/>
+          </p:cNvPicPr>
+          <p:nvPr/>
+        </p:nvPicPr>
+        <p:blipFill>
+          <a:blip r:embed="rId2"/>
+          <a:stretch>
+            <a:fillRect/>
+          </a:stretch>
+        </p:blipFill>
+        <p:spPr>
+          <a:xfrm>
+            <a:off x="1238428" y="1144732"/>
+            <a:ext cx="9715143" cy="5289860"/>
+          </a:xfrm>
+          <a:prstGeom prst="rect">
+            <a:avLst/>
+          </a:prstGeom>
+        </p:spPr>
+      </p:pic>
+    </p:spTree>
+    <p:extLst>
+      <p:ext uri="{BB962C8B-B14F-4D97-AF65-F5344CB8AC3E}">
+        <p14:creationId xmlns:p14="http://schemas.microsoft.com/office/powerpoint/2010/main" val="1619829516"/>
+      </p:ext>
+    </p:extLst>
+  </p:cSld>
+  <p:clrMapOvr>
+    <a:masterClrMapping/>
+  </p:clrMapOvr>
+</p:sld>
+</file>
+
+<file path=ppt/slides/slide24.xml><?xml version="1.0" encoding="utf-8"?>
+<p:sld xmlns:a="http://schemas.openxmlformats.org/drawingml/2006/main" xmlns:r="http://schemas.openxmlformats.org/officeDocument/2006/relationships" xmlns:p="http://schemas.openxmlformats.org/presentationml/2006/main">
+  <p:cSld>
+    <p:spTree>
+      <p:nvGrpSpPr>
+        <p:cNvPr id="1" name=""/>
+        <p:cNvGrpSpPr/>
+        <p:nvPr/>
+      </p:nvGrpSpPr>
+      <p:grpSpPr>
+        <a:xfrm>
+          <a:off x="0" y="0"/>
+          <a:ext cx="0" cy="0"/>
+          <a:chOff x="0" y="0"/>
+          <a:chExt cx="0" cy="0"/>
+        </a:xfrm>
+      </p:grpSpPr>
+      <p:sp>
+        <p:nvSpPr>
+          <p:cNvPr id="6" name="副标题 2"/>
+          <p:cNvSpPr>
+            <a:spLocks noGrp="1"/>
+          </p:cNvSpPr>
+          <p:nvPr>
+            <p:ph type="subTitle" idx="1"/>
+          </p:nvPr>
+        </p:nvSpPr>
+        <p:spPr>
+          <a:xfrm>
+            <a:off x="809897" y="423408"/>
+            <a:ext cx="10476411" cy="595495"/>
+          </a:xfrm>
+        </p:spPr>
+        <p:txBody>
+          <a:bodyPr>
+            <a:normAutofit/>
+          </a:bodyPr>
+          <a:lstStyle/>
+          <a:p>
+            <a:r>
+              <a:rPr lang="zh-CN" altLang="en-US" sz="3200" b="1" dirty="0"/>
+              <a:t>数组 </a:t>
+            </a:r>
+            <a:r>
+              <a:rPr lang="en-US" altLang="zh-CN" sz="3200" b="1" dirty="0"/>
+              <a:t>— </a:t>
+            </a:r>
+            <a:r>
+              <a:rPr lang="zh-CN" altLang="en-US" sz="3200" b="1" dirty="0"/>
+              <a:t>越界（代码演示）</a:t>
+            </a:r>
+            <a:endParaRPr lang="en-US" altLang="zh-CN" sz="3200" b="1" dirty="0"/>
+          </a:p>
+        </p:txBody>
+      </p:sp>
+      <p:pic>
+        <p:nvPicPr>
+          <p:cNvPr id="7" name="图片 6">
+            <a:extLst>
+              <a:ext uri="{FF2B5EF4-FFF2-40B4-BE49-F238E27FC236}">
+                <a16:creationId xmlns:a16="http://schemas.microsoft.com/office/drawing/2014/main" id="{F76B1EE0-D13F-47BD-A09B-FF82CFEB614E}"/>
+              </a:ext>
+            </a:extLst>
+          </p:cNvPr>
+          <p:cNvPicPr>
+            <a:picLocks noChangeAspect="1"/>
+          </p:cNvPicPr>
+          <p:nvPr/>
+        </p:nvPicPr>
+        <p:blipFill>
+          <a:blip r:embed="rId2"/>
+          <a:stretch>
+            <a:fillRect/>
+          </a:stretch>
+        </p:blipFill>
+        <p:spPr>
+          <a:xfrm>
+            <a:off x="332495" y="1670836"/>
+            <a:ext cx="5411589" cy="4298164"/>
+          </a:xfrm>
+          <a:prstGeom prst="rect">
+            <a:avLst/>
+          </a:prstGeom>
+        </p:spPr>
+      </p:pic>
+      <p:pic>
+        <p:nvPicPr>
+          <p:cNvPr id="4" name="图片 3">
+            <a:extLst>
+              <a:ext uri="{FF2B5EF4-FFF2-40B4-BE49-F238E27FC236}">
+                <a16:creationId xmlns:a16="http://schemas.microsoft.com/office/drawing/2014/main" id="{CA0B365B-8711-48E4-B719-E6C39F434E37}"/>
+              </a:ext>
+            </a:extLst>
+          </p:cNvPr>
+          <p:cNvPicPr>
+            <a:picLocks noChangeAspect="1"/>
+          </p:cNvPicPr>
+          <p:nvPr/>
+        </p:nvPicPr>
+        <p:blipFill>
+          <a:blip r:embed="rId3"/>
+          <a:stretch>
+            <a:fillRect/>
+          </a:stretch>
+        </p:blipFill>
+        <p:spPr>
+          <a:xfrm>
+            <a:off x="5914517" y="1710612"/>
+            <a:ext cx="3448081" cy="4218612"/>
+          </a:xfrm>
+          <a:prstGeom prst="rect">
+            <a:avLst/>
+          </a:prstGeom>
+        </p:spPr>
+      </p:pic>
+    </p:spTree>
+    <p:extLst>
+      <p:ext uri="{BB962C8B-B14F-4D97-AF65-F5344CB8AC3E}">
+        <p14:creationId xmlns:p14="http://schemas.microsoft.com/office/powerpoint/2010/main" val="1129754614"/>
+      </p:ext>
+    </p:extLst>
+  </p:cSld>
+  <p:clrMapOvr>
+    <a:masterClrMapping/>
+  </p:clrMapOvr>
+</p:sld>
+</file>
+
+<file path=ppt/slides/slide25.xml><?xml version="1.0" encoding="utf-8"?>
+<p:sld xmlns:a="http://schemas.openxmlformats.org/drawingml/2006/main" xmlns:r="http://schemas.openxmlformats.org/officeDocument/2006/relationships" xmlns:p="http://schemas.openxmlformats.org/presentationml/2006/main">
+  <p:cSld>
+    <p:spTree>
+      <p:nvGrpSpPr>
+        <p:cNvPr id="1" name=""/>
+        <p:cNvGrpSpPr/>
+        <p:nvPr/>
+      </p:nvGrpSpPr>
+      <p:grpSpPr>
+        <a:xfrm>
+          <a:off x="0" y="0"/>
+          <a:ext cx="0" cy="0"/>
+          <a:chOff x="0" y="0"/>
+          <a:chExt cx="0" cy="0"/>
+        </a:xfrm>
+      </p:grpSpPr>
+      <p:sp>
+        <p:nvSpPr>
+          <p:cNvPr id="6" name="副标题 2"/>
+          <p:cNvSpPr>
+            <a:spLocks noGrp="1"/>
+          </p:cNvSpPr>
+          <p:nvPr>
+            <p:ph type="subTitle" idx="1"/>
+          </p:nvPr>
+        </p:nvSpPr>
+        <p:spPr>
+          <a:xfrm>
+            <a:off x="809897" y="440825"/>
+            <a:ext cx="10476411" cy="595495"/>
+          </a:xfrm>
+        </p:spPr>
+        <p:txBody>
+          <a:bodyPr>
+            <a:normAutofit/>
+          </a:bodyPr>
+          <a:lstStyle/>
+          <a:p>
+            <a:r>
+              <a:rPr lang="zh-CN" altLang="en-US" sz="3200" b="1" dirty="0"/>
+              <a:t>数组 </a:t>
+            </a:r>
+            <a:r>
+              <a:rPr lang="en-US" altLang="zh-CN" sz="3200" b="1" dirty="0"/>
+              <a:t>— .NET </a:t>
+            </a:r>
+            <a:r>
+              <a:rPr lang="zh-CN" altLang="en-US" sz="3200" b="1" dirty="0"/>
+              <a:t>下的数组</a:t>
+            </a:r>
+            <a:endParaRPr lang="en-US" altLang="zh-CN" sz="3200" b="1" dirty="0"/>
+          </a:p>
+        </p:txBody>
+      </p:sp>
+      <p:sp>
+        <p:nvSpPr>
+          <p:cNvPr id="3" name="副标题 2"/>
+          <p:cNvSpPr txBox="1">
+            <a:spLocks/>
+          </p:cNvSpPr>
+          <p:nvPr/>
+        </p:nvSpPr>
+        <p:spPr>
+          <a:xfrm>
+            <a:off x="809897" y="1741714"/>
+            <a:ext cx="10476411" cy="4675461"/>
+          </a:xfrm>
+          <a:prstGeom prst="rect">
+            <a:avLst/>
+          </a:prstGeom>
+        </p:spPr>
+        <p:txBody>
+          <a:bodyPr vert="horz" lIns="91440" tIns="45720" rIns="91440" bIns="45720" rtlCol="0">
+            <a:normAutofit/>
+          </a:bodyPr>
+          <a:lstStyle>
+            <a:lvl1pPr marL="0" indent="0" algn="ctr" defTabSz="914400" rtl="0" eaLnBrk="1" latinLnBrk="0" hangingPunct="1">
+              <a:lnSpc>
+                <a:spcPct val="90000"/>
+              </a:lnSpc>
+              <a:spcBef>
+                <a:spcPts val="1000"/>
+              </a:spcBef>
+              <a:buFont typeface="Arial" panose="020B0604020202020204" pitchFamily="34" charset="0"/>
+              <a:buNone/>
+              <a:defRPr sz="2400" kern="1200">
+                <a:solidFill>
+                  <a:schemeClr val="tx1"/>
+                </a:solidFill>
+                <a:latin typeface="+mn-lt"/>
+                <a:ea typeface="+mn-ea"/>
+                <a:cs typeface="+mn-cs"/>
+              </a:defRPr>
+            </a:lvl1pPr>
+            <a:lvl2pPr marL="457200" indent="0" algn="ctr" defTabSz="914400" rtl="0" eaLnBrk="1" latinLnBrk="0" hangingPunct="1">
+              <a:lnSpc>
+                <a:spcPct val="90000"/>
+              </a:lnSpc>
+              <a:spcBef>
+                <a:spcPts val="500"/>
+              </a:spcBef>
+              <a:buFont typeface="Arial" panose="020B0604020202020204" pitchFamily="34" charset="0"/>
+              <a:buNone/>
+              <a:defRPr sz="2000" kern="1200">
+                <a:solidFill>
+                  <a:schemeClr val="tx1"/>
+                </a:solidFill>
+                <a:latin typeface="+mn-lt"/>
+                <a:ea typeface="+mn-ea"/>
+                <a:cs typeface="+mn-cs"/>
+              </a:defRPr>
+            </a:lvl2pPr>
+            <a:lvl3pPr marL="914400" indent="0" algn="ctr" defTabSz="914400" rtl="0" eaLnBrk="1" latinLnBrk="0" hangingPunct="1">
+              <a:lnSpc>
+                <a:spcPct val="90000"/>
+              </a:lnSpc>
+              <a:spcBef>
+                <a:spcPts val="500"/>
+              </a:spcBef>
+              <a:buFont typeface="Arial" panose="020B0604020202020204" pitchFamily="34" charset="0"/>
+              <a:buNone/>
+              <a:defRPr sz="1800" kern="1200">
+                <a:solidFill>
+                  <a:schemeClr val="tx1"/>
+                </a:solidFill>
+                <a:latin typeface="+mn-lt"/>
+                <a:ea typeface="+mn-ea"/>
+                <a:cs typeface="+mn-cs"/>
+              </a:defRPr>
+            </a:lvl3pPr>
+            <a:lvl4pPr marL="1371600" indent="0" algn="ctr" defTabSz="914400" rtl="0" eaLnBrk="1" latinLnBrk="0" hangingPunct="1">
+              <a:lnSpc>
+                <a:spcPct val="90000"/>
+              </a:lnSpc>
+              <a:spcBef>
+                <a:spcPts val="500"/>
+              </a:spcBef>
+              <a:buFont typeface="Arial" panose="020B0604020202020204" pitchFamily="34" charset="0"/>
+              <a:buNone/>
+              <a:defRPr sz="1600" kern="1200">
+                <a:solidFill>
+                  <a:schemeClr val="tx1"/>
+                </a:solidFill>
+                <a:latin typeface="+mn-lt"/>
+                <a:ea typeface="+mn-ea"/>
+                <a:cs typeface="+mn-cs"/>
+              </a:defRPr>
+            </a:lvl4pPr>
+            <a:lvl5pPr marL="1828800" indent="0" algn="ctr" defTabSz="914400" rtl="0" eaLnBrk="1" latinLnBrk="0" hangingPunct="1">
+              <a:lnSpc>
+                <a:spcPct val="90000"/>
+              </a:lnSpc>
+              <a:spcBef>
+                <a:spcPts val="500"/>
+              </a:spcBef>
+              <a:buFont typeface="Arial" panose="020B0604020202020204" pitchFamily="34" charset="0"/>
+              <a:buNone/>
+              <a:defRPr sz="1600" kern="1200">
+                <a:solidFill>
+                  <a:schemeClr val="tx1"/>
+                </a:solidFill>
+                <a:latin typeface="+mn-lt"/>
+                <a:ea typeface="+mn-ea"/>
+                <a:cs typeface="+mn-cs"/>
+              </a:defRPr>
+            </a:lvl5pPr>
+            <a:lvl6pPr marL="2286000" indent="0" algn="ctr" defTabSz="914400" rtl="0" eaLnBrk="1" latinLnBrk="0" hangingPunct="1">
+              <a:lnSpc>
+                <a:spcPct val="90000"/>
+              </a:lnSpc>
+              <a:spcBef>
+                <a:spcPts val="500"/>
+              </a:spcBef>
+              <a:buFont typeface="Arial" panose="020B0604020202020204" pitchFamily="34" charset="0"/>
+              <a:buNone/>
+              <a:defRPr sz="1600" kern="1200">
+                <a:solidFill>
+                  <a:schemeClr val="tx1"/>
+                </a:solidFill>
+                <a:latin typeface="+mn-lt"/>
+                <a:ea typeface="+mn-ea"/>
+                <a:cs typeface="+mn-cs"/>
+              </a:defRPr>
+            </a:lvl6pPr>
+            <a:lvl7pPr marL="2743200" indent="0" algn="ctr" defTabSz="914400" rtl="0" eaLnBrk="1" latinLnBrk="0" hangingPunct="1">
+              <a:lnSpc>
+                <a:spcPct val="90000"/>
+              </a:lnSpc>
+              <a:spcBef>
+                <a:spcPts val="500"/>
+              </a:spcBef>
+              <a:buFont typeface="Arial" panose="020B0604020202020204" pitchFamily="34" charset="0"/>
+              <a:buNone/>
+              <a:defRPr sz="1600" kern="1200">
+                <a:solidFill>
+                  <a:schemeClr val="tx1"/>
+                </a:solidFill>
+                <a:latin typeface="+mn-lt"/>
+                <a:ea typeface="+mn-ea"/>
+                <a:cs typeface="+mn-cs"/>
+              </a:defRPr>
+            </a:lvl7pPr>
+            <a:lvl8pPr marL="3200400" indent="0" algn="ctr" defTabSz="914400" rtl="0" eaLnBrk="1" latinLnBrk="0" hangingPunct="1">
+              <a:lnSpc>
+                <a:spcPct val="90000"/>
+              </a:lnSpc>
+              <a:spcBef>
+                <a:spcPts val="500"/>
+              </a:spcBef>
+              <a:buFont typeface="Arial" panose="020B0604020202020204" pitchFamily="34" charset="0"/>
+              <a:buNone/>
+              <a:defRPr sz="1600" kern="1200">
+                <a:solidFill>
+                  <a:schemeClr val="tx1"/>
+                </a:solidFill>
+                <a:latin typeface="+mn-lt"/>
+                <a:ea typeface="+mn-ea"/>
+                <a:cs typeface="+mn-cs"/>
+              </a:defRPr>
+            </a:lvl8pPr>
+            <a:lvl9pPr marL="3657600" indent="0" algn="ctr" defTabSz="914400" rtl="0" eaLnBrk="1" latinLnBrk="0" hangingPunct="1">
+              <a:lnSpc>
+                <a:spcPct val="90000"/>
+              </a:lnSpc>
+              <a:spcBef>
+                <a:spcPts val="500"/>
+              </a:spcBef>
+              <a:buFont typeface="Arial" panose="020B0604020202020204" pitchFamily="34" charset="0"/>
+              <a:buNone/>
+              <a:defRPr sz="1600" kern="1200">
+                <a:solidFill>
+                  <a:schemeClr val="tx1"/>
+                </a:solidFill>
+                <a:latin typeface="+mn-lt"/>
+                <a:ea typeface="+mn-ea"/>
+                <a:cs typeface="+mn-cs"/>
+              </a:defRPr>
+            </a:lvl9pPr>
+          </a:lstStyle>
+          <a:p>
+            <a:endParaRPr lang="en-US" altLang="zh-CN" sz="2000" b="1" dirty="0">
+              <a:hlinkClick r:id="rId2"/>
+            </a:endParaRPr>
+          </a:p>
+          <a:p>
+            <a:r>
+              <a:rPr lang="en-US" altLang="zh-CN" sz="2000" b="1" dirty="0">
+                <a:hlinkClick r:id="rId2"/>
+              </a:rPr>
+              <a:t>https://referencesource.microsoft.com/#mscorlib/system/array.cs</a:t>
+            </a:r>
+            <a:endParaRPr lang="en-US" altLang="zh-CN" sz="2000" b="1" dirty="0"/>
+          </a:p>
+          <a:p>
+            <a:endParaRPr lang="en-US" altLang="zh-CN" sz="2000" b="1" dirty="0"/>
+          </a:p>
+          <a:p>
+            <a:r>
+              <a:rPr lang="en-US" altLang="zh-CN" sz="2000" b="1" dirty="0"/>
+              <a:t>Array     </a:t>
+            </a:r>
+            <a:r>
+              <a:rPr lang="zh-CN" altLang="en-US" sz="2000" b="1" dirty="0"/>
+              <a:t>数组抽象类，数组默认继承</a:t>
+            </a:r>
+            <a:endParaRPr lang="en-US" altLang="zh-CN" sz="2000" b="1" dirty="0"/>
+          </a:p>
+          <a:p>
+            <a:endParaRPr lang="en-US" altLang="zh-CN" sz="2000" b="1" dirty="0"/>
+          </a:p>
+          <a:p>
+            <a:r>
+              <a:rPr lang="en-US" altLang="zh-CN" sz="2000" b="1" dirty="0" err="1"/>
+              <a:t>ArrayList</a:t>
+            </a:r>
+            <a:r>
+              <a:rPr lang="en-US" altLang="zh-CN" sz="2000" b="1" dirty="0"/>
+              <a:t>     </a:t>
+            </a:r>
+            <a:r>
+              <a:rPr lang="zh-CN" altLang="en-US" sz="2000" b="1" dirty="0"/>
+              <a:t>动态数组，动态扩容缩容，装箱开箱</a:t>
+            </a:r>
+            <a:endParaRPr lang="en-US" altLang="zh-CN" sz="2000" b="1" dirty="0"/>
+          </a:p>
+          <a:p>
+            <a:endParaRPr lang="en-US" altLang="zh-CN" sz="2000" b="1" dirty="0"/>
+          </a:p>
+          <a:p>
+            <a:r>
+              <a:rPr lang="en-US" altLang="zh-CN" sz="2000" b="1" dirty="0"/>
+              <a:t>List&lt;T&gt; </a:t>
+            </a:r>
+            <a:r>
+              <a:rPr lang="zh-CN" altLang="en-US" sz="2000" b="1" dirty="0"/>
+              <a:t>列表，</a:t>
+            </a:r>
+            <a:r>
+              <a:rPr lang="en-US" altLang="zh-CN" sz="2000" b="1" dirty="0"/>
+              <a:t>Array + </a:t>
+            </a:r>
+            <a:r>
+              <a:rPr lang="en-US" altLang="zh-CN" sz="2000" b="1" dirty="0" err="1"/>
+              <a:t>ArrayList</a:t>
+            </a:r>
+            <a:endParaRPr lang="en-US" altLang="zh-CN" sz="2000" b="1" dirty="0"/>
+          </a:p>
+        </p:txBody>
+      </p:sp>
+    </p:spTree>
+    <p:extLst>
+      <p:ext uri="{BB962C8B-B14F-4D97-AF65-F5344CB8AC3E}">
+        <p14:creationId xmlns:p14="http://schemas.microsoft.com/office/powerpoint/2010/main" val="1944686092"/>
+      </p:ext>
+    </p:extLst>
+  </p:cSld>
+  <p:clrMapOvr>
+    <a:masterClrMapping/>
+  </p:clrMapOvr>
+</p:sld>
+</file>
+
+<file path=ppt/slides/slide26.xml><?xml version="1.0" encoding="utf-8"?>
+<p:sld xmlns:a="http://schemas.openxmlformats.org/drawingml/2006/main" xmlns:r="http://schemas.openxmlformats.org/officeDocument/2006/relationships" xmlns:p="http://schemas.openxmlformats.org/presentationml/2006/main">
+  <p:cSld>
+    <p:spTree>
+      <p:nvGrpSpPr>
+        <p:cNvPr id="1" name=""/>
+        <p:cNvGrpSpPr/>
+        <p:nvPr/>
+      </p:nvGrpSpPr>
+      <p:grpSpPr>
+        <a:xfrm>
+          <a:off x="0" y="0"/>
+          <a:ext cx="0" cy="0"/>
+          <a:chOff x="0" y="0"/>
+          <a:chExt cx="0" cy="0"/>
+        </a:xfrm>
+      </p:grpSpPr>
+      <p:sp>
+        <p:nvSpPr>
+          <p:cNvPr id="6" name="副标题 2"/>
+          <p:cNvSpPr>
+            <a:spLocks noGrp="1"/>
+          </p:cNvSpPr>
+          <p:nvPr>
+            <p:ph type="subTitle" idx="1"/>
+          </p:nvPr>
+        </p:nvSpPr>
+        <p:spPr>
+          <a:xfrm>
             <a:off x="809897" y="440825"/>
             <a:ext cx="10476411" cy="595495"/>
           </a:xfrm>
@@ -6416,7 +7200,7 @@
 </p:sld>
 </file>
 
-<file path=ppt/slides/slide23.xml><?xml version="1.0" encoding="utf-8"?>
+<file path=ppt/slides/slide27.xml><?xml version="1.0" encoding="utf-8"?>
 <p:sld xmlns:a="http://schemas.openxmlformats.org/drawingml/2006/main" xmlns:r="http://schemas.openxmlformats.org/officeDocument/2006/relationships" xmlns:p="http://schemas.openxmlformats.org/presentationml/2006/main">
   <p:cSld>
     <p:spTree>
@@ -6518,7 +7302,7 @@
 </p:sld>
 </file>
 
-<file path=ppt/slides/slide24.xml><?xml version="1.0" encoding="utf-8"?>
+<file path=ppt/slides/slide28.xml><?xml version="1.0" encoding="utf-8"?>
 <p:sld xmlns:a="http://schemas.openxmlformats.org/drawingml/2006/main" xmlns:r="http://schemas.openxmlformats.org/officeDocument/2006/relationships" xmlns:p="http://schemas.openxmlformats.org/presentationml/2006/main">
   <p:cSld>
     <p:spTree>
@@ -6919,7 +7703,7 @@
 </p:sld>
 </file>
 
-<file path=ppt/slides/slide25.xml><?xml version="1.0" encoding="utf-8"?>
+<file path=ppt/slides/slide29.xml><?xml version="1.0" encoding="utf-8"?>
 <p:sld xmlns:a="http://schemas.openxmlformats.org/drawingml/2006/main" xmlns:r="http://schemas.openxmlformats.org/officeDocument/2006/relationships" xmlns:p="http://schemas.openxmlformats.org/presentationml/2006/main">
   <p:cSld>
     <p:spTree>
@@ -7015,284 +7799,6 @@
 </p:sld>
 </file>
 
-<file path=ppt/slides/slide26.xml><?xml version="1.0" encoding="utf-8"?>
-<p:sld xmlns:a="http://schemas.openxmlformats.org/drawingml/2006/main" xmlns:r="http://schemas.openxmlformats.org/officeDocument/2006/relationships" xmlns:p="http://schemas.openxmlformats.org/presentationml/2006/main">
-  <p:cSld>
-    <p:spTree>
-      <p:nvGrpSpPr>
-        <p:cNvPr id="1" name=""/>
-        <p:cNvGrpSpPr/>
-        <p:nvPr/>
-      </p:nvGrpSpPr>
-      <p:grpSpPr>
-        <a:xfrm>
-          <a:off x="0" y="0"/>
-          <a:ext cx="0" cy="0"/>
-          <a:chOff x="0" y="0"/>
-          <a:chExt cx="0" cy="0"/>
-        </a:xfrm>
-      </p:grpSpPr>
-      <p:sp>
-        <p:nvSpPr>
-          <p:cNvPr id="6" name="副标题 2"/>
-          <p:cNvSpPr>
-            <a:spLocks noGrp="1"/>
-          </p:cNvSpPr>
-          <p:nvPr>
-            <p:ph type="subTitle" idx="1"/>
-          </p:nvPr>
-        </p:nvSpPr>
-        <p:spPr>
-          <a:xfrm>
-            <a:off x="809897" y="669425"/>
-            <a:ext cx="10476411" cy="595495"/>
-          </a:xfrm>
-        </p:spPr>
-        <p:txBody>
-          <a:bodyPr>
-            <a:normAutofit/>
-          </a:bodyPr>
-          <a:lstStyle/>
-          <a:p>
-            <a:r>
-              <a:rPr lang="en-US" altLang="zh-CN" sz="3200" b="1" dirty="0"/>
-              <a:t>Thanks! </a:t>
-            </a:r>
-            <a:r>
-              <a:rPr lang="zh-CN" altLang="en-US" sz="3200" b="1" dirty="0"/>
-              <a:t>下期见</a:t>
-            </a:r>
-            <a:endParaRPr lang="en-US" altLang="zh-CN" sz="3200" b="1" dirty="0"/>
-          </a:p>
-        </p:txBody>
-      </p:sp>
-      <p:sp>
-        <p:nvSpPr>
-          <p:cNvPr id="3" name="副标题 2"/>
-          <p:cNvSpPr txBox="1">
-            <a:spLocks/>
-          </p:cNvSpPr>
-          <p:nvPr/>
-        </p:nvSpPr>
-        <p:spPr>
-          <a:xfrm>
-            <a:off x="809897" y="2356265"/>
-            <a:ext cx="10476411" cy="2766348"/>
-          </a:xfrm>
-          <a:prstGeom prst="rect">
-            <a:avLst/>
-          </a:prstGeom>
-        </p:spPr>
-        <p:txBody>
-          <a:bodyPr vert="horz" lIns="91440" tIns="45720" rIns="91440" bIns="45720" rtlCol="0">
-            <a:normAutofit/>
-          </a:bodyPr>
-          <a:lstStyle>
-            <a:lvl1pPr marL="0" indent="0" algn="ctr" defTabSz="914400" rtl="0" eaLnBrk="1" latinLnBrk="0" hangingPunct="1">
-              <a:lnSpc>
-                <a:spcPct val="90000"/>
-              </a:lnSpc>
-              <a:spcBef>
-                <a:spcPts val="1000"/>
-              </a:spcBef>
-              <a:buFont typeface="Arial" panose="020B0604020202020204" pitchFamily="34" charset="0"/>
-              <a:buNone/>
-              <a:defRPr sz="2400" kern="1200">
-                <a:solidFill>
-                  <a:schemeClr val="tx1"/>
-                </a:solidFill>
-                <a:latin typeface="+mn-lt"/>
-                <a:ea typeface="+mn-ea"/>
-                <a:cs typeface="+mn-cs"/>
-              </a:defRPr>
-            </a:lvl1pPr>
-            <a:lvl2pPr marL="457200" indent="0" algn="ctr" defTabSz="914400" rtl="0" eaLnBrk="1" latinLnBrk="0" hangingPunct="1">
-              <a:lnSpc>
-                <a:spcPct val="90000"/>
-              </a:lnSpc>
-              <a:spcBef>
-                <a:spcPts val="500"/>
-              </a:spcBef>
-              <a:buFont typeface="Arial" panose="020B0604020202020204" pitchFamily="34" charset="0"/>
-              <a:buNone/>
-              <a:defRPr sz="2000" kern="1200">
-                <a:solidFill>
-                  <a:schemeClr val="tx1"/>
-                </a:solidFill>
-                <a:latin typeface="+mn-lt"/>
-                <a:ea typeface="+mn-ea"/>
-                <a:cs typeface="+mn-cs"/>
-              </a:defRPr>
-            </a:lvl2pPr>
-            <a:lvl3pPr marL="914400" indent="0" algn="ctr" defTabSz="914400" rtl="0" eaLnBrk="1" latinLnBrk="0" hangingPunct="1">
-              <a:lnSpc>
-                <a:spcPct val="90000"/>
-              </a:lnSpc>
-              <a:spcBef>
-                <a:spcPts val="500"/>
-              </a:spcBef>
-              <a:buFont typeface="Arial" panose="020B0604020202020204" pitchFamily="34" charset="0"/>
-              <a:buNone/>
-              <a:defRPr sz="1800" kern="1200">
-                <a:solidFill>
-                  <a:schemeClr val="tx1"/>
-                </a:solidFill>
-                <a:latin typeface="+mn-lt"/>
-                <a:ea typeface="+mn-ea"/>
-                <a:cs typeface="+mn-cs"/>
-              </a:defRPr>
-            </a:lvl3pPr>
-            <a:lvl4pPr marL="1371600" indent="0" algn="ctr" defTabSz="914400" rtl="0" eaLnBrk="1" latinLnBrk="0" hangingPunct="1">
-              <a:lnSpc>
-                <a:spcPct val="90000"/>
-              </a:lnSpc>
-              <a:spcBef>
-                <a:spcPts val="500"/>
-              </a:spcBef>
-              <a:buFont typeface="Arial" panose="020B0604020202020204" pitchFamily="34" charset="0"/>
-              <a:buNone/>
-              <a:defRPr sz="1600" kern="1200">
-                <a:solidFill>
-                  <a:schemeClr val="tx1"/>
-                </a:solidFill>
-                <a:latin typeface="+mn-lt"/>
-                <a:ea typeface="+mn-ea"/>
-                <a:cs typeface="+mn-cs"/>
-              </a:defRPr>
-            </a:lvl4pPr>
-            <a:lvl5pPr marL="1828800" indent="0" algn="ctr" defTabSz="914400" rtl="0" eaLnBrk="1" latinLnBrk="0" hangingPunct="1">
-              <a:lnSpc>
-                <a:spcPct val="90000"/>
-              </a:lnSpc>
-              <a:spcBef>
-                <a:spcPts val="500"/>
-              </a:spcBef>
-              <a:buFont typeface="Arial" panose="020B0604020202020204" pitchFamily="34" charset="0"/>
-              <a:buNone/>
-              <a:defRPr sz="1600" kern="1200">
-                <a:solidFill>
-                  <a:schemeClr val="tx1"/>
-                </a:solidFill>
-                <a:latin typeface="+mn-lt"/>
-                <a:ea typeface="+mn-ea"/>
-                <a:cs typeface="+mn-cs"/>
-              </a:defRPr>
-            </a:lvl5pPr>
-            <a:lvl6pPr marL="2286000" indent="0" algn="ctr" defTabSz="914400" rtl="0" eaLnBrk="1" latinLnBrk="0" hangingPunct="1">
-              <a:lnSpc>
-                <a:spcPct val="90000"/>
-              </a:lnSpc>
-              <a:spcBef>
-                <a:spcPts val="500"/>
-              </a:spcBef>
-              <a:buFont typeface="Arial" panose="020B0604020202020204" pitchFamily="34" charset="0"/>
-              <a:buNone/>
-              <a:defRPr sz="1600" kern="1200">
-                <a:solidFill>
-                  <a:schemeClr val="tx1"/>
-                </a:solidFill>
-                <a:latin typeface="+mn-lt"/>
-                <a:ea typeface="+mn-ea"/>
-                <a:cs typeface="+mn-cs"/>
-              </a:defRPr>
-            </a:lvl6pPr>
-            <a:lvl7pPr marL="2743200" indent="0" algn="ctr" defTabSz="914400" rtl="0" eaLnBrk="1" latinLnBrk="0" hangingPunct="1">
-              <a:lnSpc>
-                <a:spcPct val="90000"/>
-              </a:lnSpc>
-              <a:spcBef>
-                <a:spcPts val="500"/>
-              </a:spcBef>
-              <a:buFont typeface="Arial" panose="020B0604020202020204" pitchFamily="34" charset="0"/>
-              <a:buNone/>
-              <a:defRPr sz="1600" kern="1200">
-                <a:solidFill>
-                  <a:schemeClr val="tx1"/>
-                </a:solidFill>
-                <a:latin typeface="+mn-lt"/>
-                <a:ea typeface="+mn-ea"/>
-                <a:cs typeface="+mn-cs"/>
-              </a:defRPr>
-            </a:lvl7pPr>
-            <a:lvl8pPr marL="3200400" indent="0" algn="ctr" defTabSz="914400" rtl="0" eaLnBrk="1" latinLnBrk="0" hangingPunct="1">
-              <a:lnSpc>
-                <a:spcPct val="90000"/>
-              </a:lnSpc>
-              <a:spcBef>
-                <a:spcPts val="500"/>
-              </a:spcBef>
-              <a:buFont typeface="Arial" panose="020B0604020202020204" pitchFamily="34" charset="0"/>
-              <a:buNone/>
-              <a:defRPr sz="1600" kern="1200">
-                <a:solidFill>
-                  <a:schemeClr val="tx1"/>
-                </a:solidFill>
-                <a:latin typeface="+mn-lt"/>
-                <a:ea typeface="+mn-ea"/>
-                <a:cs typeface="+mn-cs"/>
-              </a:defRPr>
-            </a:lvl8pPr>
-            <a:lvl9pPr marL="3657600" indent="0" algn="ctr" defTabSz="914400" rtl="0" eaLnBrk="1" latinLnBrk="0" hangingPunct="1">
-              <a:lnSpc>
-                <a:spcPct val="90000"/>
-              </a:lnSpc>
-              <a:spcBef>
-                <a:spcPts val="500"/>
-              </a:spcBef>
-              <a:buFont typeface="Arial" panose="020B0604020202020204" pitchFamily="34" charset="0"/>
-              <a:buNone/>
-              <a:defRPr sz="1600" kern="1200">
-                <a:solidFill>
-                  <a:schemeClr val="tx1"/>
-                </a:solidFill>
-                <a:latin typeface="+mn-lt"/>
-                <a:ea typeface="+mn-ea"/>
-                <a:cs typeface="+mn-cs"/>
-              </a:defRPr>
-            </a:lvl9pPr>
-          </a:lstStyle>
-          <a:p>
-            <a:r>
-              <a:rPr lang="zh-CN" altLang="en-US" sz="2800" dirty="0"/>
-              <a:t>栈</a:t>
-            </a:r>
-            <a:endParaRPr lang="en-US" altLang="zh-CN" sz="2800" dirty="0"/>
-          </a:p>
-          <a:p>
-            <a:endParaRPr lang="en-US" altLang="zh-CN" sz="2800" dirty="0"/>
-          </a:p>
-          <a:p>
-            <a:r>
-              <a:rPr lang="zh-CN" altLang="en-US" sz="2800" dirty="0"/>
-              <a:t>队列</a:t>
-            </a:r>
-            <a:endParaRPr lang="en-US" altLang="zh-CN" sz="2800" dirty="0"/>
-          </a:p>
-          <a:p>
-            <a:endParaRPr lang="en-US" altLang="zh-CN" sz="2800" dirty="0"/>
-          </a:p>
-          <a:p>
-            <a:r>
-              <a:rPr lang="zh-CN" altLang="en-US" sz="2800" dirty="0"/>
-              <a:t>递归和排序算法</a:t>
-            </a:r>
-            <a:endParaRPr lang="en-US" altLang="zh-CN" sz="2800" dirty="0"/>
-          </a:p>
-        </p:txBody>
-      </p:sp>
-    </p:spTree>
-    <p:extLst>
-      <p:ext uri="{BB962C8B-B14F-4D97-AF65-F5344CB8AC3E}">
-        <p14:creationId xmlns:p14="http://schemas.microsoft.com/office/powerpoint/2010/main" val="888651294"/>
-      </p:ext>
-    </p:extLst>
-  </p:cSld>
-  <p:clrMapOvr>
-    <a:masterClrMapping/>
-  </p:clrMapOvr>
-</p:sld>
-</file>
-
 <file path=ppt/slides/slide3.xml><?xml version="1.0" encoding="utf-8"?>
 <p:sld xmlns:a="http://schemas.openxmlformats.org/drawingml/2006/main" xmlns:r="http://schemas.openxmlformats.org/officeDocument/2006/relationships" xmlns:p="http://schemas.openxmlformats.org/presentationml/2006/main">
   <p:cSld>
@@ -7424,6 +7930,284 @@
     <p:extLst>
       <p:ext uri="{BB962C8B-B14F-4D97-AF65-F5344CB8AC3E}">
         <p14:creationId xmlns:p14="http://schemas.microsoft.com/office/powerpoint/2010/main" val="2827398560"/>
+      </p:ext>
+    </p:extLst>
+  </p:cSld>
+  <p:clrMapOvr>
+    <a:masterClrMapping/>
+  </p:clrMapOvr>
+</p:sld>
+</file>
+
+<file path=ppt/slides/slide30.xml><?xml version="1.0" encoding="utf-8"?>
+<p:sld xmlns:a="http://schemas.openxmlformats.org/drawingml/2006/main" xmlns:r="http://schemas.openxmlformats.org/officeDocument/2006/relationships" xmlns:p="http://schemas.openxmlformats.org/presentationml/2006/main">
+  <p:cSld>
+    <p:spTree>
+      <p:nvGrpSpPr>
+        <p:cNvPr id="1" name=""/>
+        <p:cNvGrpSpPr/>
+        <p:nvPr/>
+      </p:nvGrpSpPr>
+      <p:grpSpPr>
+        <a:xfrm>
+          <a:off x="0" y="0"/>
+          <a:ext cx="0" cy="0"/>
+          <a:chOff x="0" y="0"/>
+          <a:chExt cx="0" cy="0"/>
+        </a:xfrm>
+      </p:grpSpPr>
+      <p:sp>
+        <p:nvSpPr>
+          <p:cNvPr id="6" name="副标题 2"/>
+          <p:cNvSpPr>
+            <a:spLocks noGrp="1"/>
+          </p:cNvSpPr>
+          <p:nvPr>
+            <p:ph type="subTitle" idx="1"/>
+          </p:nvPr>
+        </p:nvSpPr>
+        <p:spPr>
+          <a:xfrm>
+            <a:off x="809897" y="669425"/>
+            <a:ext cx="10476411" cy="595495"/>
+          </a:xfrm>
+        </p:spPr>
+        <p:txBody>
+          <a:bodyPr>
+            <a:normAutofit/>
+          </a:bodyPr>
+          <a:lstStyle/>
+          <a:p>
+            <a:r>
+              <a:rPr lang="en-US" altLang="zh-CN" sz="3200" b="1" dirty="0"/>
+              <a:t>Thanks! </a:t>
+            </a:r>
+            <a:r>
+              <a:rPr lang="zh-CN" altLang="en-US" sz="3200" b="1" dirty="0"/>
+              <a:t>下期见</a:t>
+            </a:r>
+            <a:endParaRPr lang="en-US" altLang="zh-CN" sz="3200" b="1" dirty="0"/>
+          </a:p>
+        </p:txBody>
+      </p:sp>
+      <p:sp>
+        <p:nvSpPr>
+          <p:cNvPr id="3" name="副标题 2"/>
+          <p:cNvSpPr txBox="1">
+            <a:spLocks/>
+          </p:cNvSpPr>
+          <p:nvPr/>
+        </p:nvSpPr>
+        <p:spPr>
+          <a:xfrm>
+            <a:off x="809897" y="2356265"/>
+            <a:ext cx="10476411" cy="2766348"/>
+          </a:xfrm>
+          <a:prstGeom prst="rect">
+            <a:avLst/>
+          </a:prstGeom>
+        </p:spPr>
+        <p:txBody>
+          <a:bodyPr vert="horz" lIns="91440" tIns="45720" rIns="91440" bIns="45720" rtlCol="0">
+            <a:normAutofit/>
+          </a:bodyPr>
+          <a:lstStyle>
+            <a:lvl1pPr marL="0" indent="0" algn="ctr" defTabSz="914400" rtl="0" eaLnBrk="1" latinLnBrk="0" hangingPunct="1">
+              <a:lnSpc>
+                <a:spcPct val="90000"/>
+              </a:lnSpc>
+              <a:spcBef>
+                <a:spcPts val="1000"/>
+              </a:spcBef>
+              <a:buFont typeface="Arial" panose="020B0604020202020204" pitchFamily="34" charset="0"/>
+              <a:buNone/>
+              <a:defRPr sz="2400" kern="1200">
+                <a:solidFill>
+                  <a:schemeClr val="tx1"/>
+                </a:solidFill>
+                <a:latin typeface="+mn-lt"/>
+                <a:ea typeface="+mn-ea"/>
+                <a:cs typeface="+mn-cs"/>
+              </a:defRPr>
+            </a:lvl1pPr>
+            <a:lvl2pPr marL="457200" indent="0" algn="ctr" defTabSz="914400" rtl="0" eaLnBrk="1" latinLnBrk="0" hangingPunct="1">
+              <a:lnSpc>
+                <a:spcPct val="90000"/>
+              </a:lnSpc>
+              <a:spcBef>
+                <a:spcPts val="500"/>
+              </a:spcBef>
+              <a:buFont typeface="Arial" panose="020B0604020202020204" pitchFamily="34" charset="0"/>
+              <a:buNone/>
+              <a:defRPr sz="2000" kern="1200">
+                <a:solidFill>
+                  <a:schemeClr val="tx1"/>
+                </a:solidFill>
+                <a:latin typeface="+mn-lt"/>
+                <a:ea typeface="+mn-ea"/>
+                <a:cs typeface="+mn-cs"/>
+              </a:defRPr>
+            </a:lvl2pPr>
+            <a:lvl3pPr marL="914400" indent="0" algn="ctr" defTabSz="914400" rtl="0" eaLnBrk="1" latinLnBrk="0" hangingPunct="1">
+              <a:lnSpc>
+                <a:spcPct val="90000"/>
+              </a:lnSpc>
+              <a:spcBef>
+                <a:spcPts val="500"/>
+              </a:spcBef>
+              <a:buFont typeface="Arial" panose="020B0604020202020204" pitchFamily="34" charset="0"/>
+              <a:buNone/>
+              <a:defRPr sz="1800" kern="1200">
+                <a:solidFill>
+                  <a:schemeClr val="tx1"/>
+                </a:solidFill>
+                <a:latin typeface="+mn-lt"/>
+                <a:ea typeface="+mn-ea"/>
+                <a:cs typeface="+mn-cs"/>
+              </a:defRPr>
+            </a:lvl3pPr>
+            <a:lvl4pPr marL="1371600" indent="0" algn="ctr" defTabSz="914400" rtl="0" eaLnBrk="1" latinLnBrk="0" hangingPunct="1">
+              <a:lnSpc>
+                <a:spcPct val="90000"/>
+              </a:lnSpc>
+              <a:spcBef>
+                <a:spcPts val="500"/>
+              </a:spcBef>
+              <a:buFont typeface="Arial" panose="020B0604020202020204" pitchFamily="34" charset="0"/>
+              <a:buNone/>
+              <a:defRPr sz="1600" kern="1200">
+                <a:solidFill>
+                  <a:schemeClr val="tx1"/>
+                </a:solidFill>
+                <a:latin typeface="+mn-lt"/>
+                <a:ea typeface="+mn-ea"/>
+                <a:cs typeface="+mn-cs"/>
+              </a:defRPr>
+            </a:lvl4pPr>
+            <a:lvl5pPr marL="1828800" indent="0" algn="ctr" defTabSz="914400" rtl="0" eaLnBrk="1" latinLnBrk="0" hangingPunct="1">
+              <a:lnSpc>
+                <a:spcPct val="90000"/>
+              </a:lnSpc>
+              <a:spcBef>
+                <a:spcPts val="500"/>
+              </a:spcBef>
+              <a:buFont typeface="Arial" panose="020B0604020202020204" pitchFamily="34" charset="0"/>
+              <a:buNone/>
+              <a:defRPr sz="1600" kern="1200">
+                <a:solidFill>
+                  <a:schemeClr val="tx1"/>
+                </a:solidFill>
+                <a:latin typeface="+mn-lt"/>
+                <a:ea typeface="+mn-ea"/>
+                <a:cs typeface="+mn-cs"/>
+              </a:defRPr>
+            </a:lvl5pPr>
+            <a:lvl6pPr marL="2286000" indent="0" algn="ctr" defTabSz="914400" rtl="0" eaLnBrk="1" latinLnBrk="0" hangingPunct="1">
+              <a:lnSpc>
+                <a:spcPct val="90000"/>
+              </a:lnSpc>
+              <a:spcBef>
+                <a:spcPts val="500"/>
+              </a:spcBef>
+              <a:buFont typeface="Arial" panose="020B0604020202020204" pitchFamily="34" charset="0"/>
+              <a:buNone/>
+              <a:defRPr sz="1600" kern="1200">
+                <a:solidFill>
+                  <a:schemeClr val="tx1"/>
+                </a:solidFill>
+                <a:latin typeface="+mn-lt"/>
+                <a:ea typeface="+mn-ea"/>
+                <a:cs typeface="+mn-cs"/>
+              </a:defRPr>
+            </a:lvl6pPr>
+            <a:lvl7pPr marL="2743200" indent="0" algn="ctr" defTabSz="914400" rtl="0" eaLnBrk="1" latinLnBrk="0" hangingPunct="1">
+              <a:lnSpc>
+                <a:spcPct val="90000"/>
+              </a:lnSpc>
+              <a:spcBef>
+                <a:spcPts val="500"/>
+              </a:spcBef>
+              <a:buFont typeface="Arial" panose="020B0604020202020204" pitchFamily="34" charset="0"/>
+              <a:buNone/>
+              <a:defRPr sz="1600" kern="1200">
+                <a:solidFill>
+                  <a:schemeClr val="tx1"/>
+                </a:solidFill>
+                <a:latin typeface="+mn-lt"/>
+                <a:ea typeface="+mn-ea"/>
+                <a:cs typeface="+mn-cs"/>
+              </a:defRPr>
+            </a:lvl7pPr>
+            <a:lvl8pPr marL="3200400" indent="0" algn="ctr" defTabSz="914400" rtl="0" eaLnBrk="1" latinLnBrk="0" hangingPunct="1">
+              <a:lnSpc>
+                <a:spcPct val="90000"/>
+              </a:lnSpc>
+              <a:spcBef>
+                <a:spcPts val="500"/>
+              </a:spcBef>
+              <a:buFont typeface="Arial" panose="020B0604020202020204" pitchFamily="34" charset="0"/>
+              <a:buNone/>
+              <a:defRPr sz="1600" kern="1200">
+                <a:solidFill>
+                  <a:schemeClr val="tx1"/>
+                </a:solidFill>
+                <a:latin typeface="+mn-lt"/>
+                <a:ea typeface="+mn-ea"/>
+                <a:cs typeface="+mn-cs"/>
+              </a:defRPr>
+            </a:lvl8pPr>
+            <a:lvl9pPr marL="3657600" indent="0" algn="ctr" defTabSz="914400" rtl="0" eaLnBrk="1" latinLnBrk="0" hangingPunct="1">
+              <a:lnSpc>
+                <a:spcPct val="90000"/>
+              </a:lnSpc>
+              <a:spcBef>
+                <a:spcPts val="500"/>
+              </a:spcBef>
+              <a:buFont typeface="Arial" panose="020B0604020202020204" pitchFamily="34" charset="0"/>
+              <a:buNone/>
+              <a:defRPr sz="1600" kern="1200">
+                <a:solidFill>
+                  <a:schemeClr val="tx1"/>
+                </a:solidFill>
+                <a:latin typeface="+mn-lt"/>
+                <a:ea typeface="+mn-ea"/>
+                <a:cs typeface="+mn-cs"/>
+              </a:defRPr>
+            </a:lvl9pPr>
+          </a:lstStyle>
+          <a:p>
+            <a:r>
+              <a:rPr lang="zh-CN" altLang="en-US" sz="2800" dirty="0"/>
+              <a:t>栈</a:t>
+            </a:r>
+            <a:endParaRPr lang="en-US" altLang="zh-CN" sz="2800" dirty="0"/>
+          </a:p>
+          <a:p>
+            <a:endParaRPr lang="en-US" altLang="zh-CN" sz="2800" dirty="0"/>
+          </a:p>
+          <a:p>
+            <a:r>
+              <a:rPr lang="zh-CN" altLang="en-US" sz="2800" dirty="0"/>
+              <a:t>队列</a:t>
+            </a:r>
+            <a:endParaRPr lang="en-US" altLang="zh-CN" sz="2800" dirty="0"/>
+          </a:p>
+          <a:p>
+            <a:endParaRPr lang="en-US" altLang="zh-CN" sz="2800" dirty="0"/>
+          </a:p>
+          <a:p>
+            <a:r>
+              <a:rPr lang="zh-CN" altLang="en-US" sz="2800" dirty="0"/>
+              <a:t>递归和排序算法</a:t>
+            </a:r>
+            <a:endParaRPr lang="en-US" altLang="zh-CN" sz="2800" dirty="0"/>
+          </a:p>
+        </p:txBody>
+      </p:sp>
+    </p:spTree>
+    <p:extLst>
+      <p:ext uri="{BB962C8B-B14F-4D97-AF65-F5344CB8AC3E}">
+        <p14:creationId xmlns:p14="http://schemas.microsoft.com/office/powerpoint/2010/main" val="888651294"/>
       </p:ext>
     </p:extLst>
   </p:cSld>

--- a/ALG/docs/数据结构与算法.pptx
+++ b/ALG/docs/数据结构与算法.pptx
@@ -17,8 +17,8 @@
     <p:sldId id="265" r:id="rId11"/>
     <p:sldId id="266" r:id="rId12"/>
     <p:sldId id="267" r:id="rId13"/>
-    <p:sldId id="278" r:id="rId14"/>
-    <p:sldId id="292" r:id="rId15"/>
+    <p:sldId id="292" r:id="rId14"/>
+    <p:sldId id="295" r:id="rId15"/>
     <p:sldId id="290" r:id="rId16"/>
     <p:sldId id="268" r:id="rId17"/>
     <p:sldId id="286" r:id="rId18"/>
@@ -29,12 +29,17 @@
     <p:sldId id="288" r:id="rId23"/>
     <p:sldId id="291" r:id="rId24"/>
     <p:sldId id="293" r:id="rId25"/>
-    <p:sldId id="271" r:id="rId26"/>
-    <p:sldId id="272" r:id="rId27"/>
-    <p:sldId id="280" r:id="rId28"/>
-    <p:sldId id="281" r:id="rId29"/>
-    <p:sldId id="282" r:id="rId30"/>
-    <p:sldId id="279" r:id="rId31"/>
+    <p:sldId id="294" r:id="rId26"/>
+    <p:sldId id="271" r:id="rId27"/>
+    <p:sldId id="272" r:id="rId28"/>
+    <p:sldId id="296" r:id="rId29"/>
+    <p:sldId id="297" r:id="rId30"/>
+    <p:sldId id="298" r:id="rId31"/>
+    <p:sldId id="299" r:id="rId32"/>
+    <p:sldId id="280" r:id="rId33"/>
+    <p:sldId id="281" r:id="rId34"/>
+    <p:sldId id="282" r:id="rId35"/>
+    <p:sldId id="279" r:id="rId36"/>
   </p:sldIdLst>
   <p:sldSz cx="12192000" cy="6858000"/>
   <p:notesSz cx="6858000" cy="9144000"/>
@@ -270,7 +275,7 @@
           <a:p>
             <a:fld id="{FF73590D-3124-4960-9155-C9E04695F5F9}" type="datetimeFigureOut">
               <a:rPr lang="zh-CN" altLang="en-US" smtClean="0"/>
-              <a:t>2019/1/4</a:t>
+              <a:t>2019/1/5</a:t>
             </a:fld>
             <a:endParaRPr lang="zh-CN" altLang="en-US"/>
           </a:p>
@@ -438,7 +443,7 @@
           <a:p>
             <a:fld id="{FF73590D-3124-4960-9155-C9E04695F5F9}" type="datetimeFigureOut">
               <a:rPr lang="zh-CN" altLang="en-US" smtClean="0"/>
-              <a:t>2019/1/4</a:t>
+              <a:t>2019/1/5</a:t>
             </a:fld>
             <a:endParaRPr lang="zh-CN" altLang="en-US"/>
           </a:p>
@@ -616,7 +621,7 @@
           <a:p>
             <a:fld id="{FF73590D-3124-4960-9155-C9E04695F5F9}" type="datetimeFigureOut">
               <a:rPr lang="zh-CN" altLang="en-US" smtClean="0"/>
-              <a:t>2019/1/4</a:t>
+              <a:t>2019/1/5</a:t>
             </a:fld>
             <a:endParaRPr lang="zh-CN" altLang="en-US"/>
           </a:p>
@@ -784,7 +789,7 @@
           <a:p>
             <a:fld id="{FF73590D-3124-4960-9155-C9E04695F5F9}" type="datetimeFigureOut">
               <a:rPr lang="zh-CN" altLang="en-US" smtClean="0"/>
-              <a:t>2019/1/4</a:t>
+              <a:t>2019/1/5</a:t>
             </a:fld>
             <a:endParaRPr lang="zh-CN" altLang="en-US"/>
           </a:p>
@@ -1029,7 +1034,7 @@
           <a:p>
             <a:fld id="{FF73590D-3124-4960-9155-C9E04695F5F9}" type="datetimeFigureOut">
               <a:rPr lang="zh-CN" altLang="en-US" smtClean="0"/>
-              <a:t>2019/1/4</a:t>
+              <a:t>2019/1/5</a:t>
             </a:fld>
             <a:endParaRPr lang="zh-CN" altLang="en-US"/>
           </a:p>
@@ -1258,7 +1263,7 @@
           <a:p>
             <a:fld id="{FF73590D-3124-4960-9155-C9E04695F5F9}" type="datetimeFigureOut">
               <a:rPr lang="zh-CN" altLang="en-US" smtClean="0"/>
-              <a:t>2019/1/4</a:t>
+              <a:t>2019/1/5</a:t>
             </a:fld>
             <a:endParaRPr lang="zh-CN" altLang="en-US"/>
           </a:p>
@@ -1622,7 +1627,7 @@
           <a:p>
             <a:fld id="{FF73590D-3124-4960-9155-C9E04695F5F9}" type="datetimeFigureOut">
               <a:rPr lang="zh-CN" altLang="en-US" smtClean="0"/>
-              <a:t>2019/1/4</a:t>
+              <a:t>2019/1/5</a:t>
             </a:fld>
             <a:endParaRPr lang="zh-CN" altLang="en-US"/>
           </a:p>
@@ -1739,7 +1744,7 @@
           <a:p>
             <a:fld id="{FF73590D-3124-4960-9155-C9E04695F5F9}" type="datetimeFigureOut">
               <a:rPr lang="zh-CN" altLang="en-US" smtClean="0"/>
-              <a:t>2019/1/4</a:t>
+              <a:t>2019/1/5</a:t>
             </a:fld>
             <a:endParaRPr lang="zh-CN" altLang="en-US"/>
           </a:p>
@@ -1834,7 +1839,7 @@
           <a:p>
             <a:fld id="{FF73590D-3124-4960-9155-C9E04695F5F9}" type="datetimeFigureOut">
               <a:rPr lang="zh-CN" altLang="en-US" smtClean="0"/>
-              <a:t>2019/1/4</a:t>
+              <a:t>2019/1/5</a:t>
             </a:fld>
             <a:endParaRPr lang="zh-CN" altLang="en-US"/>
           </a:p>
@@ -2109,7 +2114,7 @@
           <a:p>
             <a:fld id="{FF73590D-3124-4960-9155-C9E04695F5F9}" type="datetimeFigureOut">
               <a:rPr lang="zh-CN" altLang="en-US" smtClean="0"/>
-              <a:t>2019/1/4</a:t>
+              <a:t>2019/1/5</a:t>
             </a:fld>
             <a:endParaRPr lang="zh-CN" altLang="en-US"/>
           </a:p>
@@ -2361,7 +2366,7 @@
           <a:p>
             <a:fld id="{FF73590D-3124-4960-9155-C9E04695F5F9}" type="datetimeFigureOut">
               <a:rPr lang="zh-CN" altLang="en-US" smtClean="0"/>
-              <a:t>2019/1/4</a:t>
+              <a:t>2019/1/5</a:t>
             </a:fld>
             <a:endParaRPr lang="zh-CN" altLang="en-US"/>
           </a:p>
@@ -2572,7 +2577,7 @@
           <a:p>
             <a:fld id="{FF73590D-3124-4960-9155-C9E04695F5F9}" type="datetimeFigureOut">
               <a:rPr lang="zh-CN" altLang="en-US" smtClean="0"/>
-              <a:t>2019/1/4</a:t>
+              <a:t>2019/1/5</a:t>
             </a:fld>
             <a:endParaRPr lang="zh-CN" altLang="en-US"/>
           </a:p>
@@ -2998,6 +3003,12 @@
               </a:rPr>
               <a:t>数据结构与算法初探</a:t>
             </a:r>
+            <a:r>
+              <a:rPr lang="zh-CN" altLang="en-US" dirty="0">
+                <a:effectLst/>
+              </a:rPr>
+              <a:t/>
+            </a:r>
             <a:br>
               <a:rPr lang="zh-CN" altLang="en-US" dirty="0">
                 <a:effectLst/>
@@ -3065,6 +3076,13 @@
   <p:clrMapOvr>
     <a:masterClrMapping/>
   </p:clrMapOvr>
+  <p:timing>
+    <p:tnLst>
+      <p:par>
+        <p:cTn id="1" dur="indefinite" restart="never" nodeType="tmRoot"/>
+      </p:par>
+    </p:tnLst>
+  </p:timing>
 </p:sld>
 </file>
 
@@ -3174,6 +3192,13 @@
   <p:clrMapOvr>
     <a:masterClrMapping/>
   </p:clrMapOvr>
+  <p:timing>
+    <p:tnLst>
+      <p:par>
+        <p:cTn id="1" dur="indefinite" restart="never" nodeType="tmRoot"/>
+      </p:par>
+    </p:tnLst>
+  </p:timing>
 </p:sld>
 </file>
 
@@ -3596,8 +3621,8 @@
         </p:nvSpPr>
         <p:spPr>
           <a:xfrm>
-            <a:off x="809625" y="441325"/>
-            <a:ext cx="10475913" cy="5872163"/>
+            <a:off x="809625" y="441326"/>
+            <a:ext cx="10475913" cy="586285"/>
           </a:xfrm>
         </p:spPr>
         <p:txBody>
@@ -3608,7 +3633,11 @@
           <a:p>
             <a:r>
               <a:rPr lang="zh-CN" altLang="en-US" sz="3200" b="1" dirty="0"/>
-              <a:t>空间复杂度</a:t>
+              <a:t>空间复杂</a:t>
+            </a:r>
+            <a:r>
+              <a:rPr lang="zh-CN" altLang="en-US" sz="3200" b="1" dirty="0" smtClean="0"/>
+              <a:t>度 </a:t>
             </a:r>
             <a:endParaRPr lang="en-US" altLang="zh-CN" sz="3200" b="1" dirty="0"/>
           </a:p>
@@ -3618,17 +3647,219 @@
           <a:p>
             <a:endParaRPr lang="en-US" altLang="zh-CN" dirty="0"/>
           </a:p>
-          <a:p>
-            <a:r>
-              <a:rPr lang="en-US" altLang="zh-CN" dirty="0"/>
+        </p:txBody>
+      </p:sp>
+      <p:sp>
+        <p:nvSpPr>
+          <p:cNvPr id="3" name="副标题 2">
+            <a:extLst>
+              <a:ext uri="{FF2B5EF4-FFF2-40B4-BE49-F238E27FC236}">
+                <a16:creationId xmlns:a16="http://schemas.microsoft.com/office/drawing/2014/main" id="{24C62F89-397E-41FE-9EBB-3B168D8DD884}"/>
+              </a:ext>
+            </a:extLst>
+          </p:cNvPr>
+          <p:cNvSpPr txBox="1">
+            <a:spLocks/>
+          </p:cNvSpPr>
+          <p:nvPr/>
+        </p:nvSpPr>
+        <p:spPr>
+          <a:xfrm>
+            <a:off x="962025" y="1288869"/>
+            <a:ext cx="10475913" cy="5164182"/>
+          </a:xfrm>
+          <a:prstGeom prst="rect">
+            <a:avLst/>
+          </a:prstGeom>
+        </p:spPr>
+        <p:txBody>
+          <a:bodyPr vert="horz" lIns="91440" tIns="45720" rIns="91440" bIns="45720" rtlCol="0">
+            <a:normAutofit/>
+          </a:bodyPr>
+          <a:lstStyle>
+            <a:lvl1pPr marL="0" indent="0" algn="ctr" defTabSz="914400" rtl="0" eaLnBrk="1" latinLnBrk="0" hangingPunct="1">
+              <a:lnSpc>
+                <a:spcPct val="90000"/>
+              </a:lnSpc>
+              <a:spcBef>
+                <a:spcPts val="1000"/>
+              </a:spcBef>
+              <a:buFont typeface="Arial" panose="020B0604020202020204" pitchFamily="34" charset="0"/>
+              <a:buNone/>
+              <a:defRPr sz="2400" kern="1200">
+                <a:solidFill>
+                  <a:schemeClr val="tx1"/>
+                </a:solidFill>
+                <a:latin typeface="+mn-lt"/>
+                <a:ea typeface="+mn-ea"/>
+                <a:cs typeface="+mn-cs"/>
+              </a:defRPr>
+            </a:lvl1pPr>
+            <a:lvl2pPr marL="457200" indent="0" algn="ctr" defTabSz="914400" rtl="0" eaLnBrk="1" latinLnBrk="0" hangingPunct="1">
+              <a:lnSpc>
+                <a:spcPct val="90000"/>
+              </a:lnSpc>
+              <a:spcBef>
+                <a:spcPts val="500"/>
+              </a:spcBef>
+              <a:buFont typeface="Arial" panose="020B0604020202020204" pitchFamily="34" charset="0"/>
+              <a:buNone/>
+              <a:defRPr sz="2000" kern="1200">
+                <a:solidFill>
+                  <a:schemeClr val="tx1"/>
+                </a:solidFill>
+                <a:latin typeface="+mn-lt"/>
+                <a:ea typeface="+mn-ea"/>
+                <a:cs typeface="+mn-cs"/>
+              </a:defRPr>
+            </a:lvl2pPr>
+            <a:lvl3pPr marL="914400" indent="0" algn="ctr" defTabSz="914400" rtl="0" eaLnBrk="1" latinLnBrk="0" hangingPunct="1">
+              <a:lnSpc>
+                <a:spcPct val="90000"/>
+              </a:lnSpc>
+              <a:spcBef>
+                <a:spcPts val="500"/>
+              </a:spcBef>
+              <a:buFont typeface="Arial" panose="020B0604020202020204" pitchFamily="34" charset="0"/>
+              <a:buNone/>
+              <a:defRPr sz="1800" kern="1200">
+                <a:solidFill>
+                  <a:schemeClr val="tx1"/>
+                </a:solidFill>
+                <a:latin typeface="+mn-lt"/>
+                <a:ea typeface="+mn-ea"/>
+                <a:cs typeface="+mn-cs"/>
+              </a:defRPr>
+            </a:lvl3pPr>
+            <a:lvl4pPr marL="1371600" indent="0" algn="ctr" defTabSz="914400" rtl="0" eaLnBrk="1" latinLnBrk="0" hangingPunct="1">
+              <a:lnSpc>
+                <a:spcPct val="90000"/>
+              </a:lnSpc>
+              <a:spcBef>
+                <a:spcPts val="500"/>
+              </a:spcBef>
+              <a:buFont typeface="Arial" panose="020B0604020202020204" pitchFamily="34" charset="0"/>
+              <a:buNone/>
+              <a:defRPr sz="1600" kern="1200">
+                <a:solidFill>
+                  <a:schemeClr val="tx1"/>
+                </a:solidFill>
+                <a:latin typeface="+mn-lt"/>
+                <a:ea typeface="+mn-ea"/>
+                <a:cs typeface="+mn-cs"/>
+              </a:defRPr>
+            </a:lvl4pPr>
+            <a:lvl5pPr marL="1828800" indent="0" algn="ctr" defTabSz="914400" rtl="0" eaLnBrk="1" latinLnBrk="0" hangingPunct="1">
+              <a:lnSpc>
+                <a:spcPct val="90000"/>
+              </a:lnSpc>
+              <a:spcBef>
+                <a:spcPts val="500"/>
+              </a:spcBef>
+              <a:buFont typeface="Arial" panose="020B0604020202020204" pitchFamily="34" charset="0"/>
+              <a:buNone/>
+              <a:defRPr sz="1600" kern="1200">
+                <a:solidFill>
+                  <a:schemeClr val="tx1"/>
+                </a:solidFill>
+                <a:latin typeface="+mn-lt"/>
+                <a:ea typeface="+mn-ea"/>
+                <a:cs typeface="+mn-cs"/>
+              </a:defRPr>
+            </a:lvl5pPr>
+            <a:lvl6pPr marL="2286000" indent="0" algn="ctr" defTabSz="914400" rtl="0" eaLnBrk="1" latinLnBrk="0" hangingPunct="1">
+              <a:lnSpc>
+                <a:spcPct val="90000"/>
+              </a:lnSpc>
+              <a:spcBef>
+                <a:spcPts val="500"/>
+              </a:spcBef>
+              <a:buFont typeface="Arial" panose="020B0604020202020204" pitchFamily="34" charset="0"/>
+              <a:buNone/>
+              <a:defRPr sz="1600" kern="1200">
+                <a:solidFill>
+                  <a:schemeClr val="tx1"/>
+                </a:solidFill>
+                <a:latin typeface="+mn-lt"/>
+                <a:ea typeface="+mn-ea"/>
+                <a:cs typeface="+mn-cs"/>
+              </a:defRPr>
+            </a:lvl6pPr>
+            <a:lvl7pPr marL="2743200" indent="0" algn="ctr" defTabSz="914400" rtl="0" eaLnBrk="1" latinLnBrk="0" hangingPunct="1">
+              <a:lnSpc>
+                <a:spcPct val="90000"/>
+              </a:lnSpc>
+              <a:spcBef>
+                <a:spcPts val="500"/>
+              </a:spcBef>
+              <a:buFont typeface="Arial" panose="020B0604020202020204" pitchFamily="34" charset="0"/>
+              <a:buNone/>
+              <a:defRPr sz="1600" kern="1200">
+                <a:solidFill>
+                  <a:schemeClr val="tx1"/>
+                </a:solidFill>
+                <a:latin typeface="+mn-lt"/>
+                <a:ea typeface="+mn-ea"/>
+                <a:cs typeface="+mn-cs"/>
+              </a:defRPr>
+            </a:lvl7pPr>
+            <a:lvl8pPr marL="3200400" indent="0" algn="ctr" defTabSz="914400" rtl="0" eaLnBrk="1" latinLnBrk="0" hangingPunct="1">
+              <a:lnSpc>
+                <a:spcPct val="90000"/>
+              </a:lnSpc>
+              <a:spcBef>
+                <a:spcPts val="500"/>
+              </a:spcBef>
+              <a:buFont typeface="Arial" panose="020B0604020202020204" pitchFamily="34" charset="0"/>
+              <a:buNone/>
+              <a:defRPr sz="1600" kern="1200">
+                <a:solidFill>
+                  <a:schemeClr val="tx1"/>
+                </a:solidFill>
+                <a:latin typeface="+mn-lt"/>
+                <a:ea typeface="+mn-ea"/>
+                <a:cs typeface="+mn-cs"/>
+              </a:defRPr>
+            </a:lvl8pPr>
+            <a:lvl9pPr marL="3657600" indent="0" algn="ctr" defTabSz="914400" rtl="0" eaLnBrk="1" latinLnBrk="0" hangingPunct="1">
+              <a:lnSpc>
+                <a:spcPct val="90000"/>
+              </a:lnSpc>
+              <a:spcBef>
+                <a:spcPts val="500"/>
+              </a:spcBef>
+              <a:buFont typeface="Arial" panose="020B0604020202020204" pitchFamily="34" charset="0"/>
+              <a:buNone/>
+              <a:defRPr sz="1600" kern="1200">
+                <a:solidFill>
+                  <a:schemeClr val="tx1"/>
+                </a:solidFill>
+                <a:latin typeface="+mn-lt"/>
+                <a:ea typeface="+mn-ea"/>
+                <a:cs typeface="+mn-cs"/>
+              </a:defRPr>
+            </a:lvl9pPr>
+          </a:lstStyle>
+          <a:p>
+            <a:endParaRPr lang="en-US" altLang="zh-CN" dirty="0" smtClean="0"/>
+          </a:p>
+          <a:p>
+            <a:endParaRPr lang="en-US" altLang="zh-CN" dirty="0" smtClean="0"/>
+          </a:p>
+          <a:p>
+            <a:endParaRPr lang="en-US" altLang="zh-CN" dirty="0"/>
+          </a:p>
+          <a:p>
+            <a:r>
+              <a:rPr lang="en-US" altLang="zh-CN" dirty="0" smtClean="0"/>
               <a:t>【</a:t>
             </a:r>
             <a:r>
-              <a:rPr lang="zh-CN" altLang="en-US" dirty="0"/>
+              <a:rPr lang="zh-CN" altLang="en-US" dirty="0" smtClean="0"/>
               <a:t>存储空间与数据规模增长的变化</a:t>
             </a:r>
             <a:r>
-              <a:rPr lang="zh-CN" altLang="en-US" b="1" dirty="0">
+              <a:rPr lang="zh-CN" altLang="en-US" b="1" dirty="0" smtClean="0">
                 <a:solidFill>
                   <a:srgbClr val="FF0000"/>
                 </a:solidFill>
@@ -3636,24 +3867,61 @@
               <a:t>趋势</a:t>
             </a:r>
             <a:r>
-              <a:rPr lang="en-US" altLang="zh-CN" dirty="0"/>
+              <a:rPr lang="en-US" altLang="zh-CN" dirty="0" smtClean="0"/>
               <a:t>】</a:t>
             </a:r>
           </a:p>
           <a:p>
-            <a:endParaRPr lang="en-US" altLang="zh-CN" dirty="0"/>
-          </a:p>
-          <a:p>
-            <a:r>
-              <a:rPr lang="en-US" altLang="zh-CN" dirty="0"/>
+            <a:endParaRPr lang="en-US" altLang="zh-CN" dirty="0" smtClean="0"/>
+          </a:p>
+          <a:p>
+            <a:r>
+              <a:rPr lang="en-US" altLang="zh-CN" dirty="0" smtClean="0"/>
               <a:t>【</a:t>
             </a:r>
             <a:r>
+              <a:rPr lang="zh-CN" altLang="en-US" dirty="0" smtClean="0"/>
+              <a:t>渐进空间复杂度</a:t>
+            </a:r>
+            <a:r>
+              <a:rPr lang="en-US" altLang="zh-CN" dirty="0" smtClean="0"/>
+              <a:t>】</a:t>
+            </a:r>
+          </a:p>
+          <a:p>
+            <a:endParaRPr lang="en-US" altLang="zh-CN" dirty="0" smtClean="0"/>
+          </a:p>
+          <a:p>
+            <a:r>
+              <a:rPr lang="en-US" altLang="zh-CN" dirty="0" smtClean="0"/>
+              <a:t>【</a:t>
+            </a:r>
+            <a:r>
+              <a:rPr lang="zh-CN" altLang="en-US" dirty="0" smtClean="0"/>
+              <a:t>算法</a:t>
+            </a:r>
+            <a:r>
+              <a:rPr lang="zh-CN" altLang="en-US" b="1" dirty="0" smtClean="0">
+                <a:solidFill>
+                  <a:srgbClr val="FF0000"/>
+                </a:solidFill>
+              </a:rPr>
+              <a:t>临时</a:t>
+            </a:r>
+            <a:r>
+              <a:rPr lang="zh-CN" altLang="en-US" b="1" dirty="0">
+                <a:solidFill>
+                  <a:srgbClr val="FF0000"/>
+                </a:solidFill>
+              </a:rPr>
+              <a:t>占用</a:t>
+            </a:r>
+            <a:r>
               <a:rPr lang="zh-CN" altLang="en-US" dirty="0"/>
-              <a:t>渐进空间复杂度</a:t>
-            </a:r>
-            <a:r>
-              <a:rPr lang="en-US" altLang="zh-CN" dirty="0"/>
+              <a:t>存储空间大小的量度</a:t>
+            </a:r>
+            <a:r>
+              <a:rPr lang="en-US" altLang="zh-CN" dirty="0" smtClean="0"/>
               <a:t>】</a:t>
             </a:r>
           </a:p>
@@ -3662,7 +3930,7 @@
     </p:spTree>
     <p:extLst>
       <p:ext uri="{BB962C8B-B14F-4D97-AF65-F5344CB8AC3E}">
-        <p14:creationId xmlns:p14="http://schemas.microsoft.com/office/powerpoint/2010/main" val="4064471825"/>
+        <p14:creationId xmlns:p14="http://schemas.microsoft.com/office/powerpoint/2010/main" val="116908222"/>
       </p:ext>
     </p:extLst>
   </p:cSld>
@@ -3707,8 +3975,8 @@
         </p:nvSpPr>
         <p:spPr>
           <a:xfrm>
-            <a:off x="809625" y="441325"/>
-            <a:ext cx="10475913" cy="5872163"/>
+            <a:off x="809625" y="441326"/>
+            <a:ext cx="10475913" cy="586285"/>
           </a:xfrm>
         </p:spPr>
         <p:txBody>
@@ -3719,7 +3987,11 @@
           <a:p>
             <a:r>
               <a:rPr lang="zh-CN" altLang="en-US" sz="3200" b="1" dirty="0"/>
-              <a:t>空间复杂度</a:t>
+              <a:t>空间复杂</a:t>
+            </a:r>
+            <a:r>
+              <a:rPr lang="zh-CN" altLang="en-US" sz="3200" b="1" dirty="0" smtClean="0"/>
+              <a:t>度 </a:t>
             </a:r>
             <a:endParaRPr lang="en-US" altLang="zh-CN" sz="3200" b="1" dirty="0"/>
           </a:p>
@@ -3729,14 +4001,237 @@
           <a:p>
             <a:endParaRPr lang="en-US" altLang="zh-CN" dirty="0"/>
           </a:p>
-          <a:p>
-            <a:r>
-              <a:rPr lang="en-US" altLang="zh-CN" dirty="0"/>
-              <a:t>【</a:t>
+        </p:txBody>
+      </p:sp>
+      <p:sp>
+        <p:nvSpPr>
+          <p:cNvPr id="3" name="副标题 2">
+            <a:extLst>
+              <a:ext uri="{FF2B5EF4-FFF2-40B4-BE49-F238E27FC236}">
+                <a16:creationId xmlns:a16="http://schemas.microsoft.com/office/drawing/2014/main" id="{24C62F89-397E-41FE-9EBB-3B168D8DD884}"/>
+              </a:ext>
+            </a:extLst>
+          </p:cNvPr>
+          <p:cNvSpPr txBox="1">
+            <a:spLocks/>
+          </p:cNvSpPr>
+          <p:nvPr/>
+        </p:nvSpPr>
+        <p:spPr>
+          <a:xfrm>
+            <a:off x="962025" y="2055223"/>
+            <a:ext cx="10475913" cy="5164182"/>
+          </a:xfrm>
+          <a:prstGeom prst="rect">
+            <a:avLst/>
+          </a:prstGeom>
+        </p:spPr>
+        <p:txBody>
+          <a:bodyPr vert="horz" lIns="91440" tIns="45720" rIns="91440" bIns="45720" rtlCol="0">
+            <a:normAutofit/>
+          </a:bodyPr>
+          <a:lstStyle>
+            <a:lvl1pPr marL="0" indent="0" algn="ctr" defTabSz="914400" rtl="0" eaLnBrk="1" latinLnBrk="0" hangingPunct="1">
+              <a:lnSpc>
+                <a:spcPct val="90000"/>
+              </a:lnSpc>
+              <a:spcBef>
+                <a:spcPts val="1000"/>
+              </a:spcBef>
+              <a:buFont typeface="Arial" panose="020B0604020202020204" pitchFamily="34" charset="0"/>
+              <a:buNone/>
+              <a:defRPr sz="2400" kern="1200">
+                <a:solidFill>
+                  <a:schemeClr val="tx1"/>
+                </a:solidFill>
+                <a:latin typeface="+mn-lt"/>
+                <a:ea typeface="+mn-ea"/>
+                <a:cs typeface="+mn-cs"/>
+              </a:defRPr>
+            </a:lvl1pPr>
+            <a:lvl2pPr marL="457200" indent="0" algn="ctr" defTabSz="914400" rtl="0" eaLnBrk="1" latinLnBrk="0" hangingPunct="1">
+              <a:lnSpc>
+                <a:spcPct val="90000"/>
+              </a:lnSpc>
+              <a:spcBef>
+                <a:spcPts val="500"/>
+              </a:spcBef>
+              <a:buFont typeface="Arial" panose="020B0604020202020204" pitchFamily="34" charset="0"/>
+              <a:buNone/>
+              <a:defRPr sz="2000" kern="1200">
+                <a:solidFill>
+                  <a:schemeClr val="tx1"/>
+                </a:solidFill>
+                <a:latin typeface="+mn-lt"/>
+                <a:ea typeface="+mn-ea"/>
+                <a:cs typeface="+mn-cs"/>
+              </a:defRPr>
+            </a:lvl2pPr>
+            <a:lvl3pPr marL="914400" indent="0" algn="ctr" defTabSz="914400" rtl="0" eaLnBrk="1" latinLnBrk="0" hangingPunct="1">
+              <a:lnSpc>
+                <a:spcPct val="90000"/>
+              </a:lnSpc>
+              <a:spcBef>
+                <a:spcPts val="500"/>
+              </a:spcBef>
+              <a:buFont typeface="Arial" panose="020B0604020202020204" pitchFamily="34" charset="0"/>
+              <a:buNone/>
+              <a:defRPr sz="1800" kern="1200">
+                <a:solidFill>
+                  <a:schemeClr val="tx1"/>
+                </a:solidFill>
+                <a:latin typeface="+mn-lt"/>
+                <a:ea typeface="+mn-ea"/>
+                <a:cs typeface="+mn-cs"/>
+              </a:defRPr>
+            </a:lvl3pPr>
+            <a:lvl4pPr marL="1371600" indent="0" algn="ctr" defTabSz="914400" rtl="0" eaLnBrk="1" latinLnBrk="0" hangingPunct="1">
+              <a:lnSpc>
+                <a:spcPct val="90000"/>
+              </a:lnSpc>
+              <a:spcBef>
+                <a:spcPts val="500"/>
+              </a:spcBef>
+              <a:buFont typeface="Arial" panose="020B0604020202020204" pitchFamily="34" charset="0"/>
+              <a:buNone/>
+              <a:defRPr sz="1600" kern="1200">
+                <a:solidFill>
+                  <a:schemeClr val="tx1"/>
+                </a:solidFill>
+                <a:latin typeface="+mn-lt"/>
+                <a:ea typeface="+mn-ea"/>
+                <a:cs typeface="+mn-cs"/>
+              </a:defRPr>
+            </a:lvl4pPr>
+            <a:lvl5pPr marL="1828800" indent="0" algn="ctr" defTabSz="914400" rtl="0" eaLnBrk="1" latinLnBrk="0" hangingPunct="1">
+              <a:lnSpc>
+                <a:spcPct val="90000"/>
+              </a:lnSpc>
+              <a:spcBef>
+                <a:spcPts val="500"/>
+              </a:spcBef>
+              <a:buFont typeface="Arial" panose="020B0604020202020204" pitchFamily="34" charset="0"/>
+              <a:buNone/>
+              <a:defRPr sz="1600" kern="1200">
+                <a:solidFill>
+                  <a:schemeClr val="tx1"/>
+                </a:solidFill>
+                <a:latin typeface="+mn-lt"/>
+                <a:ea typeface="+mn-ea"/>
+                <a:cs typeface="+mn-cs"/>
+              </a:defRPr>
+            </a:lvl5pPr>
+            <a:lvl6pPr marL="2286000" indent="0" algn="ctr" defTabSz="914400" rtl="0" eaLnBrk="1" latinLnBrk="0" hangingPunct="1">
+              <a:lnSpc>
+                <a:spcPct val="90000"/>
+              </a:lnSpc>
+              <a:spcBef>
+                <a:spcPts val="500"/>
+              </a:spcBef>
+              <a:buFont typeface="Arial" panose="020B0604020202020204" pitchFamily="34" charset="0"/>
+              <a:buNone/>
+              <a:defRPr sz="1600" kern="1200">
+                <a:solidFill>
+                  <a:schemeClr val="tx1"/>
+                </a:solidFill>
+                <a:latin typeface="+mn-lt"/>
+                <a:ea typeface="+mn-ea"/>
+                <a:cs typeface="+mn-cs"/>
+              </a:defRPr>
+            </a:lvl6pPr>
+            <a:lvl7pPr marL="2743200" indent="0" algn="ctr" defTabSz="914400" rtl="0" eaLnBrk="1" latinLnBrk="0" hangingPunct="1">
+              <a:lnSpc>
+                <a:spcPct val="90000"/>
+              </a:lnSpc>
+              <a:spcBef>
+                <a:spcPts val="500"/>
+              </a:spcBef>
+              <a:buFont typeface="Arial" panose="020B0604020202020204" pitchFamily="34" charset="0"/>
+              <a:buNone/>
+              <a:defRPr sz="1600" kern="1200">
+                <a:solidFill>
+                  <a:schemeClr val="tx1"/>
+                </a:solidFill>
+                <a:latin typeface="+mn-lt"/>
+                <a:ea typeface="+mn-ea"/>
+                <a:cs typeface="+mn-cs"/>
+              </a:defRPr>
+            </a:lvl7pPr>
+            <a:lvl8pPr marL="3200400" indent="0" algn="ctr" defTabSz="914400" rtl="0" eaLnBrk="1" latinLnBrk="0" hangingPunct="1">
+              <a:lnSpc>
+                <a:spcPct val="90000"/>
+              </a:lnSpc>
+              <a:spcBef>
+                <a:spcPts val="500"/>
+              </a:spcBef>
+              <a:buFont typeface="Arial" panose="020B0604020202020204" pitchFamily="34" charset="0"/>
+              <a:buNone/>
+              <a:defRPr sz="1600" kern="1200">
+                <a:solidFill>
+                  <a:schemeClr val="tx1"/>
+                </a:solidFill>
+                <a:latin typeface="+mn-lt"/>
+                <a:ea typeface="+mn-ea"/>
+                <a:cs typeface="+mn-cs"/>
+              </a:defRPr>
+            </a:lvl8pPr>
+            <a:lvl9pPr marL="3657600" indent="0" algn="ctr" defTabSz="914400" rtl="0" eaLnBrk="1" latinLnBrk="0" hangingPunct="1">
+              <a:lnSpc>
+                <a:spcPct val="90000"/>
+              </a:lnSpc>
+              <a:spcBef>
+                <a:spcPts val="500"/>
+              </a:spcBef>
+              <a:buFont typeface="Arial" panose="020B0604020202020204" pitchFamily="34" charset="0"/>
+              <a:buNone/>
+              <a:defRPr sz="1600" kern="1200">
+                <a:solidFill>
+                  <a:schemeClr val="tx1"/>
+                </a:solidFill>
+                <a:latin typeface="+mn-lt"/>
+                <a:ea typeface="+mn-ea"/>
+                <a:cs typeface="+mn-cs"/>
+              </a:defRPr>
+            </a:lvl9pPr>
+          </a:lstStyle>
+          <a:p>
+            <a:r>
+              <a:rPr lang="zh-CN" altLang="en-US" dirty="0" smtClean="0"/>
+              <a:t>存储</a:t>
             </a:r>
             <a:r>
               <a:rPr lang="zh-CN" altLang="en-US" dirty="0"/>
-              <a:t>存储空间与数据规模增长的变化</a:t>
+              <a:t>算法本身所占用的</a:t>
+            </a:r>
+            <a:r>
+              <a:rPr lang="zh-CN" altLang="en-US" dirty="0" smtClean="0"/>
+              <a:t>存储空间</a:t>
+            </a:r>
+            <a:endParaRPr lang="en-US" altLang="zh-CN" dirty="0" smtClean="0"/>
+          </a:p>
+          <a:p>
+            <a:r>
+              <a:rPr lang="zh-CN" altLang="en-US" dirty="0" smtClean="0"/>
+              <a:t>算法</a:t>
+            </a:r>
+            <a:r>
+              <a:rPr lang="zh-CN" altLang="en-US" dirty="0"/>
+              <a:t>的输入输出数据所占用的</a:t>
+            </a:r>
+            <a:r>
+              <a:rPr lang="zh-CN" altLang="en-US" dirty="0" smtClean="0"/>
+              <a:t>存储空间</a:t>
+            </a:r>
+            <a:endParaRPr lang="en-US" altLang="zh-CN" dirty="0" smtClean="0"/>
+          </a:p>
+          <a:p>
+            <a:r>
+              <a:rPr lang="zh-CN" altLang="en-US" b="1" dirty="0" smtClean="0">
+                <a:solidFill>
+                  <a:srgbClr val="FF0000"/>
+                </a:solidFill>
+              </a:rPr>
+              <a:t>算法</a:t>
             </a:r>
             <a:r>
               <a:rPr lang="zh-CN" altLang="en-US" b="1" dirty="0">
@@ -3744,36 +4239,98 @@
                   <a:srgbClr val="FF0000"/>
                 </a:solidFill>
               </a:rPr>
-              <a:t>趋势</a:t>
-            </a:r>
-            <a:r>
-              <a:rPr lang="en-US" altLang="zh-CN" dirty="0"/>
-              <a:t>】</a:t>
-            </a:r>
+              <a:t>在运行过程中临时占用的</a:t>
+            </a:r>
+            <a:r>
+              <a:rPr lang="zh-CN" altLang="en-US" b="1" dirty="0" smtClean="0">
+                <a:solidFill>
+                  <a:srgbClr val="FF0000"/>
+                </a:solidFill>
+              </a:rPr>
+              <a:t>存储空间</a:t>
+            </a:r>
+            <a:endParaRPr lang="en-US" altLang="zh-CN" b="1" dirty="0">
+              <a:solidFill>
+                <a:srgbClr val="FF0000"/>
+              </a:solidFill>
+            </a:endParaRPr>
+          </a:p>
+          <a:p>
+            <a:endParaRPr lang="en-US" altLang="zh-CN" dirty="0" smtClean="0"/>
+          </a:p>
+          <a:p>
+            <a:r>
+              <a:rPr lang="zh-CN" altLang="en-US" dirty="0" smtClean="0"/>
+              <a:t>算法</a:t>
+            </a:r>
+            <a:r>
+              <a:rPr lang="zh-CN" altLang="en-US" dirty="0"/>
+              <a:t>的输入输出数据所占用的存储空间是由要解决的问题决定</a:t>
+            </a:r>
+            <a:r>
+              <a:rPr lang="zh-CN" altLang="en-US" dirty="0" smtClean="0"/>
+              <a:t>的</a:t>
+            </a:r>
+            <a:endParaRPr lang="en-US" altLang="zh-CN" dirty="0" smtClean="0"/>
+          </a:p>
+          <a:p>
+            <a:r>
+              <a:rPr lang="zh-CN" altLang="en-US" dirty="0" smtClean="0"/>
+              <a:t>存储</a:t>
+            </a:r>
+            <a:r>
+              <a:rPr lang="zh-CN" altLang="en-US" dirty="0"/>
+              <a:t>算法本身所占用的存储空间与算法书写的长短</a:t>
+            </a:r>
+            <a:r>
+              <a:rPr lang="zh-CN" altLang="en-US" dirty="0" smtClean="0"/>
+              <a:t>成正比</a:t>
+            </a:r>
+            <a:endParaRPr lang="en-US" altLang="zh-CN" dirty="0" smtClean="0"/>
           </a:p>
           <a:p>
             <a:endParaRPr lang="en-US" altLang="zh-CN" dirty="0"/>
           </a:p>
           <a:p>
             <a:r>
-              <a:rPr lang="en-US" altLang="zh-CN" dirty="0"/>
-              <a:t>【</a:t>
-            </a:r>
-            <a:r>
-              <a:rPr lang="zh-CN" altLang="en-US" dirty="0"/>
-              <a:t>渐进空间复杂度</a:t>
-            </a:r>
-            <a:r>
-              <a:rPr lang="en-US" altLang="zh-CN" dirty="0"/>
-              <a:t>】</a:t>
-            </a:r>
+              <a:rPr lang="zh-CN" altLang="en-US" dirty="0" smtClean="0"/>
+              <a:t>动态数组（扩容 </a:t>
+            </a:r>
+            <a:r>
+              <a:rPr lang="en-US" altLang="zh-CN" dirty="0" smtClean="0"/>
+              <a:t>+1</a:t>
+            </a:r>
+            <a:r>
+              <a:rPr lang="zh-CN" altLang="en-US" dirty="0" smtClean="0"/>
+              <a:t>，</a:t>
+            </a:r>
+            <a:r>
+              <a:rPr lang="en-US" altLang="zh-CN" dirty="0" smtClean="0"/>
+              <a:t>+n</a:t>
+            </a:r>
+            <a:r>
+              <a:rPr lang="zh-CN" altLang="en-US" dirty="0" smtClean="0"/>
+              <a:t>，*</a:t>
+            </a:r>
+            <a:r>
+              <a:rPr lang="en-US" altLang="zh-CN" dirty="0" smtClean="0"/>
+              <a:t>n</a:t>
+            </a:r>
+            <a:r>
+              <a:rPr lang="zh-CN" altLang="en-US" dirty="0" smtClean="0"/>
+              <a:t>）</a:t>
+            </a:r>
+            <a:endParaRPr lang="zh-CN" altLang="en-US" dirty="0"/>
+          </a:p>
+          <a:p>
+            <a:endParaRPr lang="en-US" altLang="zh-CN" dirty="0" smtClean="0"/>
           </a:p>
         </p:txBody>
       </p:sp>
     </p:spTree>
     <p:extLst>
       <p:ext uri="{BB962C8B-B14F-4D97-AF65-F5344CB8AC3E}">
-        <p14:creationId xmlns:p14="http://schemas.microsoft.com/office/powerpoint/2010/main" val="116908222"/>
+        <p14:creationId xmlns:p14="http://schemas.microsoft.com/office/powerpoint/2010/main" val="1626088482"/>
       </p:ext>
     </p:extLst>
   </p:cSld>
@@ -5483,8 +6040,12 @@
           <a:lstStyle/>
           <a:p>
             <a:r>
-              <a:rPr lang="zh-CN" altLang="en-US" dirty="0"/>
+              <a:rPr lang="zh-CN" altLang="en-US" dirty="0" smtClean="0"/>
               <a:t>屡战屡败</a:t>
+            </a:r>
+            <a:r>
+              <a:rPr lang="zh-CN" altLang="en-US" dirty="0" smtClean="0"/>
+              <a:t>，屡败屡战</a:t>
             </a:r>
             <a:endParaRPr lang="en-US" altLang="zh-CN" dirty="0"/>
           </a:p>
@@ -5536,6 +6097,13 @@
   <p:clrMapOvr>
     <a:masterClrMapping/>
   </p:clrMapOvr>
+  <p:timing>
+    <p:tnLst>
+      <p:par>
+        <p:cTn id="1" dur="indefinite" restart="never" nodeType="tmRoot"/>
+      </p:par>
+    </p:tnLst>
+  </p:timing>
 </p:sld>
 </file>
 
@@ -6358,8 +6926,8 @@
         </p:blipFill>
         <p:spPr>
           <a:xfrm>
-            <a:off x="1105032" y="1388042"/>
-            <a:ext cx="9981935" cy="4844081"/>
+            <a:off x="1340641" y="1170325"/>
+            <a:ext cx="9414922" cy="5448190"/>
           </a:xfrm>
           <a:prstGeom prst="rect">
             <a:avLst/>
@@ -6642,7 +7210,7 @@
         </p:nvSpPr>
         <p:spPr>
           <a:xfrm>
-            <a:off x="809897" y="440825"/>
+            <a:off x="809897" y="423408"/>
             <a:ext cx="10476411" cy="595495"/>
           </a:xfrm>
         </p:spPr>
@@ -6658,275 +7226,56 @@
             </a:r>
             <a:r>
               <a:rPr lang="en-US" altLang="zh-CN" sz="3200" b="1" dirty="0"/>
-              <a:t>— .NET </a:t>
+              <a:t>— </a:t>
             </a:r>
             <a:r>
               <a:rPr lang="zh-CN" altLang="en-US" sz="3200" b="1" dirty="0"/>
-              <a:t>下的数组</a:t>
+              <a:t>越界</a:t>
+            </a:r>
+            <a:r>
+              <a:rPr lang="zh-CN" altLang="en-US" sz="3200" b="1" dirty="0" smtClean="0"/>
+              <a:t>（</a:t>
+            </a:r>
+            <a:r>
+              <a:rPr lang="zh-CN" altLang="en-US" sz="3200" b="1" dirty="0" smtClean="0"/>
+              <a:t>原理</a:t>
+            </a:r>
+            <a:r>
+              <a:rPr lang="zh-CN" altLang="en-US" sz="3200" b="1" dirty="0" smtClean="0"/>
+              <a:t>）</a:t>
             </a:r>
             <a:endParaRPr lang="en-US" altLang="zh-CN" sz="3200" b="1" dirty="0"/>
           </a:p>
         </p:txBody>
       </p:sp>
-      <p:sp>
-        <p:nvSpPr>
-          <p:cNvPr id="3" name="副标题 2"/>
-          <p:cNvSpPr txBox="1">
-            <a:spLocks/>
-          </p:cNvSpPr>
+      <p:pic>
+        <p:nvPicPr>
+          <p:cNvPr id="2" name="图片 1"/>
+          <p:cNvPicPr>
+            <a:picLocks noChangeAspect="1"/>
+          </p:cNvPicPr>
           <p:nvPr/>
-        </p:nvSpPr>
+        </p:nvPicPr>
+        <p:blipFill>
+          <a:blip r:embed="rId2"/>
+          <a:stretch>
+            <a:fillRect/>
+          </a:stretch>
+        </p:blipFill>
         <p:spPr>
           <a:xfrm>
-            <a:off x="809897" y="1741714"/>
-            <a:ext cx="10476411" cy="4675461"/>
+            <a:off x="456125" y="1220871"/>
+            <a:ext cx="11183953" cy="5502189"/>
           </a:xfrm>
           <a:prstGeom prst="rect">
             <a:avLst/>
           </a:prstGeom>
         </p:spPr>
-        <p:txBody>
-          <a:bodyPr vert="horz" lIns="91440" tIns="45720" rIns="91440" bIns="45720" rtlCol="0">
-            <a:normAutofit/>
-          </a:bodyPr>
-          <a:lstStyle>
-            <a:lvl1pPr marL="0" indent="0" algn="ctr" defTabSz="914400" rtl="0" eaLnBrk="1" latinLnBrk="0" hangingPunct="1">
-              <a:lnSpc>
-                <a:spcPct val="90000"/>
-              </a:lnSpc>
-              <a:spcBef>
-                <a:spcPts val="1000"/>
-              </a:spcBef>
-              <a:buFont typeface="Arial" panose="020B0604020202020204" pitchFamily="34" charset="0"/>
-              <a:buNone/>
-              <a:defRPr sz="2400" kern="1200">
-                <a:solidFill>
-                  <a:schemeClr val="tx1"/>
-                </a:solidFill>
-                <a:latin typeface="+mn-lt"/>
-                <a:ea typeface="+mn-ea"/>
-                <a:cs typeface="+mn-cs"/>
-              </a:defRPr>
-            </a:lvl1pPr>
-            <a:lvl2pPr marL="457200" indent="0" algn="ctr" defTabSz="914400" rtl="0" eaLnBrk="1" latinLnBrk="0" hangingPunct="1">
-              <a:lnSpc>
-                <a:spcPct val="90000"/>
-              </a:lnSpc>
-              <a:spcBef>
-                <a:spcPts val="500"/>
-              </a:spcBef>
-              <a:buFont typeface="Arial" panose="020B0604020202020204" pitchFamily="34" charset="0"/>
-              <a:buNone/>
-              <a:defRPr sz="2000" kern="1200">
-                <a:solidFill>
-                  <a:schemeClr val="tx1"/>
-                </a:solidFill>
-                <a:latin typeface="+mn-lt"/>
-                <a:ea typeface="+mn-ea"/>
-                <a:cs typeface="+mn-cs"/>
-              </a:defRPr>
-            </a:lvl2pPr>
-            <a:lvl3pPr marL="914400" indent="0" algn="ctr" defTabSz="914400" rtl="0" eaLnBrk="1" latinLnBrk="0" hangingPunct="1">
-              <a:lnSpc>
-                <a:spcPct val="90000"/>
-              </a:lnSpc>
-              <a:spcBef>
-                <a:spcPts val="500"/>
-              </a:spcBef>
-              <a:buFont typeface="Arial" panose="020B0604020202020204" pitchFamily="34" charset="0"/>
-              <a:buNone/>
-              <a:defRPr sz="1800" kern="1200">
-                <a:solidFill>
-                  <a:schemeClr val="tx1"/>
-                </a:solidFill>
-                <a:latin typeface="+mn-lt"/>
-                <a:ea typeface="+mn-ea"/>
-                <a:cs typeface="+mn-cs"/>
-              </a:defRPr>
-            </a:lvl3pPr>
-            <a:lvl4pPr marL="1371600" indent="0" algn="ctr" defTabSz="914400" rtl="0" eaLnBrk="1" latinLnBrk="0" hangingPunct="1">
-              <a:lnSpc>
-                <a:spcPct val="90000"/>
-              </a:lnSpc>
-              <a:spcBef>
-                <a:spcPts val="500"/>
-              </a:spcBef>
-              <a:buFont typeface="Arial" panose="020B0604020202020204" pitchFamily="34" charset="0"/>
-              <a:buNone/>
-              <a:defRPr sz="1600" kern="1200">
-                <a:solidFill>
-                  <a:schemeClr val="tx1"/>
-                </a:solidFill>
-                <a:latin typeface="+mn-lt"/>
-                <a:ea typeface="+mn-ea"/>
-                <a:cs typeface="+mn-cs"/>
-              </a:defRPr>
-            </a:lvl4pPr>
-            <a:lvl5pPr marL="1828800" indent="0" algn="ctr" defTabSz="914400" rtl="0" eaLnBrk="1" latinLnBrk="0" hangingPunct="1">
-              <a:lnSpc>
-                <a:spcPct val="90000"/>
-              </a:lnSpc>
-              <a:spcBef>
-                <a:spcPts val="500"/>
-              </a:spcBef>
-              <a:buFont typeface="Arial" panose="020B0604020202020204" pitchFamily="34" charset="0"/>
-              <a:buNone/>
-              <a:defRPr sz="1600" kern="1200">
-                <a:solidFill>
-                  <a:schemeClr val="tx1"/>
-                </a:solidFill>
-                <a:latin typeface="+mn-lt"/>
-                <a:ea typeface="+mn-ea"/>
-                <a:cs typeface="+mn-cs"/>
-              </a:defRPr>
-            </a:lvl5pPr>
-            <a:lvl6pPr marL="2286000" indent="0" algn="ctr" defTabSz="914400" rtl="0" eaLnBrk="1" latinLnBrk="0" hangingPunct="1">
-              <a:lnSpc>
-                <a:spcPct val="90000"/>
-              </a:lnSpc>
-              <a:spcBef>
-                <a:spcPts val="500"/>
-              </a:spcBef>
-              <a:buFont typeface="Arial" panose="020B0604020202020204" pitchFamily="34" charset="0"/>
-              <a:buNone/>
-              <a:defRPr sz="1600" kern="1200">
-                <a:solidFill>
-                  <a:schemeClr val="tx1"/>
-                </a:solidFill>
-                <a:latin typeface="+mn-lt"/>
-                <a:ea typeface="+mn-ea"/>
-                <a:cs typeface="+mn-cs"/>
-              </a:defRPr>
-            </a:lvl6pPr>
-            <a:lvl7pPr marL="2743200" indent="0" algn="ctr" defTabSz="914400" rtl="0" eaLnBrk="1" latinLnBrk="0" hangingPunct="1">
-              <a:lnSpc>
-                <a:spcPct val="90000"/>
-              </a:lnSpc>
-              <a:spcBef>
-                <a:spcPts val="500"/>
-              </a:spcBef>
-              <a:buFont typeface="Arial" panose="020B0604020202020204" pitchFamily="34" charset="0"/>
-              <a:buNone/>
-              <a:defRPr sz="1600" kern="1200">
-                <a:solidFill>
-                  <a:schemeClr val="tx1"/>
-                </a:solidFill>
-                <a:latin typeface="+mn-lt"/>
-                <a:ea typeface="+mn-ea"/>
-                <a:cs typeface="+mn-cs"/>
-              </a:defRPr>
-            </a:lvl7pPr>
-            <a:lvl8pPr marL="3200400" indent="0" algn="ctr" defTabSz="914400" rtl="0" eaLnBrk="1" latinLnBrk="0" hangingPunct="1">
-              <a:lnSpc>
-                <a:spcPct val="90000"/>
-              </a:lnSpc>
-              <a:spcBef>
-                <a:spcPts val="500"/>
-              </a:spcBef>
-              <a:buFont typeface="Arial" panose="020B0604020202020204" pitchFamily="34" charset="0"/>
-              <a:buNone/>
-              <a:defRPr sz="1600" kern="1200">
-                <a:solidFill>
-                  <a:schemeClr val="tx1"/>
-                </a:solidFill>
-                <a:latin typeface="+mn-lt"/>
-                <a:ea typeface="+mn-ea"/>
-                <a:cs typeface="+mn-cs"/>
-              </a:defRPr>
-            </a:lvl8pPr>
-            <a:lvl9pPr marL="3657600" indent="0" algn="ctr" defTabSz="914400" rtl="0" eaLnBrk="1" latinLnBrk="0" hangingPunct="1">
-              <a:lnSpc>
-                <a:spcPct val="90000"/>
-              </a:lnSpc>
-              <a:spcBef>
-                <a:spcPts val="500"/>
-              </a:spcBef>
-              <a:buFont typeface="Arial" panose="020B0604020202020204" pitchFamily="34" charset="0"/>
-              <a:buNone/>
-              <a:defRPr sz="1600" kern="1200">
-                <a:solidFill>
-                  <a:schemeClr val="tx1"/>
-                </a:solidFill>
-                <a:latin typeface="+mn-lt"/>
-                <a:ea typeface="+mn-ea"/>
-                <a:cs typeface="+mn-cs"/>
-              </a:defRPr>
-            </a:lvl9pPr>
-          </a:lstStyle>
-          <a:p>
-            <a:endParaRPr lang="en-US" altLang="zh-CN" sz="2000" b="1" dirty="0">
-              <a:hlinkClick r:id="rId2"/>
-            </a:endParaRPr>
-          </a:p>
-          <a:p>
-            <a:r>
-              <a:rPr lang="en-US" altLang="zh-CN" sz="2000" b="1" dirty="0">
-                <a:hlinkClick r:id="rId2"/>
-              </a:rPr>
-              <a:t>https://referencesource.microsoft.com/#mscorlib/system/array.cs</a:t>
-            </a:r>
-            <a:endParaRPr lang="en-US" altLang="zh-CN" sz="2000" b="1" dirty="0"/>
-          </a:p>
-          <a:p>
-            <a:endParaRPr lang="en-US" altLang="zh-CN" sz="2000" b="1" dirty="0"/>
-          </a:p>
-          <a:p>
-            <a:r>
-              <a:rPr lang="en-US" altLang="zh-CN" sz="2000" b="1" dirty="0"/>
-              <a:t>Array     </a:t>
-            </a:r>
-            <a:r>
-              <a:rPr lang="zh-CN" altLang="en-US" sz="2000" b="1" dirty="0"/>
-              <a:t>数组抽象类，数组默认继承</a:t>
-            </a:r>
-            <a:endParaRPr lang="en-US" altLang="zh-CN" sz="2000" b="1" dirty="0"/>
-          </a:p>
-          <a:p>
-            <a:endParaRPr lang="en-US" altLang="zh-CN" sz="2000" b="1" dirty="0"/>
-          </a:p>
-          <a:p>
-            <a:r>
-              <a:rPr lang="en-US" altLang="zh-CN" sz="2000" b="1" dirty="0" err="1"/>
-              <a:t>ArrayList</a:t>
-            </a:r>
-            <a:r>
-              <a:rPr lang="en-US" altLang="zh-CN" sz="2000" b="1" dirty="0"/>
-              <a:t>     </a:t>
-            </a:r>
-            <a:r>
-              <a:rPr lang="zh-CN" altLang="en-US" sz="2000" b="1" dirty="0"/>
-              <a:t>动态数组，动态扩容缩容，装箱开箱</a:t>
-            </a:r>
-            <a:endParaRPr lang="en-US" altLang="zh-CN" sz="2000" b="1" dirty="0"/>
-          </a:p>
-          <a:p>
-            <a:endParaRPr lang="en-US" altLang="zh-CN" sz="2000" b="1" dirty="0"/>
-          </a:p>
-          <a:p>
-            <a:r>
-              <a:rPr lang="en-US" altLang="zh-CN" sz="2000" b="1" dirty="0"/>
-              <a:t>List&lt;T&gt; </a:t>
-            </a:r>
-            <a:r>
-              <a:rPr lang="zh-CN" altLang="en-US" sz="2000" b="1" dirty="0"/>
-              <a:t>列表，</a:t>
-            </a:r>
-            <a:r>
-              <a:rPr lang="en-US" altLang="zh-CN" sz="2000" b="1" dirty="0"/>
-              <a:t>Array + </a:t>
-            </a:r>
-            <a:r>
-              <a:rPr lang="en-US" altLang="zh-CN" sz="2000" b="1" dirty="0" err="1"/>
-              <a:t>ArrayList</a:t>
-            </a:r>
-            <a:endParaRPr lang="en-US" altLang="zh-CN" sz="2000" b="1" dirty="0"/>
-          </a:p>
-        </p:txBody>
-      </p:sp>
+      </p:pic>
     </p:spTree>
     <p:extLst>
       <p:ext uri="{BB962C8B-B14F-4D97-AF65-F5344CB8AC3E}">
-        <p14:creationId xmlns:p14="http://schemas.microsoft.com/office/powerpoint/2010/main" val="1944686092"/>
+        <p14:creationId xmlns:p14="http://schemas.microsoft.com/office/powerpoint/2010/main" val="4101127910"/>
       </p:ext>
     </p:extLst>
   </p:cSld>
@@ -6977,7 +7326,19 @@
           <a:p>
             <a:r>
               <a:rPr lang="zh-CN" altLang="en-US" sz="3200" b="1" dirty="0"/>
-              <a:t>链表</a:t>
+              <a:t>数组 </a:t>
+            </a:r>
+            <a:r>
+              <a:rPr lang="en-US" altLang="zh-CN" sz="3200" b="1" dirty="0"/>
+              <a:t>— .NET </a:t>
+            </a:r>
+            <a:r>
+              <a:rPr lang="zh-CN" altLang="en-US" sz="3200" b="1" dirty="0"/>
+              <a:t>下的</a:t>
+            </a:r>
+            <a:r>
+              <a:rPr lang="zh-CN" altLang="en-US" sz="3200" b="1" dirty="0" smtClean="0"/>
+              <a:t>数组相关</a:t>
             </a:r>
             <a:endParaRPr lang="en-US" altLang="zh-CN" sz="3200" b="1" dirty="0"/>
           </a:p>
@@ -6993,7 +7354,7 @@
         </p:nvSpPr>
         <p:spPr>
           <a:xfrm>
-            <a:off x="809897" y="1568585"/>
+            <a:off x="809897" y="1741714"/>
             <a:ext cx="10476411" cy="4675461"/>
           </a:xfrm>
           <a:prstGeom prst="rect">
@@ -7169,28 +7530,91 @@
             </a:lvl9pPr>
           </a:lstStyle>
           <a:p>
-            <a:r>
-              <a:rPr lang="zh-CN" altLang="en-US" sz="3200" b="1" dirty="0"/>
-              <a:t>什么是链表</a:t>
-            </a:r>
-            <a:endParaRPr lang="en-US" altLang="zh-CN" sz="3200" b="1" dirty="0"/>
-          </a:p>
-          <a:p>
-            <a:endParaRPr lang="en-US" altLang="zh-CN" sz="3200" b="1" dirty="0"/>
-          </a:p>
-          <a:p>
-            <a:r>
-              <a:rPr lang="zh-CN" altLang="en-US" sz="3200" b="1" dirty="0"/>
-              <a:t>链表的类型</a:t>
-            </a:r>
-            <a:endParaRPr lang="en-US" altLang="zh-CN" sz="3200" b="1" dirty="0"/>
+            <a:endParaRPr lang="en-US" altLang="zh-CN" sz="2000" b="1" dirty="0">
+              <a:hlinkClick r:id="rId2"/>
+            </a:endParaRPr>
+          </a:p>
+          <a:p>
+            <a:r>
+              <a:rPr lang="en-US" altLang="zh-CN" sz="2000" b="1" dirty="0">
+                <a:hlinkClick r:id="rId2"/>
+              </a:rPr>
+              <a:t>https://referencesource.microsoft.com/#mscorlib/system/array.cs</a:t>
+            </a:r>
+            <a:endParaRPr lang="en-US" altLang="zh-CN" sz="2000" b="1" dirty="0"/>
+          </a:p>
+          <a:p>
+            <a:endParaRPr lang="en-US" altLang="zh-CN" sz="2000" b="1" dirty="0"/>
+          </a:p>
+          <a:p>
+            <a:r>
+              <a:rPr lang="en-US" altLang="zh-CN" sz="2000" b="1" dirty="0"/>
+              <a:t>Array     </a:t>
+            </a:r>
+            <a:r>
+              <a:rPr lang="zh-CN" altLang="en-US" sz="2000" b="1" dirty="0"/>
+              <a:t>数组抽象类，数组默认</a:t>
+            </a:r>
+            <a:r>
+              <a:rPr lang="zh-CN" altLang="en-US" sz="2000" b="1" dirty="0" smtClean="0"/>
+              <a:t>继承，数组的实现原理</a:t>
+            </a:r>
+            <a:endParaRPr lang="en-US" altLang="zh-CN" sz="2000" b="1" dirty="0"/>
+          </a:p>
+          <a:p>
+            <a:endParaRPr lang="en-US" altLang="zh-CN" sz="2000" b="1" dirty="0"/>
+          </a:p>
+          <a:p>
+            <a:r>
+              <a:rPr lang="en-US" altLang="zh-CN" sz="2000" b="1" dirty="0" err="1"/>
+              <a:t>ArrayList</a:t>
+            </a:r>
+            <a:r>
+              <a:rPr lang="en-US" altLang="zh-CN" sz="2000" b="1" dirty="0"/>
+              <a:t>     </a:t>
+            </a:r>
+            <a:r>
+              <a:rPr lang="zh-CN" altLang="en-US" sz="2000" b="1" dirty="0"/>
+              <a:t>动态数组，动态</a:t>
+            </a:r>
+            <a:r>
+              <a:rPr lang="zh-CN" altLang="en-US" sz="2000" b="1" dirty="0" smtClean="0"/>
+              <a:t>扩容，</a:t>
+            </a:r>
+            <a:r>
+              <a:rPr lang="zh-CN" altLang="en-US" sz="2000" b="1" dirty="0"/>
+              <a:t>装箱开箱</a:t>
+            </a:r>
+            <a:endParaRPr lang="en-US" altLang="zh-CN" sz="2000" b="1" dirty="0"/>
+          </a:p>
+          <a:p>
+            <a:endParaRPr lang="en-US" altLang="zh-CN" sz="2000" b="1" dirty="0"/>
+          </a:p>
+          <a:p>
+            <a:r>
+              <a:rPr lang="en-US" altLang="zh-CN" sz="2000" b="1" dirty="0"/>
+              <a:t>List&lt;T&gt; </a:t>
+            </a:r>
+            <a:r>
+              <a:rPr lang="zh-CN" altLang="en-US" sz="2000" b="1" dirty="0"/>
+              <a:t>列表，</a:t>
+            </a:r>
+            <a:r>
+              <a:rPr lang="en-US" altLang="zh-CN" sz="2000" b="1" dirty="0"/>
+              <a:t>Array + </a:t>
+            </a:r>
+            <a:r>
+              <a:rPr lang="en-US" altLang="zh-CN" sz="2000" b="1" dirty="0" err="1"/>
+              <a:t>ArrayList</a:t>
+            </a:r>
+            <a:endParaRPr lang="en-US" altLang="zh-CN" sz="2000" b="1" dirty="0"/>
           </a:p>
         </p:txBody>
       </p:sp>
     </p:spTree>
     <p:extLst>
       <p:ext uri="{BB962C8B-B14F-4D97-AF65-F5344CB8AC3E}">
-        <p14:creationId xmlns:p14="http://schemas.microsoft.com/office/powerpoint/2010/main" val="373644172"/>
+        <p14:creationId xmlns:p14="http://schemas.microsoft.com/office/powerpoint/2010/main" val="1944686092"/>
       </p:ext>
     </p:extLst>
   </p:cSld>
@@ -7229,8 +7653,8 @@
         </p:nvSpPr>
         <p:spPr>
           <a:xfrm>
-            <a:off x="428897" y="3131252"/>
-            <a:ext cx="3067836" cy="595495"/>
+            <a:off x="809897" y="440825"/>
+            <a:ext cx="10476411" cy="595495"/>
           </a:xfrm>
         </p:spPr>
         <p:txBody>
@@ -7240,8 +7664,1464 @@
           <a:lstStyle/>
           <a:p>
             <a:r>
+              <a:rPr lang="zh-CN" altLang="en-US" sz="3200" b="1" dirty="0" smtClean="0"/>
+              <a:t>链表 </a:t>
+            </a:r>
+            <a:r>
+              <a:rPr lang="en-US" altLang="zh-CN" sz="3200" b="1" dirty="0" smtClean="0"/>
+              <a:t>— </a:t>
+            </a:r>
+            <a:r>
+              <a:rPr lang="zh-CN" altLang="en-US" sz="3200" b="1" dirty="0" smtClean="0"/>
+              <a:t>定义</a:t>
+            </a:r>
+            <a:endParaRPr lang="en-US" altLang="zh-CN" sz="3200" b="1" dirty="0"/>
+          </a:p>
+        </p:txBody>
+      </p:sp>
+      <p:sp>
+        <p:nvSpPr>
+          <p:cNvPr id="3" name="副标题 2"/>
+          <p:cNvSpPr txBox="1">
+            <a:spLocks/>
+          </p:cNvSpPr>
+          <p:nvPr/>
+        </p:nvSpPr>
+        <p:spPr>
+          <a:xfrm>
+            <a:off x="809897" y="1568585"/>
+            <a:ext cx="10476411" cy="4675461"/>
+          </a:xfrm>
+          <a:prstGeom prst="rect">
+            <a:avLst/>
+          </a:prstGeom>
+        </p:spPr>
+        <p:txBody>
+          <a:bodyPr vert="horz" lIns="91440" tIns="45720" rIns="91440" bIns="45720" rtlCol="0">
+            <a:normAutofit/>
+          </a:bodyPr>
+          <a:lstStyle>
+            <a:lvl1pPr marL="0" indent="0" algn="ctr" defTabSz="914400" rtl="0" eaLnBrk="1" latinLnBrk="0" hangingPunct="1">
+              <a:lnSpc>
+                <a:spcPct val="90000"/>
+              </a:lnSpc>
+              <a:spcBef>
+                <a:spcPts val="1000"/>
+              </a:spcBef>
+              <a:buFont typeface="Arial" panose="020B0604020202020204" pitchFamily="34" charset="0"/>
+              <a:buNone/>
+              <a:defRPr sz="2400" kern="1200">
+                <a:solidFill>
+                  <a:schemeClr val="tx1"/>
+                </a:solidFill>
+                <a:latin typeface="+mn-lt"/>
+                <a:ea typeface="+mn-ea"/>
+                <a:cs typeface="+mn-cs"/>
+              </a:defRPr>
+            </a:lvl1pPr>
+            <a:lvl2pPr marL="457200" indent="0" algn="ctr" defTabSz="914400" rtl="0" eaLnBrk="1" latinLnBrk="0" hangingPunct="1">
+              <a:lnSpc>
+                <a:spcPct val="90000"/>
+              </a:lnSpc>
+              <a:spcBef>
+                <a:spcPts val="500"/>
+              </a:spcBef>
+              <a:buFont typeface="Arial" panose="020B0604020202020204" pitchFamily="34" charset="0"/>
+              <a:buNone/>
+              <a:defRPr sz="2000" kern="1200">
+                <a:solidFill>
+                  <a:schemeClr val="tx1"/>
+                </a:solidFill>
+                <a:latin typeface="+mn-lt"/>
+                <a:ea typeface="+mn-ea"/>
+                <a:cs typeface="+mn-cs"/>
+              </a:defRPr>
+            </a:lvl2pPr>
+            <a:lvl3pPr marL="914400" indent="0" algn="ctr" defTabSz="914400" rtl="0" eaLnBrk="1" latinLnBrk="0" hangingPunct="1">
+              <a:lnSpc>
+                <a:spcPct val="90000"/>
+              </a:lnSpc>
+              <a:spcBef>
+                <a:spcPts val="500"/>
+              </a:spcBef>
+              <a:buFont typeface="Arial" panose="020B0604020202020204" pitchFamily="34" charset="0"/>
+              <a:buNone/>
+              <a:defRPr sz="1800" kern="1200">
+                <a:solidFill>
+                  <a:schemeClr val="tx1"/>
+                </a:solidFill>
+                <a:latin typeface="+mn-lt"/>
+                <a:ea typeface="+mn-ea"/>
+                <a:cs typeface="+mn-cs"/>
+              </a:defRPr>
+            </a:lvl3pPr>
+            <a:lvl4pPr marL="1371600" indent="0" algn="ctr" defTabSz="914400" rtl="0" eaLnBrk="1" latinLnBrk="0" hangingPunct="1">
+              <a:lnSpc>
+                <a:spcPct val="90000"/>
+              </a:lnSpc>
+              <a:spcBef>
+                <a:spcPts val="500"/>
+              </a:spcBef>
+              <a:buFont typeface="Arial" panose="020B0604020202020204" pitchFamily="34" charset="0"/>
+              <a:buNone/>
+              <a:defRPr sz="1600" kern="1200">
+                <a:solidFill>
+                  <a:schemeClr val="tx1"/>
+                </a:solidFill>
+                <a:latin typeface="+mn-lt"/>
+                <a:ea typeface="+mn-ea"/>
+                <a:cs typeface="+mn-cs"/>
+              </a:defRPr>
+            </a:lvl4pPr>
+            <a:lvl5pPr marL="1828800" indent="0" algn="ctr" defTabSz="914400" rtl="0" eaLnBrk="1" latinLnBrk="0" hangingPunct="1">
+              <a:lnSpc>
+                <a:spcPct val="90000"/>
+              </a:lnSpc>
+              <a:spcBef>
+                <a:spcPts val="500"/>
+              </a:spcBef>
+              <a:buFont typeface="Arial" panose="020B0604020202020204" pitchFamily="34" charset="0"/>
+              <a:buNone/>
+              <a:defRPr sz="1600" kern="1200">
+                <a:solidFill>
+                  <a:schemeClr val="tx1"/>
+                </a:solidFill>
+                <a:latin typeface="+mn-lt"/>
+                <a:ea typeface="+mn-ea"/>
+                <a:cs typeface="+mn-cs"/>
+              </a:defRPr>
+            </a:lvl5pPr>
+            <a:lvl6pPr marL="2286000" indent="0" algn="ctr" defTabSz="914400" rtl="0" eaLnBrk="1" latinLnBrk="0" hangingPunct="1">
+              <a:lnSpc>
+                <a:spcPct val="90000"/>
+              </a:lnSpc>
+              <a:spcBef>
+                <a:spcPts val="500"/>
+              </a:spcBef>
+              <a:buFont typeface="Arial" panose="020B0604020202020204" pitchFamily="34" charset="0"/>
+              <a:buNone/>
+              <a:defRPr sz="1600" kern="1200">
+                <a:solidFill>
+                  <a:schemeClr val="tx1"/>
+                </a:solidFill>
+                <a:latin typeface="+mn-lt"/>
+                <a:ea typeface="+mn-ea"/>
+                <a:cs typeface="+mn-cs"/>
+              </a:defRPr>
+            </a:lvl6pPr>
+            <a:lvl7pPr marL="2743200" indent="0" algn="ctr" defTabSz="914400" rtl="0" eaLnBrk="1" latinLnBrk="0" hangingPunct="1">
+              <a:lnSpc>
+                <a:spcPct val="90000"/>
+              </a:lnSpc>
+              <a:spcBef>
+                <a:spcPts val="500"/>
+              </a:spcBef>
+              <a:buFont typeface="Arial" panose="020B0604020202020204" pitchFamily="34" charset="0"/>
+              <a:buNone/>
+              <a:defRPr sz="1600" kern="1200">
+                <a:solidFill>
+                  <a:schemeClr val="tx1"/>
+                </a:solidFill>
+                <a:latin typeface="+mn-lt"/>
+                <a:ea typeface="+mn-ea"/>
+                <a:cs typeface="+mn-cs"/>
+              </a:defRPr>
+            </a:lvl7pPr>
+            <a:lvl8pPr marL="3200400" indent="0" algn="ctr" defTabSz="914400" rtl="0" eaLnBrk="1" latinLnBrk="0" hangingPunct="1">
+              <a:lnSpc>
+                <a:spcPct val="90000"/>
+              </a:lnSpc>
+              <a:spcBef>
+                <a:spcPts val="500"/>
+              </a:spcBef>
+              <a:buFont typeface="Arial" panose="020B0604020202020204" pitchFamily="34" charset="0"/>
+              <a:buNone/>
+              <a:defRPr sz="1600" kern="1200">
+                <a:solidFill>
+                  <a:schemeClr val="tx1"/>
+                </a:solidFill>
+                <a:latin typeface="+mn-lt"/>
+                <a:ea typeface="+mn-ea"/>
+                <a:cs typeface="+mn-cs"/>
+              </a:defRPr>
+            </a:lvl8pPr>
+            <a:lvl9pPr marL="3657600" indent="0" algn="ctr" defTabSz="914400" rtl="0" eaLnBrk="1" latinLnBrk="0" hangingPunct="1">
+              <a:lnSpc>
+                <a:spcPct val="90000"/>
+              </a:lnSpc>
+              <a:spcBef>
+                <a:spcPts val="500"/>
+              </a:spcBef>
+              <a:buFont typeface="Arial" panose="020B0604020202020204" pitchFamily="34" charset="0"/>
+              <a:buNone/>
+              <a:defRPr sz="1600" kern="1200">
+                <a:solidFill>
+                  <a:schemeClr val="tx1"/>
+                </a:solidFill>
+                <a:latin typeface="+mn-lt"/>
+                <a:ea typeface="+mn-ea"/>
+                <a:cs typeface="+mn-cs"/>
+              </a:defRPr>
+            </a:lvl9pPr>
+          </a:lstStyle>
+          <a:p>
+            <a:endParaRPr lang="en-US" altLang="zh-CN" sz="2800" dirty="0" smtClean="0"/>
+          </a:p>
+          <a:p>
+            <a:r>
+              <a:rPr lang="zh-CN" altLang="en-US" sz="2800" dirty="0" smtClean="0"/>
+              <a:t>通过指针串联零散的内存块</a:t>
+            </a:r>
+            <a:endParaRPr lang="en-US" altLang="zh-CN" sz="2800" dirty="0" smtClean="0"/>
+          </a:p>
+          <a:p>
+            <a:endParaRPr lang="en-US" altLang="zh-CN" sz="2800" dirty="0" smtClean="0"/>
+          </a:p>
+          <a:p>
+            <a:r>
+              <a:rPr lang="zh-CN" altLang="en-US" sz="2800" dirty="0" smtClean="0"/>
+              <a:t>这里的内存块我们称为结点</a:t>
+            </a:r>
+            <a:endParaRPr lang="en-US" altLang="zh-CN" sz="2800" dirty="0"/>
+          </a:p>
+        </p:txBody>
+      </p:sp>
+    </p:spTree>
+    <p:extLst>
+      <p:ext uri="{BB962C8B-B14F-4D97-AF65-F5344CB8AC3E}">
+        <p14:creationId xmlns:p14="http://schemas.microsoft.com/office/powerpoint/2010/main" val="373644172"/>
+      </p:ext>
+    </p:extLst>
+  </p:cSld>
+  <p:clrMapOvr>
+    <a:masterClrMapping/>
+  </p:clrMapOvr>
+</p:sld>
+</file>
+
+<file path=ppt/slides/slide28.xml><?xml version="1.0" encoding="utf-8"?>
+<p:sld xmlns:a="http://schemas.openxmlformats.org/drawingml/2006/main" xmlns:r="http://schemas.openxmlformats.org/officeDocument/2006/relationships" xmlns:p="http://schemas.openxmlformats.org/presentationml/2006/main">
+  <p:cSld>
+    <p:spTree>
+      <p:nvGrpSpPr>
+        <p:cNvPr id="1" name=""/>
+        <p:cNvGrpSpPr/>
+        <p:nvPr/>
+      </p:nvGrpSpPr>
+      <p:grpSpPr>
+        <a:xfrm>
+          <a:off x="0" y="0"/>
+          <a:ext cx="0" cy="0"/>
+          <a:chOff x="0" y="0"/>
+          <a:chExt cx="0" cy="0"/>
+        </a:xfrm>
+      </p:grpSpPr>
+      <p:sp>
+        <p:nvSpPr>
+          <p:cNvPr id="6" name="副标题 2"/>
+          <p:cNvSpPr>
+            <a:spLocks noGrp="1"/>
+          </p:cNvSpPr>
+          <p:nvPr>
+            <p:ph type="subTitle" idx="1"/>
+          </p:nvPr>
+        </p:nvSpPr>
+        <p:spPr>
+          <a:xfrm>
+            <a:off x="809897" y="440825"/>
+            <a:ext cx="10476411" cy="595495"/>
+          </a:xfrm>
+        </p:spPr>
+        <p:txBody>
+          <a:bodyPr>
+            <a:normAutofit/>
+          </a:bodyPr>
+          <a:lstStyle/>
+          <a:p>
+            <a:r>
+              <a:rPr lang="zh-CN" altLang="en-US" sz="3200" b="1" dirty="0" smtClean="0"/>
+              <a:t>链表 </a:t>
+            </a:r>
+            <a:r>
+              <a:rPr lang="en-US" altLang="zh-CN" sz="3200" b="1" dirty="0" smtClean="0"/>
+              <a:t>— </a:t>
+            </a:r>
+            <a:r>
               <a:rPr lang="zh-CN" altLang="en-US" sz="3200" b="1" dirty="0"/>
-              <a:t>图谱</a:t>
+              <a:t>类型</a:t>
+            </a:r>
+            <a:endParaRPr lang="en-US" altLang="zh-CN" sz="3200" b="1" dirty="0"/>
+          </a:p>
+        </p:txBody>
+      </p:sp>
+      <p:sp>
+        <p:nvSpPr>
+          <p:cNvPr id="3" name="副标题 2"/>
+          <p:cNvSpPr txBox="1">
+            <a:spLocks/>
+          </p:cNvSpPr>
+          <p:nvPr/>
+        </p:nvSpPr>
+        <p:spPr>
+          <a:xfrm>
+            <a:off x="809897" y="1568585"/>
+            <a:ext cx="10476411" cy="4675461"/>
+          </a:xfrm>
+          <a:prstGeom prst="rect">
+            <a:avLst/>
+          </a:prstGeom>
+        </p:spPr>
+        <p:txBody>
+          <a:bodyPr vert="horz" lIns="91440" tIns="45720" rIns="91440" bIns="45720" rtlCol="0">
+            <a:normAutofit/>
+          </a:bodyPr>
+          <a:lstStyle>
+            <a:lvl1pPr marL="0" indent="0" algn="ctr" defTabSz="914400" rtl="0" eaLnBrk="1" latinLnBrk="0" hangingPunct="1">
+              <a:lnSpc>
+                <a:spcPct val="90000"/>
+              </a:lnSpc>
+              <a:spcBef>
+                <a:spcPts val="1000"/>
+              </a:spcBef>
+              <a:buFont typeface="Arial" panose="020B0604020202020204" pitchFamily="34" charset="0"/>
+              <a:buNone/>
+              <a:defRPr sz="2400" kern="1200">
+                <a:solidFill>
+                  <a:schemeClr val="tx1"/>
+                </a:solidFill>
+                <a:latin typeface="+mn-lt"/>
+                <a:ea typeface="+mn-ea"/>
+                <a:cs typeface="+mn-cs"/>
+              </a:defRPr>
+            </a:lvl1pPr>
+            <a:lvl2pPr marL="457200" indent="0" algn="ctr" defTabSz="914400" rtl="0" eaLnBrk="1" latinLnBrk="0" hangingPunct="1">
+              <a:lnSpc>
+                <a:spcPct val="90000"/>
+              </a:lnSpc>
+              <a:spcBef>
+                <a:spcPts val="500"/>
+              </a:spcBef>
+              <a:buFont typeface="Arial" panose="020B0604020202020204" pitchFamily="34" charset="0"/>
+              <a:buNone/>
+              <a:defRPr sz="2000" kern="1200">
+                <a:solidFill>
+                  <a:schemeClr val="tx1"/>
+                </a:solidFill>
+                <a:latin typeface="+mn-lt"/>
+                <a:ea typeface="+mn-ea"/>
+                <a:cs typeface="+mn-cs"/>
+              </a:defRPr>
+            </a:lvl2pPr>
+            <a:lvl3pPr marL="914400" indent="0" algn="ctr" defTabSz="914400" rtl="0" eaLnBrk="1" latinLnBrk="0" hangingPunct="1">
+              <a:lnSpc>
+                <a:spcPct val="90000"/>
+              </a:lnSpc>
+              <a:spcBef>
+                <a:spcPts val="500"/>
+              </a:spcBef>
+              <a:buFont typeface="Arial" panose="020B0604020202020204" pitchFamily="34" charset="0"/>
+              <a:buNone/>
+              <a:defRPr sz="1800" kern="1200">
+                <a:solidFill>
+                  <a:schemeClr val="tx1"/>
+                </a:solidFill>
+                <a:latin typeface="+mn-lt"/>
+                <a:ea typeface="+mn-ea"/>
+                <a:cs typeface="+mn-cs"/>
+              </a:defRPr>
+            </a:lvl3pPr>
+            <a:lvl4pPr marL="1371600" indent="0" algn="ctr" defTabSz="914400" rtl="0" eaLnBrk="1" latinLnBrk="0" hangingPunct="1">
+              <a:lnSpc>
+                <a:spcPct val="90000"/>
+              </a:lnSpc>
+              <a:spcBef>
+                <a:spcPts val="500"/>
+              </a:spcBef>
+              <a:buFont typeface="Arial" panose="020B0604020202020204" pitchFamily="34" charset="0"/>
+              <a:buNone/>
+              <a:defRPr sz="1600" kern="1200">
+                <a:solidFill>
+                  <a:schemeClr val="tx1"/>
+                </a:solidFill>
+                <a:latin typeface="+mn-lt"/>
+                <a:ea typeface="+mn-ea"/>
+                <a:cs typeface="+mn-cs"/>
+              </a:defRPr>
+            </a:lvl4pPr>
+            <a:lvl5pPr marL="1828800" indent="0" algn="ctr" defTabSz="914400" rtl="0" eaLnBrk="1" latinLnBrk="0" hangingPunct="1">
+              <a:lnSpc>
+                <a:spcPct val="90000"/>
+              </a:lnSpc>
+              <a:spcBef>
+                <a:spcPts val="500"/>
+              </a:spcBef>
+              <a:buFont typeface="Arial" panose="020B0604020202020204" pitchFamily="34" charset="0"/>
+              <a:buNone/>
+              <a:defRPr sz="1600" kern="1200">
+                <a:solidFill>
+                  <a:schemeClr val="tx1"/>
+                </a:solidFill>
+                <a:latin typeface="+mn-lt"/>
+                <a:ea typeface="+mn-ea"/>
+                <a:cs typeface="+mn-cs"/>
+              </a:defRPr>
+            </a:lvl5pPr>
+            <a:lvl6pPr marL="2286000" indent="0" algn="ctr" defTabSz="914400" rtl="0" eaLnBrk="1" latinLnBrk="0" hangingPunct="1">
+              <a:lnSpc>
+                <a:spcPct val="90000"/>
+              </a:lnSpc>
+              <a:spcBef>
+                <a:spcPts val="500"/>
+              </a:spcBef>
+              <a:buFont typeface="Arial" panose="020B0604020202020204" pitchFamily="34" charset="0"/>
+              <a:buNone/>
+              <a:defRPr sz="1600" kern="1200">
+                <a:solidFill>
+                  <a:schemeClr val="tx1"/>
+                </a:solidFill>
+                <a:latin typeface="+mn-lt"/>
+                <a:ea typeface="+mn-ea"/>
+                <a:cs typeface="+mn-cs"/>
+              </a:defRPr>
+            </a:lvl6pPr>
+            <a:lvl7pPr marL="2743200" indent="0" algn="ctr" defTabSz="914400" rtl="0" eaLnBrk="1" latinLnBrk="0" hangingPunct="1">
+              <a:lnSpc>
+                <a:spcPct val="90000"/>
+              </a:lnSpc>
+              <a:spcBef>
+                <a:spcPts val="500"/>
+              </a:spcBef>
+              <a:buFont typeface="Arial" panose="020B0604020202020204" pitchFamily="34" charset="0"/>
+              <a:buNone/>
+              <a:defRPr sz="1600" kern="1200">
+                <a:solidFill>
+                  <a:schemeClr val="tx1"/>
+                </a:solidFill>
+                <a:latin typeface="+mn-lt"/>
+                <a:ea typeface="+mn-ea"/>
+                <a:cs typeface="+mn-cs"/>
+              </a:defRPr>
+            </a:lvl7pPr>
+            <a:lvl8pPr marL="3200400" indent="0" algn="ctr" defTabSz="914400" rtl="0" eaLnBrk="1" latinLnBrk="0" hangingPunct="1">
+              <a:lnSpc>
+                <a:spcPct val="90000"/>
+              </a:lnSpc>
+              <a:spcBef>
+                <a:spcPts val="500"/>
+              </a:spcBef>
+              <a:buFont typeface="Arial" panose="020B0604020202020204" pitchFamily="34" charset="0"/>
+              <a:buNone/>
+              <a:defRPr sz="1600" kern="1200">
+                <a:solidFill>
+                  <a:schemeClr val="tx1"/>
+                </a:solidFill>
+                <a:latin typeface="+mn-lt"/>
+                <a:ea typeface="+mn-ea"/>
+                <a:cs typeface="+mn-cs"/>
+              </a:defRPr>
+            </a:lvl8pPr>
+            <a:lvl9pPr marL="3657600" indent="0" algn="ctr" defTabSz="914400" rtl="0" eaLnBrk="1" latinLnBrk="0" hangingPunct="1">
+              <a:lnSpc>
+                <a:spcPct val="90000"/>
+              </a:lnSpc>
+              <a:spcBef>
+                <a:spcPts val="500"/>
+              </a:spcBef>
+              <a:buFont typeface="Arial" panose="020B0604020202020204" pitchFamily="34" charset="0"/>
+              <a:buNone/>
+              <a:defRPr sz="1600" kern="1200">
+                <a:solidFill>
+                  <a:schemeClr val="tx1"/>
+                </a:solidFill>
+                <a:latin typeface="+mn-lt"/>
+                <a:ea typeface="+mn-ea"/>
+                <a:cs typeface="+mn-cs"/>
+              </a:defRPr>
+            </a:lvl9pPr>
+          </a:lstStyle>
+          <a:p>
+            <a:r>
+              <a:rPr lang="zh-CN" altLang="en-US" sz="2800" dirty="0" smtClean="0"/>
+              <a:t>单向链表</a:t>
+            </a:r>
+            <a:endParaRPr lang="en-US" altLang="zh-CN" sz="2800" dirty="0" smtClean="0"/>
+          </a:p>
+          <a:p>
+            <a:endParaRPr lang="en-US" altLang="zh-CN" sz="2800" dirty="0"/>
+          </a:p>
+          <a:p>
+            <a:r>
+              <a:rPr lang="zh-CN" altLang="en-US" sz="2800" dirty="0" smtClean="0"/>
+              <a:t>双向链表</a:t>
+            </a:r>
+            <a:endParaRPr lang="en-US" altLang="zh-CN" sz="2800" dirty="0" smtClean="0"/>
+          </a:p>
+          <a:p>
+            <a:endParaRPr lang="en-US" altLang="zh-CN" sz="2800" dirty="0"/>
+          </a:p>
+          <a:p>
+            <a:r>
+              <a:rPr lang="zh-CN" altLang="en-US" sz="2800" dirty="0" smtClean="0"/>
+              <a:t>循环链表</a:t>
+            </a:r>
+            <a:endParaRPr lang="en-US" altLang="zh-CN" sz="2800" dirty="0" smtClean="0"/>
+          </a:p>
+          <a:p>
+            <a:endParaRPr lang="en-US" altLang="zh-CN" sz="2800" dirty="0"/>
+          </a:p>
+          <a:p>
+            <a:r>
+              <a:rPr lang="zh-CN" altLang="en-US" sz="2800" dirty="0" smtClean="0"/>
+              <a:t>双向循环链表</a:t>
+            </a:r>
+            <a:endParaRPr lang="en-US" altLang="zh-CN" sz="2800" dirty="0"/>
+          </a:p>
+        </p:txBody>
+      </p:sp>
+    </p:spTree>
+    <p:extLst>
+      <p:ext uri="{BB962C8B-B14F-4D97-AF65-F5344CB8AC3E}">
+        <p14:creationId xmlns:p14="http://schemas.microsoft.com/office/powerpoint/2010/main" val="1076485081"/>
+      </p:ext>
+    </p:extLst>
+  </p:cSld>
+  <p:clrMapOvr>
+    <a:masterClrMapping/>
+  </p:clrMapOvr>
+</p:sld>
+</file>
+
+<file path=ppt/slides/slide29.xml><?xml version="1.0" encoding="utf-8"?>
+<p:sld xmlns:a="http://schemas.openxmlformats.org/drawingml/2006/main" xmlns:r="http://schemas.openxmlformats.org/officeDocument/2006/relationships" xmlns:p="http://schemas.openxmlformats.org/presentationml/2006/main">
+  <p:cSld>
+    <p:spTree>
+      <p:nvGrpSpPr>
+        <p:cNvPr id="1" name=""/>
+        <p:cNvGrpSpPr/>
+        <p:nvPr/>
+      </p:nvGrpSpPr>
+      <p:grpSpPr>
+        <a:xfrm>
+          <a:off x="0" y="0"/>
+          <a:ext cx="0" cy="0"/>
+          <a:chOff x="0" y="0"/>
+          <a:chExt cx="0" cy="0"/>
+        </a:xfrm>
+      </p:grpSpPr>
+      <p:sp>
+        <p:nvSpPr>
+          <p:cNvPr id="6" name="副标题 2"/>
+          <p:cNvSpPr>
+            <a:spLocks noGrp="1"/>
+          </p:cNvSpPr>
+          <p:nvPr>
+            <p:ph type="subTitle" idx="1"/>
+          </p:nvPr>
+        </p:nvSpPr>
+        <p:spPr>
+          <a:xfrm>
+            <a:off x="809897" y="440825"/>
+            <a:ext cx="10476411" cy="595495"/>
+          </a:xfrm>
+        </p:spPr>
+        <p:txBody>
+          <a:bodyPr>
+            <a:normAutofit/>
+          </a:bodyPr>
+          <a:lstStyle/>
+          <a:p>
+            <a:r>
+              <a:rPr lang="zh-CN" altLang="en-US" sz="3200" b="1" dirty="0" smtClean="0"/>
+              <a:t>链表 </a:t>
+            </a:r>
+            <a:r>
+              <a:rPr lang="en-US" altLang="zh-CN" sz="3200" b="1" dirty="0" smtClean="0"/>
+              <a:t>— </a:t>
+            </a:r>
+            <a:r>
+              <a:rPr lang="zh-CN" altLang="en-US" sz="3200" b="1" dirty="0"/>
+              <a:t>操作</a:t>
+            </a:r>
+            <a:endParaRPr lang="en-US" altLang="zh-CN" sz="3200" b="1" dirty="0"/>
+          </a:p>
+        </p:txBody>
+      </p:sp>
+      <p:sp>
+        <p:nvSpPr>
+          <p:cNvPr id="3" name="副标题 2"/>
+          <p:cNvSpPr txBox="1">
+            <a:spLocks/>
+          </p:cNvSpPr>
+          <p:nvPr/>
+        </p:nvSpPr>
+        <p:spPr>
+          <a:xfrm>
+            <a:off x="809897" y="1568585"/>
+            <a:ext cx="10476411" cy="4675461"/>
+          </a:xfrm>
+          <a:prstGeom prst="rect">
+            <a:avLst/>
+          </a:prstGeom>
+        </p:spPr>
+        <p:txBody>
+          <a:bodyPr vert="horz" lIns="91440" tIns="45720" rIns="91440" bIns="45720" rtlCol="0">
+            <a:normAutofit/>
+          </a:bodyPr>
+          <a:lstStyle>
+            <a:lvl1pPr marL="0" indent="0" algn="ctr" defTabSz="914400" rtl="0" eaLnBrk="1" latinLnBrk="0" hangingPunct="1">
+              <a:lnSpc>
+                <a:spcPct val="90000"/>
+              </a:lnSpc>
+              <a:spcBef>
+                <a:spcPts val="1000"/>
+              </a:spcBef>
+              <a:buFont typeface="Arial" panose="020B0604020202020204" pitchFamily="34" charset="0"/>
+              <a:buNone/>
+              <a:defRPr sz="2400" kern="1200">
+                <a:solidFill>
+                  <a:schemeClr val="tx1"/>
+                </a:solidFill>
+                <a:latin typeface="+mn-lt"/>
+                <a:ea typeface="+mn-ea"/>
+                <a:cs typeface="+mn-cs"/>
+              </a:defRPr>
+            </a:lvl1pPr>
+            <a:lvl2pPr marL="457200" indent="0" algn="ctr" defTabSz="914400" rtl="0" eaLnBrk="1" latinLnBrk="0" hangingPunct="1">
+              <a:lnSpc>
+                <a:spcPct val="90000"/>
+              </a:lnSpc>
+              <a:spcBef>
+                <a:spcPts val="500"/>
+              </a:spcBef>
+              <a:buFont typeface="Arial" panose="020B0604020202020204" pitchFamily="34" charset="0"/>
+              <a:buNone/>
+              <a:defRPr sz="2000" kern="1200">
+                <a:solidFill>
+                  <a:schemeClr val="tx1"/>
+                </a:solidFill>
+                <a:latin typeface="+mn-lt"/>
+                <a:ea typeface="+mn-ea"/>
+                <a:cs typeface="+mn-cs"/>
+              </a:defRPr>
+            </a:lvl2pPr>
+            <a:lvl3pPr marL="914400" indent="0" algn="ctr" defTabSz="914400" rtl="0" eaLnBrk="1" latinLnBrk="0" hangingPunct="1">
+              <a:lnSpc>
+                <a:spcPct val="90000"/>
+              </a:lnSpc>
+              <a:spcBef>
+                <a:spcPts val="500"/>
+              </a:spcBef>
+              <a:buFont typeface="Arial" panose="020B0604020202020204" pitchFamily="34" charset="0"/>
+              <a:buNone/>
+              <a:defRPr sz="1800" kern="1200">
+                <a:solidFill>
+                  <a:schemeClr val="tx1"/>
+                </a:solidFill>
+                <a:latin typeface="+mn-lt"/>
+                <a:ea typeface="+mn-ea"/>
+                <a:cs typeface="+mn-cs"/>
+              </a:defRPr>
+            </a:lvl3pPr>
+            <a:lvl4pPr marL="1371600" indent="0" algn="ctr" defTabSz="914400" rtl="0" eaLnBrk="1" latinLnBrk="0" hangingPunct="1">
+              <a:lnSpc>
+                <a:spcPct val="90000"/>
+              </a:lnSpc>
+              <a:spcBef>
+                <a:spcPts val="500"/>
+              </a:spcBef>
+              <a:buFont typeface="Arial" panose="020B0604020202020204" pitchFamily="34" charset="0"/>
+              <a:buNone/>
+              <a:defRPr sz="1600" kern="1200">
+                <a:solidFill>
+                  <a:schemeClr val="tx1"/>
+                </a:solidFill>
+                <a:latin typeface="+mn-lt"/>
+                <a:ea typeface="+mn-ea"/>
+                <a:cs typeface="+mn-cs"/>
+              </a:defRPr>
+            </a:lvl4pPr>
+            <a:lvl5pPr marL="1828800" indent="0" algn="ctr" defTabSz="914400" rtl="0" eaLnBrk="1" latinLnBrk="0" hangingPunct="1">
+              <a:lnSpc>
+                <a:spcPct val="90000"/>
+              </a:lnSpc>
+              <a:spcBef>
+                <a:spcPts val="500"/>
+              </a:spcBef>
+              <a:buFont typeface="Arial" panose="020B0604020202020204" pitchFamily="34" charset="0"/>
+              <a:buNone/>
+              <a:defRPr sz="1600" kern="1200">
+                <a:solidFill>
+                  <a:schemeClr val="tx1"/>
+                </a:solidFill>
+                <a:latin typeface="+mn-lt"/>
+                <a:ea typeface="+mn-ea"/>
+                <a:cs typeface="+mn-cs"/>
+              </a:defRPr>
+            </a:lvl5pPr>
+            <a:lvl6pPr marL="2286000" indent="0" algn="ctr" defTabSz="914400" rtl="0" eaLnBrk="1" latinLnBrk="0" hangingPunct="1">
+              <a:lnSpc>
+                <a:spcPct val="90000"/>
+              </a:lnSpc>
+              <a:spcBef>
+                <a:spcPts val="500"/>
+              </a:spcBef>
+              <a:buFont typeface="Arial" panose="020B0604020202020204" pitchFamily="34" charset="0"/>
+              <a:buNone/>
+              <a:defRPr sz="1600" kern="1200">
+                <a:solidFill>
+                  <a:schemeClr val="tx1"/>
+                </a:solidFill>
+                <a:latin typeface="+mn-lt"/>
+                <a:ea typeface="+mn-ea"/>
+                <a:cs typeface="+mn-cs"/>
+              </a:defRPr>
+            </a:lvl6pPr>
+            <a:lvl7pPr marL="2743200" indent="0" algn="ctr" defTabSz="914400" rtl="0" eaLnBrk="1" latinLnBrk="0" hangingPunct="1">
+              <a:lnSpc>
+                <a:spcPct val="90000"/>
+              </a:lnSpc>
+              <a:spcBef>
+                <a:spcPts val="500"/>
+              </a:spcBef>
+              <a:buFont typeface="Arial" panose="020B0604020202020204" pitchFamily="34" charset="0"/>
+              <a:buNone/>
+              <a:defRPr sz="1600" kern="1200">
+                <a:solidFill>
+                  <a:schemeClr val="tx1"/>
+                </a:solidFill>
+                <a:latin typeface="+mn-lt"/>
+                <a:ea typeface="+mn-ea"/>
+                <a:cs typeface="+mn-cs"/>
+              </a:defRPr>
+            </a:lvl7pPr>
+            <a:lvl8pPr marL="3200400" indent="0" algn="ctr" defTabSz="914400" rtl="0" eaLnBrk="1" latinLnBrk="0" hangingPunct="1">
+              <a:lnSpc>
+                <a:spcPct val="90000"/>
+              </a:lnSpc>
+              <a:spcBef>
+                <a:spcPts val="500"/>
+              </a:spcBef>
+              <a:buFont typeface="Arial" panose="020B0604020202020204" pitchFamily="34" charset="0"/>
+              <a:buNone/>
+              <a:defRPr sz="1600" kern="1200">
+                <a:solidFill>
+                  <a:schemeClr val="tx1"/>
+                </a:solidFill>
+                <a:latin typeface="+mn-lt"/>
+                <a:ea typeface="+mn-ea"/>
+                <a:cs typeface="+mn-cs"/>
+              </a:defRPr>
+            </a:lvl8pPr>
+            <a:lvl9pPr marL="3657600" indent="0" algn="ctr" defTabSz="914400" rtl="0" eaLnBrk="1" latinLnBrk="0" hangingPunct="1">
+              <a:lnSpc>
+                <a:spcPct val="90000"/>
+              </a:lnSpc>
+              <a:spcBef>
+                <a:spcPts val="500"/>
+              </a:spcBef>
+              <a:buFont typeface="Arial" panose="020B0604020202020204" pitchFamily="34" charset="0"/>
+              <a:buNone/>
+              <a:defRPr sz="1600" kern="1200">
+                <a:solidFill>
+                  <a:schemeClr val="tx1"/>
+                </a:solidFill>
+                <a:latin typeface="+mn-lt"/>
+                <a:ea typeface="+mn-ea"/>
+                <a:cs typeface="+mn-cs"/>
+              </a:defRPr>
+            </a:lvl9pPr>
+          </a:lstStyle>
+          <a:p>
+            <a:endParaRPr lang="en-US" altLang="zh-CN" sz="2800" dirty="0" smtClean="0"/>
+          </a:p>
+          <a:p>
+            <a:r>
+              <a:rPr lang="zh-CN" altLang="en-US" sz="2800" dirty="0" smtClean="0"/>
+              <a:t>因为不连续内存</a:t>
+            </a:r>
+            <a:endParaRPr lang="en-US" altLang="zh-CN" sz="2800" dirty="0" smtClean="0"/>
+          </a:p>
+          <a:p>
+            <a:endParaRPr lang="en-US" altLang="zh-CN" sz="2800" dirty="0" smtClean="0"/>
+          </a:p>
+          <a:p>
+            <a:r>
+              <a:rPr lang="zh-CN" altLang="en-US" sz="2800" dirty="0"/>
+              <a:t>随机访问</a:t>
+            </a:r>
+            <a:r>
+              <a:rPr lang="zh-CN" altLang="en-US" sz="2800" dirty="0" smtClean="0"/>
+              <a:t> </a:t>
+            </a:r>
+            <a:r>
+              <a:rPr lang="en-US" altLang="zh-CN" sz="2800" dirty="0" smtClean="0"/>
+              <a:t>— </a:t>
+            </a:r>
+            <a:r>
+              <a:rPr lang="zh-CN" altLang="en-US" sz="2800" dirty="0" smtClean="0"/>
+              <a:t>复杂度为 </a:t>
+            </a:r>
+            <a:r>
+              <a:rPr lang="en-US" altLang="zh-CN" sz="2800" dirty="0" smtClean="0"/>
+              <a:t>O(n)</a:t>
+            </a:r>
+          </a:p>
+          <a:p>
+            <a:endParaRPr lang="en-US" altLang="zh-CN" sz="2800" dirty="0"/>
+          </a:p>
+          <a:p>
+            <a:r>
+              <a:rPr lang="zh-CN" altLang="en-US" sz="2800" dirty="0" smtClean="0"/>
+              <a:t>插入</a:t>
+            </a:r>
+            <a:r>
+              <a:rPr lang="en-US" altLang="zh-CN" sz="2800" dirty="0" smtClean="0"/>
+              <a:t>/</a:t>
+            </a:r>
+            <a:r>
+              <a:rPr lang="zh-CN" altLang="en-US" sz="2800" dirty="0" smtClean="0"/>
+              <a:t>删除 </a:t>
+            </a:r>
+            <a:r>
+              <a:rPr lang="en-US" altLang="zh-CN" sz="2800" dirty="0" smtClean="0"/>
+              <a:t>— </a:t>
+            </a:r>
+            <a:r>
+              <a:rPr lang="zh-CN" altLang="en-US" sz="2800" dirty="0" smtClean="0"/>
+              <a:t>复杂度为</a:t>
+            </a:r>
+            <a:r>
+              <a:rPr lang="en-US" altLang="zh-CN" sz="2800" dirty="0" smtClean="0"/>
+              <a:t>O(1)</a:t>
+            </a:r>
+          </a:p>
+          <a:p>
+            <a:endParaRPr lang="en-US" altLang="zh-CN" sz="2800" dirty="0"/>
+          </a:p>
+        </p:txBody>
+      </p:sp>
+    </p:spTree>
+    <p:extLst>
+      <p:ext uri="{BB962C8B-B14F-4D97-AF65-F5344CB8AC3E}">
+        <p14:creationId xmlns:p14="http://schemas.microsoft.com/office/powerpoint/2010/main" val="4003169969"/>
+      </p:ext>
+    </p:extLst>
+  </p:cSld>
+  <p:clrMapOvr>
+    <a:masterClrMapping/>
+  </p:clrMapOvr>
+</p:sld>
+</file>
+
+<file path=ppt/slides/slide3.xml><?xml version="1.0" encoding="utf-8"?>
+<p:sld xmlns:a="http://schemas.openxmlformats.org/drawingml/2006/main" xmlns:r="http://schemas.openxmlformats.org/officeDocument/2006/relationships" xmlns:p="http://schemas.openxmlformats.org/presentationml/2006/main">
+  <p:cSld>
+    <p:spTree>
+      <p:nvGrpSpPr>
+        <p:cNvPr id="1" name=""/>
+        <p:cNvGrpSpPr/>
+        <p:nvPr/>
+      </p:nvGrpSpPr>
+      <p:grpSpPr>
+        <a:xfrm>
+          <a:off x="0" y="0"/>
+          <a:ext cx="0" cy="0"/>
+          <a:chOff x="0" y="0"/>
+          <a:chExt cx="0" cy="0"/>
+        </a:xfrm>
+      </p:grpSpPr>
+      <p:sp>
+        <p:nvSpPr>
+          <p:cNvPr id="2" name="标题 1"/>
+          <p:cNvSpPr>
+            <a:spLocks noGrp="1"/>
+          </p:cNvSpPr>
+          <p:nvPr>
+            <p:ph type="ctrTitle"/>
+          </p:nvPr>
+        </p:nvSpPr>
+        <p:spPr>
+          <a:xfrm>
+            <a:off x="1393370" y="138291"/>
+            <a:ext cx="9144000" cy="1185412"/>
+          </a:xfrm>
+        </p:spPr>
+        <p:txBody>
+          <a:bodyPr/>
+          <a:lstStyle/>
+          <a:p>
+            <a:r>
+              <a:rPr lang="zh-CN" altLang="en-US" b="1" dirty="0"/>
+              <a:t>数据结构 ∞</a:t>
+            </a:r>
+            <a:r>
+              <a:rPr lang="en-US" altLang="zh-CN" b="1" dirty="0"/>
+              <a:t> </a:t>
+            </a:r>
+            <a:r>
+              <a:rPr lang="zh-CN" altLang="en-US" b="1" dirty="0"/>
+              <a:t>算法</a:t>
+            </a:r>
+          </a:p>
+        </p:txBody>
+      </p:sp>
+      <p:sp>
+        <p:nvSpPr>
+          <p:cNvPr id="3" name="副标题 2"/>
+          <p:cNvSpPr>
+            <a:spLocks noGrp="1"/>
+          </p:cNvSpPr>
+          <p:nvPr>
+            <p:ph type="subTitle" idx="1"/>
+          </p:nvPr>
+        </p:nvSpPr>
+        <p:spPr>
+          <a:xfrm>
+            <a:off x="1393370" y="1773234"/>
+            <a:ext cx="9353007" cy="4070217"/>
+          </a:xfrm>
+        </p:spPr>
+        <p:txBody>
+          <a:bodyPr>
+            <a:normAutofit/>
+          </a:bodyPr>
+          <a:lstStyle/>
+          <a:p>
+            <a:endParaRPr lang="en-US" altLang="zh-CN" dirty="0"/>
+          </a:p>
+          <a:p>
+            <a:r>
+              <a:rPr lang="zh-CN" altLang="en-US" dirty="0"/>
+              <a:t>数据结构一存储结构</a:t>
+            </a:r>
+            <a:endParaRPr lang="en-US" altLang="zh-CN" dirty="0"/>
+          </a:p>
+          <a:p>
+            <a:endParaRPr lang="en-US" altLang="zh-CN" dirty="0"/>
+          </a:p>
+          <a:p>
+            <a:r>
+              <a:rPr lang="zh-CN" altLang="en-US" dirty="0"/>
+              <a:t>算法</a:t>
+            </a:r>
+            <a:r>
+              <a:rPr lang="en-US" altLang="zh-CN" dirty="0"/>
+              <a:t>—</a:t>
+            </a:r>
+            <a:r>
+              <a:rPr lang="zh-CN" altLang="en-US" dirty="0"/>
+              <a:t>方法</a:t>
+            </a:r>
+            <a:endParaRPr lang="en-US" altLang="zh-CN" dirty="0"/>
+          </a:p>
+          <a:p>
+            <a:endParaRPr lang="en-US" altLang="zh-CN" dirty="0"/>
+          </a:p>
+          <a:p>
+            <a:r>
+              <a:rPr lang="zh-CN" altLang="en-US" dirty="0"/>
+              <a:t>数据结构为算法服务</a:t>
+            </a:r>
+            <a:endParaRPr lang="en-US" altLang="zh-CN" dirty="0"/>
+          </a:p>
+          <a:p>
+            <a:endParaRPr lang="en-US" altLang="zh-CN" dirty="0"/>
+          </a:p>
+          <a:p>
+            <a:r>
+              <a:rPr lang="zh-CN" altLang="en-US" dirty="0"/>
+              <a:t>算法作用于特定数据结构</a:t>
+            </a:r>
+          </a:p>
+          <a:p>
+            <a:endParaRPr lang="zh-CN" altLang="en-US" dirty="0">
+              <a:effectLst/>
+            </a:endParaRPr>
+          </a:p>
+        </p:txBody>
+      </p:sp>
+    </p:spTree>
+    <p:extLst>
+      <p:ext uri="{BB962C8B-B14F-4D97-AF65-F5344CB8AC3E}">
+        <p14:creationId xmlns:p14="http://schemas.microsoft.com/office/powerpoint/2010/main" val="2827398560"/>
+      </p:ext>
+    </p:extLst>
+  </p:cSld>
+  <p:clrMapOvr>
+    <a:masterClrMapping/>
+  </p:clrMapOvr>
+  <p:timing>
+    <p:tnLst>
+      <p:par>
+        <p:cTn id="1" dur="indefinite" restart="never" nodeType="tmRoot"/>
+      </p:par>
+    </p:tnLst>
+  </p:timing>
+</p:sld>
+</file>
+
+<file path=ppt/slides/slide30.xml><?xml version="1.0" encoding="utf-8"?>
+<p:sld xmlns:a="http://schemas.openxmlformats.org/drawingml/2006/main" xmlns:r="http://schemas.openxmlformats.org/officeDocument/2006/relationships" xmlns:p="http://schemas.openxmlformats.org/presentationml/2006/main">
+  <p:cSld>
+    <p:spTree>
+      <p:nvGrpSpPr>
+        <p:cNvPr id="1" name=""/>
+        <p:cNvGrpSpPr/>
+        <p:nvPr/>
+      </p:nvGrpSpPr>
+      <p:grpSpPr>
+        <a:xfrm>
+          <a:off x="0" y="0"/>
+          <a:ext cx="0" cy="0"/>
+          <a:chOff x="0" y="0"/>
+          <a:chExt cx="0" cy="0"/>
+        </a:xfrm>
+      </p:grpSpPr>
+      <p:sp>
+        <p:nvSpPr>
+          <p:cNvPr id="6" name="副标题 2"/>
+          <p:cNvSpPr>
+            <a:spLocks noGrp="1"/>
+          </p:cNvSpPr>
+          <p:nvPr>
+            <p:ph type="subTitle" idx="1"/>
+          </p:nvPr>
+        </p:nvSpPr>
+        <p:spPr>
+          <a:xfrm>
+            <a:off x="809897" y="440825"/>
+            <a:ext cx="10476411" cy="595495"/>
+          </a:xfrm>
+        </p:spPr>
+        <p:txBody>
+          <a:bodyPr>
+            <a:normAutofit/>
+          </a:bodyPr>
+          <a:lstStyle/>
+          <a:p>
+            <a:r>
+              <a:rPr lang="zh-CN" altLang="en-US" sz="3200" b="1" dirty="0" smtClean="0"/>
+              <a:t>链表 </a:t>
+            </a:r>
+            <a:r>
+              <a:rPr lang="en-US" altLang="zh-CN" sz="3200" b="1" dirty="0" smtClean="0"/>
+              <a:t>— .NET </a:t>
+            </a:r>
+            <a:r>
+              <a:rPr lang="zh-CN" altLang="en-US" sz="3200" b="1" dirty="0" smtClean="0"/>
+              <a:t>下的链表</a:t>
+            </a:r>
+            <a:endParaRPr lang="en-US" altLang="zh-CN" sz="3200" b="1" dirty="0"/>
+          </a:p>
+        </p:txBody>
+      </p:sp>
+      <p:sp>
+        <p:nvSpPr>
+          <p:cNvPr id="3" name="副标题 2"/>
+          <p:cNvSpPr txBox="1">
+            <a:spLocks/>
+          </p:cNvSpPr>
+          <p:nvPr/>
+        </p:nvSpPr>
+        <p:spPr>
+          <a:xfrm>
+            <a:off x="809897" y="1586002"/>
+            <a:ext cx="10476411" cy="4675461"/>
+          </a:xfrm>
+          <a:prstGeom prst="rect">
+            <a:avLst/>
+          </a:prstGeom>
+        </p:spPr>
+        <p:txBody>
+          <a:bodyPr vert="horz" lIns="91440" tIns="45720" rIns="91440" bIns="45720" rtlCol="0">
+            <a:normAutofit/>
+          </a:bodyPr>
+          <a:lstStyle>
+            <a:lvl1pPr marL="0" indent="0" algn="ctr" defTabSz="914400" rtl="0" eaLnBrk="1" latinLnBrk="0" hangingPunct="1">
+              <a:lnSpc>
+                <a:spcPct val="90000"/>
+              </a:lnSpc>
+              <a:spcBef>
+                <a:spcPts val="1000"/>
+              </a:spcBef>
+              <a:buFont typeface="Arial" panose="020B0604020202020204" pitchFamily="34" charset="0"/>
+              <a:buNone/>
+              <a:defRPr sz="2400" kern="1200">
+                <a:solidFill>
+                  <a:schemeClr val="tx1"/>
+                </a:solidFill>
+                <a:latin typeface="+mn-lt"/>
+                <a:ea typeface="+mn-ea"/>
+                <a:cs typeface="+mn-cs"/>
+              </a:defRPr>
+            </a:lvl1pPr>
+            <a:lvl2pPr marL="457200" indent="0" algn="ctr" defTabSz="914400" rtl="0" eaLnBrk="1" latinLnBrk="0" hangingPunct="1">
+              <a:lnSpc>
+                <a:spcPct val="90000"/>
+              </a:lnSpc>
+              <a:spcBef>
+                <a:spcPts val="500"/>
+              </a:spcBef>
+              <a:buFont typeface="Arial" panose="020B0604020202020204" pitchFamily="34" charset="0"/>
+              <a:buNone/>
+              <a:defRPr sz="2000" kern="1200">
+                <a:solidFill>
+                  <a:schemeClr val="tx1"/>
+                </a:solidFill>
+                <a:latin typeface="+mn-lt"/>
+                <a:ea typeface="+mn-ea"/>
+                <a:cs typeface="+mn-cs"/>
+              </a:defRPr>
+            </a:lvl2pPr>
+            <a:lvl3pPr marL="914400" indent="0" algn="ctr" defTabSz="914400" rtl="0" eaLnBrk="1" latinLnBrk="0" hangingPunct="1">
+              <a:lnSpc>
+                <a:spcPct val="90000"/>
+              </a:lnSpc>
+              <a:spcBef>
+                <a:spcPts val="500"/>
+              </a:spcBef>
+              <a:buFont typeface="Arial" panose="020B0604020202020204" pitchFamily="34" charset="0"/>
+              <a:buNone/>
+              <a:defRPr sz="1800" kern="1200">
+                <a:solidFill>
+                  <a:schemeClr val="tx1"/>
+                </a:solidFill>
+                <a:latin typeface="+mn-lt"/>
+                <a:ea typeface="+mn-ea"/>
+                <a:cs typeface="+mn-cs"/>
+              </a:defRPr>
+            </a:lvl3pPr>
+            <a:lvl4pPr marL="1371600" indent="0" algn="ctr" defTabSz="914400" rtl="0" eaLnBrk="1" latinLnBrk="0" hangingPunct="1">
+              <a:lnSpc>
+                <a:spcPct val="90000"/>
+              </a:lnSpc>
+              <a:spcBef>
+                <a:spcPts val="500"/>
+              </a:spcBef>
+              <a:buFont typeface="Arial" panose="020B0604020202020204" pitchFamily="34" charset="0"/>
+              <a:buNone/>
+              <a:defRPr sz="1600" kern="1200">
+                <a:solidFill>
+                  <a:schemeClr val="tx1"/>
+                </a:solidFill>
+                <a:latin typeface="+mn-lt"/>
+                <a:ea typeface="+mn-ea"/>
+                <a:cs typeface="+mn-cs"/>
+              </a:defRPr>
+            </a:lvl4pPr>
+            <a:lvl5pPr marL="1828800" indent="0" algn="ctr" defTabSz="914400" rtl="0" eaLnBrk="1" latinLnBrk="0" hangingPunct="1">
+              <a:lnSpc>
+                <a:spcPct val="90000"/>
+              </a:lnSpc>
+              <a:spcBef>
+                <a:spcPts val="500"/>
+              </a:spcBef>
+              <a:buFont typeface="Arial" panose="020B0604020202020204" pitchFamily="34" charset="0"/>
+              <a:buNone/>
+              <a:defRPr sz="1600" kern="1200">
+                <a:solidFill>
+                  <a:schemeClr val="tx1"/>
+                </a:solidFill>
+                <a:latin typeface="+mn-lt"/>
+                <a:ea typeface="+mn-ea"/>
+                <a:cs typeface="+mn-cs"/>
+              </a:defRPr>
+            </a:lvl5pPr>
+            <a:lvl6pPr marL="2286000" indent="0" algn="ctr" defTabSz="914400" rtl="0" eaLnBrk="1" latinLnBrk="0" hangingPunct="1">
+              <a:lnSpc>
+                <a:spcPct val="90000"/>
+              </a:lnSpc>
+              <a:spcBef>
+                <a:spcPts val="500"/>
+              </a:spcBef>
+              <a:buFont typeface="Arial" panose="020B0604020202020204" pitchFamily="34" charset="0"/>
+              <a:buNone/>
+              <a:defRPr sz="1600" kern="1200">
+                <a:solidFill>
+                  <a:schemeClr val="tx1"/>
+                </a:solidFill>
+                <a:latin typeface="+mn-lt"/>
+                <a:ea typeface="+mn-ea"/>
+                <a:cs typeface="+mn-cs"/>
+              </a:defRPr>
+            </a:lvl6pPr>
+            <a:lvl7pPr marL="2743200" indent="0" algn="ctr" defTabSz="914400" rtl="0" eaLnBrk="1" latinLnBrk="0" hangingPunct="1">
+              <a:lnSpc>
+                <a:spcPct val="90000"/>
+              </a:lnSpc>
+              <a:spcBef>
+                <a:spcPts val="500"/>
+              </a:spcBef>
+              <a:buFont typeface="Arial" panose="020B0604020202020204" pitchFamily="34" charset="0"/>
+              <a:buNone/>
+              <a:defRPr sz="1600" kern="1200">
+                <a:solidFill>
+                  <a:schemeClr val="tx1"/>
+                </a:solidFill>
+                <a:latin typeface="+mn-lt"/>
+                <a:ea typeface="+mn-ea"/>
+                <a:cs typeface="+mn-cs"/>
+              </a:defRPr>
+            </a:lvl7pPr>
+            <a:lvl8pPr marL="3200400" indent="0" algn="ctr" defTabSz="914400" rtl="0" eaLnBrk="1" latinLnBrk="0" hangingPunct="1">
+              <a:lnSpc>
+                <a:spcPct val="90000"/>
+              </a:lnSpc>
+              <a:spcBef>
+                <a:spcPts val="500"/>
+              </a:spcBef>
+              <a:buFont typeface="Arial" panose="020B0604020202020204" pitchFamily="34" charset="0"/>
+              <a:buNone/>
+              <a:defRPr sz="1600" kern="1200">
+                <a:solidFill>
+                  <a:schemeClr val="tx1"/>
+                </a:solidFill>
+                <a:latin typeface="+mn-lt"/>
+                <a:ea typeface="+mn-ea"/>
+                <a:cs typeface="+mn-cs"/>
+              </a:defRPr>
+            </a:lvl8pPr>
+            <a:lvl9pPr marL="3657600" indent="0" algn="ctr" defTabSz="914400" rtl="0" eaLnBrk="1" latinLnBrk="0" hangingPunct="1">
+              <a:lnSpc>
+                <a:spcPct val="90000"/>
+              </a:lnSpc>
+              <a:spcBef>
+                <a:spcPts val="500"/>
+              </a:spcBef>
+              <a:buFont typeface="Arial" panose="020B0604020202020204" pitchFamily="34" charset="0"/>
+              <a:buNone/>
+              <a:defRPr sz="1600" kern="1200">
+                <a:solidFill>
+                  <a:schemeClr val="tx1"/>
+                </a:solidFill>
+                <a:latin typeface="+mn-lt"/>
+                <a:ea typeface="+mn-ea"/>
+                <a:cs typeface="+mn-cs"/>
+              </a:defRPr>
+            </a:lvl9pPr>
+          </a:lstStyle>
+          <a:p>
+            <a:endParaRPr lang="en-US" altLang="zh-CN" sz="2800" dirty="0" smtClean="0">
+              <a:hlinkClick r:id="rId2"/>
+            </a:endParaRPr>
+          </a:p>
+          <a:p>
+            <a:endParaRPr lang="en-US" altLang="zh-CN" sz="2800" dirty="0">
+              <a:hlinkClick r:id="rId2"/>
+            </a:endParaRPr>
+          </a:p>
+          <a:p>
+            <a:endParaRPr lang="en-US" altLang="zh-CN" sz="2800" dirty="0" smtClean="0">
+              <a:hlinkClick r:id="rId2"/>
+            </a:endParaRPr>
+          </a:p>
+          <a:p>
+            <a:r>
+              <a:rPr lang="en-US" altLang="zh-CN" sz="2800" dirty="0" smtClean="0">
+                <a:hlinkClick r:id="rId2"/>
+              </a:rPr>
+              <a:t>https</a:t>
+            </a:r>
+            <a:r>
+              <a:rPr lang="en-US" altLang="zh-CN" sz="2800" dirty="0">
+                <a:hlinkClick r:id="rId2"/>
+              </a:rPr>
+              <a:t>://referencesource.microsoft.com/#</a:t>
+            </a:r>
+            <a:r>
+              <a:rPr lang="en-US" altLang="zh-CN" sz="2800" dirty="0" smtClean="0">
+                <a:hlinkClick r:id="rId2"/>
+              </a:rPr>
+              <a:t>System/compmod/system/collections/generic/linkedlist.cs</a:t>
+            </a:r>
+            <a:endParaRPr lang="en-US" altLang="zh-CN" sz="2800" dirty="0" smtClean="0"/>
+          </a:p>
+          <a:p>
+            <a:endParaRPr lang="en-US" altLang="zh-CN" sz="2800" dirty="0"/>
+          </a:p>
+          <a:p>
+            <a:r>
+              <a:rPr lang="zh-CN" altLang="en-US" sz="2800" dirty="0" smtClean="0"/>
+              <a:t>双向循环链表</a:t>
+            </a:r>
+            <a:endParaRPr lang="en-US" altLang="zh-CN" sz="2800" dirty="0" smtClean="0"/>
+          </a:p>
+          <a:p>
+            <a:endParaRPr lang="en-US" altLang="zh-CN" sz="2800" dirty="0"/>
+          </a:p>
+        </p:txBody>
+      </p:sp>
+    </p:spTree>
+    <p:extLst>
+      <p:ext uri="{BB962C8B-B14F-4D97-AF65-F5344CB8AC3E}">
+        <p14:creationId xmlns:p14="http://schemas.microsoft.com/office/powerpoint/2010/main" val="2726117677"/>
+      </p:ext>
+    </p:extLst>
+  </p:cSld>
+  <p:clrMapOvr>
+    <a:masterClrMapping/>
+  </p:clrMapOvr>
+</p:sld>
+</file>
+
+<file path=ppt/slides/slide31.xml><?xml version="1.0" encoding="utf-8"?>
+<p:sld xmlns:a="http://schemas.openxmlformats.org/drawingml/2006/main" xmlns:r="http://schemas.openxmlformats.org/officeDocument/2006/relationships" xmlns:p="http://schemas.openxmlformats.org/presentationml/2006/main">
+  <p:cSld>
+    <p:spTree>
+      <p:nvGrpSpPr>
+        <p:cNvPr id="1" name=""/>
+        <p:cNvGrpSpPr/>
+        <p:nvPr/>
+      </p:nvGrpSpPr>
+      <p:grpSpPr>
+        <a:xfrm>
+          <a:off x="0" y="0"/>
+          <a:ext cx="0" cy="0"/>
+          <a:chOff x="0" y="0"/>
+          <a:chExt cx="0" cy="0"/>
+        </a:xfrm>
+      </p:grpSpPr>
+      <p:sp>
+        <p:nvSpPr>
+          <p:cNvPr id="6" name="副标题 2"/>
+          <p:cNvSpPr>
+            <a:spLocks noGrp="1"/>
+          </p:cNvSpPr>
+          <p:nvPr>
+            <p:ph type="subTitle" idx="1"/>
+          </p:nvPr>
+        </p:nvSpPr>
+        <p:spPr>
+          <a:xfrm>
+            <a:off x="809897" y="423408"/>
+            <a:ext cx="10476411" cy="595495"/>
+          </a:xfrm>
+        </p:spPr>
+        <p:txBody>
+          <a:bodyPr>
+            <a:normAutofit/>
+          </a:bodyPr>
+          <a:lstStyle/>
+          <a:p>
+            <a:r>
+              <a:rPr lang="zh-CN" altLang="en-US" sz="3200" b="1" dirty="0" smtClean="0"/>
+              <a:t>链表 </a:t>
+            </a:r>
+            <a:r>
+              <a:rPr lang="en-US" altLang="zh-CN" sz="3200" b="1" dirty="0" smtClean="0"/>
+              <a:t>— .NET </a:t>
+            </a:r>
+            <a:r>
+              <a:rPr lang="zh-CN" altLang="en-US" sz="3200" b="1" dirty="0" smtClean="0"/>
+              <a:t>下的链表</a:t>
+            </a:r>
+            <a:endParaRPr lang="en-US" altLang="zh-CN" sz="3200" b="1" dirty="0"/>
+          </a:p>
+        </p:txBody>
+      </p:sp>
+      <p:pic>
+        <p:nvPicPr>
+          <p:cNvPr id="2" name="图片 1"/>
+          <p:cNvPicPr>
+            <a:picLocks noChangeAspect="1"/>
+          </p:cNvPicPr>
+          <p:nvPr/>
+        </p:nvPicPr>
+        <p:blipFill>
+          <a:blip r:embed="rId2"/>
+          <a:stretch>
+            <a:fillRect/>
+          </a:stretch>
+        </p:blipFill>
+        <p:spPr>
+          <a:xfrm>
+            <a:off x="576630" y="1119971"/>
+            <a:ext cx="10274250" cy="5527287"/>
+          </a:xfrm>
+          <a:prstGeom prst="rect">
+            <a:avLst/>
+          </a:prstGeom>
+        </p:spPr>
+      </p:pic>
+      <p:pic>
+        <p:nvPicPr>
+          <p:cNvPr id="4" name="图片 3"/>
+          <p:cNvPicPr>
+            <a:picLocks noChangeAspect="1"/>
+          </p:cNvPicPr>
+          <p:nvPr/>
+        </p:nvPicPr>
+        <p:blipFill>
+          <a:blip r:embed="rId3"/>
+          <a:stretch>
+            <a:fillRect/>
+          </a:stretch>
+        </p:blipFill>
+        <p:spPr>
+          <a:xfrm>
+            <a:off x="7584840" y="3761694"/>
+            <a:ext cx="3701468" cy="2525894"/>
+          </a:xfrm>
+          <a:prstGeom prst="rect">
+            <a:avLst/>
+          </a:prstGeom>
+        </p:spPr>
+      </p:pic>
+    </p:spTree>
+    <p:extLst>
+      <p:ext uri="{BB962C8B-B14F-4D97-AF65-F5344CB8AC3E}">
+        <p14:creationId xmlns:p14="http://schemas.microsoft.com/office/powerpoint/2010/main" val="2815810976"/>
+      </p:ext>
+    </p:extLst>
+  </p:cSld>
+  <p:clrMapOvr>
+    <a:masterClrMapping/>
+  </p:clrMapOvr>
+</p:sld>
+</file>
+
+<file path=ppt/slides/slide32.xml><?xml version="1.0" encoding="utf-8"?>
+<p:sld xmlns:a="http://schemas.openxmlformats.org/drawingml/2006/main" xmlns:r="http://schemas.openxmlformats.org/officeDocument/2006/relationships" xmlns:p="http://schemas.openxmlformats.org/presentationml/2006/main">
+  <p:cSld>
+    <p:spTree>
+      <p:nvGrpSpPr>
+        <p:cNvPr id="1" name=""/>
+        <p:cNvGrpSpPr/>
+        <p:nvPr/>
+      </p:nvGrpSpPr>
+      <p:grpSpPr>
+        <a:xfrm>
+          <a:off x="0" y="0"/>
+          <a:ext cx="0" cy="0"/>
+          <a:chOff x="0" y="0"/>
+          <a:chExt cx="0" cy="0"/>
+        </a:xfrm>
+      </p:grpSpPr>
+      <p:sp>
+        <p:nvSpPr>
+          <p:cNvPr id="6" name="副标题 2"/>
+          <p:cNvSpPr>
+            <a:spLocks noGrp="1"/>
+          </p:cNvSpPr>
+          <p:nvPr>
+            <p:ph type="subTitle" idx="1"/>
+          </p:nvPr>
+        </p:nvSpPr>
+        <p:spPr>
+          <a:xfrm>
+            <a:off x="428897" y="3131252"/>
+            <a:ext cx="3067836" cy="2059057"/>
+          </a:xfrm>
+        </p:spPr>
+        <p:txBody>
+          <a:bodyPr>
+            <a:normAutofit/>
+          </a:bodyPr>
+          <a:lstStyle/>
+          <a:p>
+            <a:r>
+              <a:rPr lang="zh-CN" altLang="en-US" sz="3200" b="1" dirty="0" smtClean="0"/>
+              <a:t>数据结构与算法知识图谱</a:t>
             </a:r>
             <a:endParaRPr lang="en-US" altLang="zh-CN" sz="3200" b="1" dirty="0"/>
           </a:p>
@@ -7276,7 +9156,7 @@
         <p:spPr>
           <a:xfrm>
             <a:off x="3731761" y="0"/>
-            <a:ext cx="6148839" cy="6858000"/>
+            <a:ext cx="8050936" cy="6858000"/>
           </a:xfrm>
           <a:prstGeom prst="rect">
             <a:avLst/>
@@ -7302,7 +9182,7 @@
 </p:sld>
 </file>
 
-<file path=ppt/slides/slide28.xml><?xml version="1.0" encoding="utf-8"?>
+<file path=ppt/slides/slide33.xml><?xml version="1.0" encoding="utf-8"?>
 <p:sld xmlns:a="http://schemas.openxmlformats.org/drawingml/2006/main" xmlns:r="http://schemas.openxmlformats.org/officeDocument/2006/relationships" xmlns:p="http://schemas.openxmlformats.org/presentationml/2006/main">
   <p:cSld>
     <p:spTree>
@@ -7703,7 +9583,7 @@
 </p:sld>
 </file>
 
-<file path=ppt/slides/slide29.xml><?xml version="1.0" encoding="utf-8"?>
+<file path=ppt/slides/slide34.xml><?xml version="1.0" encoding="utf-8"?>
 <p:sld xmlns:a="http://schemas.openxmlformats.org/drawingml/2006/main" xmlns:r="http://schemas.openxmlformats.org/officeDocument/2006/relationships" xmlns:p="http://schemas.openxmlformats.org/presentationml/2006/main">
   <p:cSld>
     <p:spTree>
@@ -7799,7 +9679,7 @@
 </p:sld>
 </file>
 
-<file path=ppt/slides/slide3.xml><?xml version="1.0" encoding="utf-8"?>
+<file path=ppt/slides/slide35.xml><?xml version="1.0" encoding="utf-8"?>
 <p:sld xmlns:a="http://schemas.openxmlformats.org/drawingml/2006/main" xmlns:r="http://schemas.openxmlformats.org/officeDocument/2006/relationships" xmlns:p="http://schemas.openxmlformats.org/presentationml/2006/main">
   <p:cSld>
     <p:spTree>
@@ -7818,146 +9698,6 @@
       </p:grpSpPr>
       <p:sp>
         <p:nvSpPr>
-          <p:cNvPr id="2" name="标题 1"/>
-          <p:cNvSpPr>
-            <a:spLocks noGrp="1"/>
-          </p:cNvSpPr>
-          <p:nvPr>
-            <p:ph type="ctrTitle"/>
-          </p:nvPr>
-        </p:nvSpPr>
-        <p:spPr>
-          <a:xfrm>
-            <a:off x="1393370" y="138291"/>
-            <a:ext cx="9144000" cy="1185412"/>
-          </a:xfrm>
-        </p:spPr>
-        <p:txBody>
-          <a:bodyPr/>
-          <a:lstStyle/>
-          <a:p>
-            <a:r>
-              <a:rPr lang="zh-CN" altLang="en-US" b="1" dirty="0"/>
-              <a:t>数据结构 ∞</a:t>
-            </a:r>
-            <a:r>
-              <a:rPr lang="en-US" altLang="zh-CN" b="1" dirty="0"/>
-              <a:t> </a:t>
-            </a:r>
-            <a:r>
-              <a:rPr lang="zh-CN" altLang="en-US" b="1" dirty="0"/>
-              <a:t>算法</a:t>
-            </a:r>
-          </a:p>
-        </p:txBody>
-      </p:sp>
-      <p:sp>
-        <p:nvSpPr>
-          <p:cNvPr id="3" name="副标题 2"/>
-          <p:cNvSpPr>
-            <a:spLocks noGrp="1"/>
-          </p:cNvSpPr>
-          <p:nvPr>
-            <p:ph type="subTitle" idx="1"/>
-          </p:nvPr>
-        </p:nvSpPr>
-        <p:spPr>
-          <a:xfrm>
-            <a:off x="1393370" y="1773234"/>
-            <a:ext cx="9353007" cy="4070217"/>
-          </a:xfrm>
-        </p:spPr>
-        <p:txBody>
-          <a:bodyPr>
-            <a:normAutofit/>
-          </a:bodyPr>
-          <a:lstStyle/>
-          <a:p>
-            <a:endParaRPr lang="en-US" altLang="zh-CN" dirty="0"/>
-          </a:p>
-          <a:p>
-            <a:r>
-              <a:rPr lang="zh-CN" altLang="en-US" dirty="0"/>
-              <a:t>数据结构一存储结构</a:t>
-            </a:r>
-            <a:endParaRPr lang="en-US" altLang="zh-CN" dirty="0"/>
-          </a:p>
-          <a:p>
-            <a:endParaRPr lang="en-US" altLang="zh-CN" dirty="0"/>
-          </a:p>
-          <a:p>
-            <a:r>
-              <a:rPr lang="zh-CN" altLang="en-US" dirty="0"/>
-              <a:t>算法</a:t>
-            </a:r>
-            <a:r>
-              <a:rPr lang="en-US" altLang="zh-CN" dirty="0"/>
-              <a:t>—</a:t>
-            </a:r>
-            <a:r>
-              <a:rPr lang="zh-CN" altLang="en-US" dirty="0"/>
-              <a:t>方法</a:t>
-            </a:r>
-            <a:endParaRPr lang="en-US" altLang="zh-CN" dirty="0"/>
-          </a:p>
-          <a:p>
-            <a:endParaRPr lang="en-US" altLang="zh-CN" dirty="0"/>
-          </a:p>
-          <a:p>
-            <a:r>
-              <a:rPr lang="zh-CN" altLang="en-US" dirty="0"/>
-              <a:t>数据结构为算法服务</a:t>
-            </a:r>
-            <a:endParaRPr lang="en-US" altLang="zh-CN" dirty="0"/>
-          </a:p>
-          <a:p>
-            <a:endParaRPr lang="en-US" altLang="zh-CN" dirty="0"/>
-          </a:p>
-          <a:p>
-            <a:r>
-              <a:rPr lang="zh-CN" altLang="en-US" dirty="0"/>
-              <a:t>算法作用于特定数据结构</a:t>
-            </a:r>
-          </a:p>
-          <a:p>
-            <a:endParaRPr lang="zh-CN" altLang="en-US" dirty="0">
-              <a:effectLst/>
-            </a:endParaRPr>
-          </a:p>
-        </p:txBody>
-      </p:sp>
-    </p:spTree>
-    <p:extLst>
-      <p:ext uri="{BB962C8B-B14F-4D97-AF65-F5344CB8AC3E}">
-        <p14:creationId xmlns:p14="http://schemas.microsoft.com/office/powerpoint/2010/main" val="2827398560"/>
-      </p:ext>
-    </p:extLst>
-  </p:cSld>
-  <p:clrMapOvr>
-    <a:masterClrMapping/>
-  </p:clrMapOvr>
-</p:sld>
-</file>
-
-<file path=ppt/slides/slide30.xml><?xml version="1.0" encoding="utf-8"?>
-<p:sld xmlns:a="http://schemas.openxmlformats.org/drawingml/2006/main" xmlns:r="http://schemas.openxmlformats.org/officeDocument/2006/relationships" xmlns:p="http://schemas.openxmlformats.org/presentationml/2006/main">
-  <p:cSld>
-    <p:spTree>
-      <p:nvGrpSpPr>
-        <p:cNvPr id="1" name=""/>
-        <p:cNvGrpSpPr/>
-        <p:nvPr/>
-      </p:nvGrpSpPr>
-      <p:grpSpPr>
-        <a:xfrm>
-          <a:off x="0" y="0"/>
-          <a:ext cx="0" cy="0"/>
-          <a:chOff x="0" y="0"/>
-          <a:chExt cx="0" cy="0"/>
-        </a:xfrm>
-      </p:grpSpPr>
-      <p:sp>
-        <p:nvSpPr>
           <p:cNvPr id="6" name="副标题 2"/>
           <p:cNvSpPr>
             <a:spLocks noGrp="1"/>
@@ -8197,7 +9937,7 @@
           </a:p>
           <a:p>
             <a:r>
-              <a:rPr lang="zh-CN" altLang="en-US" sz="2800" dirty="0"/>
+              <a:rPr lang="zh-CN" altLang="en-US" sz="2800" dirty="0" smtClean="0"/>
               <a:t>递归和排序算法</a:t>
             </a:r>
             <a:endParaRPr lang="en-US" altLang="zh-CN" sz="2800" dirty="0"/>
@@ -8344,6 +10084,13 @@
   <p:clrMapOvr>
     <a:masterClrMapping/>
   </p:clrMapOvr>
+  <p:timing>
+    <p:tnLst>
+      <p:par>
+        <p:cTn id="1" dur="indefinite" restart="never" nodeType="tmRoot"/>
+      </p:par>
+    </p:tnLst>
+  </p:timing>
 </p:sld>
 </file>
 
@@ -8377,11 +10124,13 @@
         <p:spPr>
           <a:xfrm>
             <a:off x="1419497" y="4655775"/>
-            <a:ext cx="9196252" cy="1797276"/>
+            <a:ext cx="9596846" cy="1980156"/>
           </a:xfrm>
         </p:spPr>
         <p:txBody>
-          <a:bodyPr/>
+          <a:bodyPr>
+            <a:normAutofit fontScale="92500" lnSpcReduction="10000"/>
+          </a:bodyPr>
           <a:lstStyle/>
           <a:p>
             <a:r>
@@ -8389,17 +10138,55 @@
               <a:t>Q</a:t>
             </a:r>
             <a:r>
+              <a:rPr lang="zh-CN" altLang="en-US" dirty="0" smtClean="0"/>
+              <a:t>：</a:t>
+            </a:r>
+            <a:r>
+              <a:rPr lang="en-US" altLang="zh-CN" b="1" dirty="0" smtClean="0"/>
+              <a:t>n=10</a:t>
+            </a:r>
+            <a:r>
+              <a:rPr lang="zh-CN" altLang="en-US" b="1" dirty="0" smtClean="0"/>
+              <a:t>，这</a:t>
+            </a:r>
+            <a:r>
+              <a:rPr lang="zh-CN" altLang="en-US" b="1" dirty="0"/>
+              <a:t>段代码的执行时间 </a:t>
+            </a:r>
+            <a:r>
+              <a:rPr lang="en-US" altLang="zh-CN" b="1" dirty="0" smtClean="0"/>
+              <a:t>T(10)=?</a:t>
+            </a:r>
+          </a:p>
+          <a:p>
+            <a:endParaRPr lang="en-US" altLang="zh-CN" b="1" dirty="0"/>
+          </a:p>
+          <a:p>
+            <a:r>
+              <a:rPr lang="en-US" altLang="zh-CN" dirty="0"/>
+              <a:t>Q</a:t>
+            </a:r>
+            <a:r>
               <a:rPr lang="zh-CN" altLang="en-US" dirty="0"/>
               <a:t>：</a:t>
             </a:r>
             <a:r>
+              <a:rPr lang="en-US" altLang="zh-CN" b="1" dirty="0" smtClean="0"/>
+              <a:t>n=100</a:t>
+            </a:r>
+            <a:r>
+              <a:rPr lang="zh-CN" altLang="en-US" b="1" dirty="0" smtClean="0"/>
+              <a:t>，</a:t>
+            </a:r>
+            <a:r>
               <a:rPr lang="zh-CN" altLang="en-US" b="1" dirty="0"/>
               <a:t>这段代码的执行时间 </a:t>
             </a:r>
             <a:r>
-              <a:rPr lang="en-US" altLang="zh-CN" b="1" dirty="0"/>
-              <a:t>T(n)=?</a:t>
-            </a:r>
+              <a:rPr lang="en-US" altLang="zh-CN" b="1" dirty="0" smtClean="0"/>
+              <a:t>T(100)=?</a:t>
+            </a:r>
+            <a:endParaRPr lang="en-US" altLang="zh-CN" b="1" dirty="0"/>
           </a:p>
           <a:p>
             <a:endParaRPr lang="en-US" altLang="zh-CN" dirty="0"/>
@@ -8418,16 +10205,24 @@
               <a:t>T(n) </a:t>
             </a:r>
             <a:r>
-              <a:rPr lang="zh-CN" altLang="en-US" b="1" dirty="0"/>
-              <a:t>与 </a:t>
-            </a:r>
-            <a:r>
-              <a:rPr lang="en-US" altLang="zh-CN" b="1" dirty="0"/>
-              <a:t>f(n) </a:t>
-            </a:r>
-            <a:r>
-              <a:rPr lang="zh-CN" altLang="en-US" b="1" dirty="0"/>
-              <a:t>的关系怎么表示？</a:t>
+              <a:rPr lang="zh-CN" altLang="en-US" b="1" dirty="0" smtClean="0"/>
+              <a:t>是怎么增长的？</a:t>
+            </a:r>
+            <a:r>
+              <a:rPr lang="en-US" altLang="zh-CN" b="1" dirty="0" smtClean="0"/>
+              <a:t>T(n)</a:t>
+            </a:r>
+            <a:r>
+              <a:rPr lang="zh-CN" altLang="en-US" b="1" dirty="0" smtClean="0"/>
+              <a:t>和</a:t>
+            </a:r>
+            <a:r>
+              <a:rPr lang="en-US" altLang="zh-CN" b="1" dirty="0" smtClean="0"/>
+              <a:t>f(n)</a:t>
+            </a:r>
+            <a:r>
+              <a:rPr lang="zh-CN" altLang="en-US" b="1" dirty="0" smtClean="0"/>
+              <a:t>的关系</a:t>
             </a:r>
             <a:endParaRPr lang="en-US" altLang="zh-CN" b="1" dirty="0"/>
           </a:p>
@@ -8472,6 +10267,13 @@
   <p:clrMapOvr>
     <a:masterClrMapping/>
   </p:clrMapOvr>
+  <p:timing>
+    <p:tnLst>
+      <p:par>
+        <p:cTn id="1" dur="indefinite" restart="never" nodeType="tmRoot"/>
+      </p:par>
+    </p:tnLst>
+  </p:timing>
 </p:sld>
 </file>
 
@@ -8586,6 +10388,13 @@
   <p:clrMapOvr>
     <a:masterClrMapping/>
   </p:clrMapOvr>
+  <p:timing>
+    <p:tnLst>
+      <p:par>
+        <p:cTn id="1" dur="indefinite" restart="never" nodeType="tmRoot"/>
+      </p:par>
+    </p:tnLst>
+  </p:timing>
 </p:sld>
 </file>
 
@@ -8629,16 +10438,16 @@
           <a:lstStyle/>
           <a:p>
             <a:r>
+              <a:rPr lang="zh-CN" altLang="en-US" sz="3200" b="1" dirty="0" smtClean="0"/>
+              <a:t>时间</a:t>
+            </a:r>
+            <a:r>
               <a:rPr lang="zh-CN" altLang="en-US" sz="3200" b="1" dirty="0"/>
-              <a:t>大</a:t>
-            </a:r>
-            <a:r>
-              <a:rPr lang="en-US" altLang="zh-CN" sz="3200" b="1" dirty="0"/>
-              <a:t>O</a:t>
-            </a:r>
-            <a:r>
-              <a:rPr lang="zh-CN" altLang="en-US" sz="3200" b="1" dirty="0"/>
-              <a:t>时间复杂度</a:t>
+              <a:t>复杂</a:t>
+            </a:r>
+            <a:r>
+              <a:rPr lang="zh-CN" altLang="en-US" sz="3200" b="1" dirty="0" smtClean="0"/>
+              <a:t>度 </a:t>
             </a:r>
             <a:endParaRPr lang="en-US" altLang="zh-CN" sz="3200" b="1" dirty="0"/>
           </a:p>
@@ -8833,6 +10642,13 @@
   <p:clrMapOvr>
     <a:masterClrMapping/>
   </p:clrMapOvr>
+  <p:timing>
+    <p:tnLst>
+      <p:par>
+        <p:cTn id="1" dur="indefinite" restart="never" nodeType="tmRoot"/>
+      </p:par>
+    </p:tnLst>
+  </p:timing>
 </p:sld>
 </file>
 
@@ -8876,16 +10692,12 @@
           <a:lstStyle/>
           <a:p>
             <a:r>
+              <a:rPr lang="zh-CN" altLang="en-US" sz="3200" b="1" dirty="0" smtClean="0"/>
+              <a:t>时间</a:t>
+            </a:r>
+            <a:r>
               <a:rPr lang="zh-CN" altLang="en-US" sz="3200" b="1" dirty="0"/>
-              <a:t>大</a:t>
-            </a:r>
-            <a:r>
-              <a:rPr lang="en-US" altLang="zh-CN" sz="3200" b="1" dirty="0"/>
-              <a:t>O</a:t>
-            </a:r>
-            <a:r>
-              <a:rPr lang="zh-CN" altLang="en-US" sz="3200" b="1" dirty="0"/>
-              <a:t>时间复杂度</a:t>
+              <a:t>复杂度</a:t>
             </a:r>
             <a:endParaRPr lang="en-US" altLang="zh-CN" sz="3200" b="1" dirty="0"/>
           </a:p>
@@ -8939,6 +10751,13 @@
   <p:clrMapOvr>
     <a:masterClrMapping/>
   </p:clrMapOvr>
+  <p:timing>
+    <p:tnLst>
+      <p:par>
+        <p:cTn id="1" dur="indefinite" restart="never" nodeType="tmRoot"/>
+      </p:par>
+    </p:tnLst>
+  </p:timing>
 </p:sld>
 </file>
 
@@ -9031,6 +10850,13 @@
   <p:clrMapOvr>
     <a:masterClrMapping/>
   </p:clrMapOvr>
+  <p:timing>
+    <p:tnLst>
+      <p:par>
+        <p:cTn id="1" dur="indefinite" restart="never" nodeType="tmRoot"/>
+      </p:par>
+    </p:tnLst>
+  </p:timing>
 </p:sld>
 </file>
 

--- a/ALG/docs/数据结构与算法.pptx
+++ b/ALG/docs/数据结构与算法.pptx
@@ -275,7 +275,7 @@
           <a:p>
             <a:fld id="{FF73590D-3124-4960-9155-C9E04695F5F9}" type="datetimeFigureOut">
               <a:rPr lang="zh-CN" altLang="en-US" smtClean="0"/>
-              <a:t>2019/1/5</a:t>
+              <a:t>2019/1/9</a:t>
             </a:fld>
             <a:endParaRPr lang="zh-CN" altLang="en-US"/>
           </a:p>
@@ -443,7 +443,7 @@
           <a:p>
             <a:fld id="{FF73590D-3124-4960-9155-C9E04695F5F9}" type="datetimeFigureOut">
               <a:rPr lang="zh-CN" altLang="en-US" smtClean="0"/>
-              <a:t>2019/1/5</a:t>
+              <a:t>2019/1/9</a:t>
             </a:fld>
             <a:endParaRPr lang="zh-CN" altLang="en-US"/>
           </a:p>
@@ -621,7 +621,7 @@
           <a:p>
             <a:fld id="{FF73590D-3124-4960-9155-C9E04695F5F9}" type="datetimeFigureOut">
               <a:rPr lang="zh-CN" altLang="en-US" smtClean="0"/>
-              <a:t>2019/1/5</a:t>
+              <a:t>2019/1/9</a:t>
             </a:fld>
             <a:endParaRPr lang="zh-CN" altLang="en-US"/>
           </a:p>
@@ -789,7 +789,7 @@
           <a:p>
             <a:fld id="{FF73590D-3124-4960-9155-C9E04695F5F9}" type="datetimeFigureOut">
               <a:rPr lang="zh-CN" altLang="en-US" smtClean="0"/>
-              <a:t>2019/1/5</a:t>
+              <a:t>2019/1/9</a:t>
             </a:fld>
             <a:endParaRPr lang="zh-CN" altLang="en-US"/>
           </a:p>
@@ -1034,7 +1034,7 @@
           <a:p>
             <a:fld id="{FF73590D-3124-4960-9155-C9E04695F5F9}" type="datetimeFigureOut">
               <a:rPr lang="zh-CN" altLang="en-US" smtClean="0"/>
-              <a:t>2019/1/5</a:t>
+              <a:t>2019/1/9</a:t>
             </a:fld>
             <a:endParaRPr lang="zh-CN" altLang="en-US"/>
           </a:p>
@@ -1263,7 +1263,7 @@
           <a:p>
             <a:fld id="{FF73590D-3124-4960-9155-C9E04695F5F9}" type="datetimeFigureOut">
               <a:rPr lang="zh-CN" altLang="en-US" smtClean="0"/>
-              <a:t>2019/1/5</a:t>
+              <a:t>2019/1/9</a:t>
             </a:fld>
             <a:endParaRPr lang="zh-CN" altLang="en-US"/>
           </a:p>
@@ -1627,7 +1627,7 @@
           <a:p>
             <a:fld id="{FF73590D-3124-4960-9155-C9E04695F5F9}" type="datetimeFigureOut">
               <a:rPr lang="zh-CN" altLang="en-US" smtClean="0"/>
-              <a:t>2019/1/5</a:t>
+              <a:t>2019/1/9</a:t>
             </a:fld>
             <a:endParaRPr lang="zh-CN" altLang="en-US"/>
           </a:p>
@@ -1744,7 +1744,7 @@
           <a:p>
             <a:fld id="{FF73590D-3124-4960-9155-C9E04695F5F9}" type="datetimeFigureOut">
               <a:rPr lang="zh-CN" altLang="en-US" smtClean="0"/>
-              <a:t>2019/1/5</a:t>
+              <a:t>2019/1/9</a:t>
             </a:fld>
             <a:endParaRPr lang="zh-CN" altLang="en-US"/>
           </a:p>
@@ -1839,7 +1839,7 @@
           <a:p>
             <a:fld id="{FF73590D-3124-4960-9155-C9E04695F5F9}" type="datetimeFigureOut">
               <a:rPr lang="zh-CN" altLang="en-US" smtClean="0"/>
-              <a:t>2019/1/5</a:t>
+              <a:t>2019/1/9</a:t>
             </a:fld>
             <a:endParaRPr lang="zh-CN" altLang="en-US"/>
           </a:p>
@@ -2114,7 +2114,7 @@
           <a:p>
             <a:fld id="{FF73590D-3124-4960-9155-C9E04695F5F9}" type="datetimeFigureOut">
               <a:rPr lang="zh-CN" altLang="en-US" smtClean="0"/>
-              <a:t>2019/1/5</a:t>
+              <a:t>2019/1/9</a:t>
             </a:fld>
             <a:endParaRPr lang="zh-CN" altLang="en-US"/>
           </a:p>
@@ -2366,7 +2366,7 @@
           <a:p>
             <a:fld id="{FF73590D-3124-4960-9155-C9E04695F5F9}" type="datetimeFigureOut">
               <a:rPr lang="zh-CN" altLang="en-US" smtClean="0"/>
-              <a:t>2019/1/5</a:t>
+              <a:t>2019/1/9</a:t>
             </a:fld>
             <a:endParaRPr lang="zh-CN" altLang="en-US"/>
           </a:p>
@@ -2577,7 +2577,7 @@
           <a:p>
             <a:fld id="{FF73590D-3124-4960-9155-C9E04695F5F9}" type="datetimeFigureOut">
               <a:rPr lang="zh-CN" altLang="en-US" smtClean="0"/>
-              <a:t>2019/1/5</a:t>
+              <a:t>2019/1/9</a:t>
             </a:fld>
             <a:endParaRPr lang="zh-CN" altLang="en-US"/>
           </a:p>
@@ -6041,11 +6041,7 @@
           <a:p>
             <a:r>
               <a:rPr lang="zh-CN" altLang="en-US" dirty="0" smtClean="0"/>
-              <a:t>屡战屡败</a:t>
-            </a:r>
-            <a:r>
-              <a:rPr lang="zh-CN" altLang="en-US" dirty="0" smtClean="0"/>
-              <a:t>，屡败屡战</a:t>
+              <a:t>屡战屡败，屡败屡战</a:t>
             </a:r>
             <a:endParaRPr lang="en-US" altLang="zh-CN" dirty="0"/>
           </a:p>
@@ -7234,15 +7230,7 @@
             </a:r>
             <a:r>
               <a:rPr lang="zh-CN" altLang="en-US" sz="3200" b="1" dirty="0" smtClean="0"/>
-              <a:t>（</a:t>
-            </a:r>
-            <a:r>
-              <a:rPr lang="zh-CN" altLang="en-US" sz="3200" b="1" dirty="0" smtClean="0"/>
-              <a:t>原理</a:t>
-            </a:r>
-            <a:r>
-              <a:rPr lang="zh-CN" altLang="en-US" sz="3200" b="1" dirty="0" smtClean="0"/>
-              <a:t>）</a:t>
+              <a:t>（原理）</a:t>
             </a:r>
             <a:endParaRPr lang="en-US" altLang="zh-CN" sz="3200" b="1" dirty="0"/>
           </a:p>
@@ -9239,8 +9227,8 @@
         </p:nvSpPr>
         <p:spPr>
           <a:xfrm>
-            <a:off x="809897" y="1568585"/>
-            <a:ext cx="10984170" cy="5179348"/>
+            <a:off x="809897" y="1150572"/>
+            <a:ext cx="10984170" cy="5615988"/>
           </a:xfrm>
           <a:prstGeom prst="rect">
             <a:avLst/>
@@ -9248,7 +9236,7 @@
         </p:spPr>
         <p:txBody>
           <a:bodyPr vert="horz" lIns="91440" tIns="45720" rIns="91440" bIns="45720" rtlCol="0">
-            <a:normAutofit fontScale="92500" lnSpcReduction="10000"/>
+            <a:normAutofit fontScale="92500" lnSpcReduction="20000"/>
           </a:bodyPr>
           <a:lstStyle>
             <a:lvl1pPr marL="0" indent="0" algn="ctr" defTabSz="914400" rtl="0" eaLnBrk="1" latinLnBrk="0" hangingPunct="1">
@@ -9552,8 +9540,38 @@
               <a:rPr lang="en-US" altLang="zh-CN" sz="2000" b="1" dirty="0">
                 <a:hlinkClick r:id="rId10"/>
               </a:rPr>
-              <a:t>https://docs.microsoft.com/en-us/previous-versions/ms379571(v=vs.80)</a:t>
-            </a:r>
+              <a:t>https://docs.microsoft.com/en-us/previous-versions/ms379571(v=vs.80</a:t>
+            </a:r>
+            <a:r>
+              <a:rPr lang="en-US" altLang="zh-CN" sz="2000" b="1" dirty="0" smtClean="0">
+                <a:hlinkClick r:id="rId10"/>
+              </a:rPr>
+              <a:t>)</a:t>
+            </a:r>
+            <a:endParaRPr lang="en-US" altLang="zh-CN" sz="2000" b="1" dirty="0" smtClean="0"/>
+          </a:p>
+          <a:p>
+            <a:endParaRPr lang="en-US" altLang="zh-CN" sz="2000" b="1" dirty="0" smtClean="0"/>
+          </a:p>
+          <a:p>
+            <a:r>
+              <a:rPr lang="en-US" altLang="zh-CN" sz="2000" b="1" dirty="0">
+                <a:hlinkClick r:id="rId11"/>
+              </a:rPr>
+              <a:t>https://</a:t>
+            </a:r>
+            <a:r>
+              <a:rPr lang="en-US" altLang="zh-CN" sz="2000" b="1" dirty="0" smtClean="0">
+                <a:hlinkClick r:id="rId11"/>
+              </a:rPr>
+              <a:t>github.com/sunchong/ALG</a:t>
+            </a:r>
+            <a:endParaRPr lang="en-US" altLang="zh-CN" sz="2000" b="1" dirty="0" smtClean="0"/>
+          </a:p>
+          <a:p>
+            <a:endParaRPr lang="en-US" altLang="zh-CN" sz="2000" b="1" dirty="0" smtClean="0"/>
+          </a:p>
+          <a:p>
             <a:endParaRPr lang="en-US" altLang="zh-CN" sz="2000" b="1" dirty="0"/>
           </a:p>
           <a:p>
